--- a/Lesson4/img/Figures.pptx
+++ b/Lesson4/img/Figures.pptx
@@ -10,6 +10,9 @@
     <p:sldId id="258" r:id="rId4"/>
     <p:sldId id="259" r:id="rId5"/>
     <p:sldId id="260" r:id="rId6"/>
+    <p:sldId id="263" r:id="rId7"/>
+    <p:sldId id="261" r:id="rId8"/>
+    <p:sldId id="262" r:id="rId9"/>
   </p:sldIdLst>
   <p:sldSz cx="12192000" cy="6858000"/>
   <p:notesSz cx="6858000" cy="9144000"/>
@@ -263,7 +266,7 @@
           <a:p>
             <a:fld id="{B2C64E0C-F35A-439A-841E-4A83042C2EC5}" type="datetimeFigureOut">
               <a:rPr lang="en-US" smtClean="0"/>
-              <a:t>4/25/2018</a:t>
+              <a:t>4/26/2018</a:t>
             </a:fld>
             <a:endParaRPr lang="en-US"/>
           </a:p>
@@ -461,7 +464,7 @@
           <a:p>
             <a:fld id="{B2C64E0C-F35A-439A-841E-4A83042C2EC5}" type="datetimeFigureOut">
               <a:rPr lang="en-US" smtClean="0"/>
-              <a:t>4/25/2018</a:t>
+              <a:t>4/26/2018</a:t>
             </a:fld>
             <a:endParaRPr lang="en-US"/>
           </a:p>
@@ -669,7 +672,7 @@
           <a:p>
             <a:fld id="{B2C64E0C-F35A-439A-841E-4A83042C2EC5}" type="datetimeFigureOut">
               <a:rPr lang="en-US" smtClean="0"/>
-              <a:t>4/25/2018</a:t>
+              <a:t>4/26/2018</a:t>
             </a:fld>
             <a:endParaRPr lang="en-US"/>
           </a:p>
@@ -867,7 +870,7 @@
           <a:p>
             <a:fld id="{B2C64E0C-F35A-439A-841E-4A83042C2EC5}" type="datetimeFigureOut">
               <a:rPr lang="en-US" smtClean="0"/>
-              <a:t>4/25/2018</a:t>
+              <a:t>4/26/2018</a:t>
             </a:fld>
             <a:endParaRPr lang="en-US"/>
           </a:p>
@@ -1142,7 +1145,7 @@
           <a:p>
             <a:fld id="{B2C64E0C-F35A-439A-841E-4A83042C2EC5}" type="datetimeFigureOut">
               <a:rPr lang="en-US" smtClean="0"/>
-              <a:t>4/25/2018</a:t>
+              <a:t>4/26/2018</a:t>
             </a:fld>
             <a:endParaRPr lang="en-US"/>
           </a:p>
@@ -1407,7 +1410,7 @@
           <a:p>
             <a:fld id="{B2C64E0C-F35A-439A-841E-4A83042C2EC5}" type="datetimeFigureOut">
               <a:rPr lang="en-US" smtClean="0"/>
-              <a:t>4/25/2018</a:t>
+              <a:t>4/26/2018</a:t>
             </a:fld>
             <a:endParaRPr lang="en-US"/>
           </a:p>
@@ -1819,7 +1822,7 @@
           <a:p>
             <a:fld id="{B2C64E0C-F35A-439A-841E-4A83042C2EC5}" type="datetimeFigureOut">
               <a:rPr lang="en-US" smtClean="0"/>
-              <a:t>4/25/2018</a:t>
+              <a:t>4/26/2018</a:t>
             </a:fld>
             <a:endParaRPr lang="en-US"/>
           </a:p>
@@ -1960,7 +1963,7 @@
           <a:p>
             <a:fld id="{B2C64E0C-F35A-439A-841E-4A83042C2EC5}" type="datetimeFigureOut">
               <a:rPr lang="en-US" smtClean="0"/>
-              <a:t>4/25/2018</a:t>
+              <a:t>4/26/2018</a:t>
             </a:fld>
             <a:endParaRPr lang="en-US"/>
           </a:p>
@@ -2073,7 +2076,7 @@
           <a:p>
             <a:fld id="{B2C64E0C-F35A-439A-841E-4A83042C2EC5}" type="datetimeFigureOut">
               <a:rPr lang="en-US" smtClean="0"/>
-              <a:t>4/25/2018</a:t>
+              <a:t>4/26/2018</a:t>
             </a:fld>
             <a:endParaRPr lang="en-US"/>
           </a:p>
@@ -2384,7 +2387,7 @@
           <a:p>
             <a:fld id="{B2C64E0C-F35A-439A-841E-4A83042C2EC5}" type="datetimeFigureOut">
               <a:rPr lang="en-US" smtClean="0"/>
-              <a:t>4/25/2018</a:t>
+              <a:t>4/26/2018</a:t>
             </a:fld>
             <a:endParaRPr lang="en-US"/>
           </a:p>
@@ -2672,7 +2675,7 @@
           <a:p>
             <a:fld id="{B2C64E0C-F35A-439A-841E-4A83042C2EC5}" type="datetimeFigureOut">
               <a:rPr lang="en-US" smtClean="0"/>
-              <a:t>4/25/2018</a:t>
+              <a:t>4/26/2018</a:t>
             </a:fld>
             <a:endParaRPr lang="en-US"/>
           </a:p>
@@ -2913,7 +2916,7 @@
           <a:p>
             <a:fld id="{B2C64E0C-F35A-439A-841E-4A83042C2EC5}" type="datetimeFigureOut">
               <a:rPr lang="en-US" smtClean="0"/>
-              <a:t>4/25/2018</a:t>
+              <a:t>4/26/2018</a:t>
             </a:fld>
             <a:endParaRPr lang="en-US"/>
           </a:p>
@@ -15467,6 +15470,8709 @@
 </p:sld>
 </file>
 
+<file path=ppt/slides/slide6.xml><?xml version="1.0" encoding="utf-8"?>
+<p:sld xmlns:a="http://schemas.openxmlformats.org/drawingml/2006/main" xmlns:r="http://schemas.openxmlformats.org/officeDocument/2006/relationships" xmlns:p="http://schemas.openxmlformats.org/presentationml/2006/main">
+  <p:cSld>
+    <p:spTree>
+      <p:nvGrpSpPr>
+        <p:cNvPr id="1" name=""/>
+        <p:cNvGrpSpPr/>
+        <p:nvPr/>
+      </p:nvGrpSpPr>
+      <p:grpSpPr>
+        <a:xfrm>
+          <a:off x="0" y="0"/>
+          <a:ext cx="0" cy="0"/>
+          <a:chOff x="0" y="0"/>
+          <a:chExt cx="0" cy="0"/>
+        </a:xfrm>
+      </p:grpSpPr>
+      <p:sp>
+        <p:nvSpPr>
+          <p:cNvPr id="2" name="Oval 1">
+            <a:extLst>
+              <a:ext uri="{FF2B5EF4-FFF2-40B4-BE49-F238E27FC236}">
+                <a16:creationId xmlns:a16="http://schemas.microsoft.com/office/drawing/2014/main" id="{AC385C7B-1BA0-492B-BD83-E0FD7B825590}"/>
+              </a:ext>
+            </a:extLst>
+          </p:cNvPr>
+          <p:cNvSpPr/>
+          <p:nvPr/>
+        </p:nvSpPr>
+        <p:spPr>
+          <a:xfrm>
+            <a:off x="4230350" y="3381697"/>
+            <a:ext cx="522626" cy="521377"/>
+          </a:xfrm>
+          <a:prstGeom prst="ellipse">
+            <a:avLst/>
+          </a:prstGeom>
+          <a:noFill/>
+          <a:ln w="25400"/>
+        </p:spPr>
+        <p:style>
+          <a:lnRef idx="2">
+            <a:schemeClr val="accent1">
+              <a:shade val="50000"/>
+            </a:schemeClr>
+          </a:lnRef>
+          <a:fillRef idx="1">
+            <a:schemeClr val="accent1"/>
+          </a:fillRef>
+          <a:effectRef idx="0">
+            <a:schemeClr val="accent1"/>
+          </a:effectRef>
+          <a:fontRef idx="minor">
+            <a:schemeClr val="lt1"/>
+          </a:fontRef>
+        </p:style>
+        <p:txBody>
+          <a:bodyPr rtlCol="0" anchor="ctr"/>
+          <a:lstStyle/>
+          <a:p>
+            <a:pPr algn="ctr"/>
+            <a:endParaRPr lang="en-US"/>
+          </a:p>
+        </p:txBody>
+      </p:sp>
+      <p:sp>
+        <p:nvSpPr>
+          <p:cNvPr id="3" name="Oval 2">
+            <a:extLst>
+              <a:ext uri="{FF2B5EF4-FFF2-40B4-BE49-F238E27FC236}">
+                <a16:creationId xmlns:a16="http://schemas.microsoft.com/office/drawing/2014/main" id="{5F078E7A-E04E-4364-A405-2B3FF89B8E20}"/>
+              </a:ext>
+            </a:extLst>
+          </p:cNvPr>
+          <p:cNvSpPr/>
+          <p:nvPr/>
+        </p:nvSpPr>
+        <p:spPr>
+          <a:xfrm>
+            <a:off x="4934576" y="3371157"/>
+            <a:ext cx="522626" cy="521377"/>
+          </a:xfrm>
+          <a:prstGeom prst="ellipse">
+            <a:avLst/>
+          </a:prstGeom>
+          <a:noFill/>
+          <a:ln w="25400"/>
+        </p:spPr>
+        <p:style>
+          <a:lnRef idx="2">
+            <a:schemeClr val="accent1">
+              <a:shade val="50000"/>
+            </a:schemeClr>
+          </a:lnRef>
+          <a:fillRef idx="1">
+            <a:schemeClr val="accent1"/>
+          </a:fillRef>
+          <a:effectRef idx="0">
+            <a:schemeClr val="accent1"/>
+          </a:effectRef>
+          <a:fontRef idx="minor">
+            <a:schemeClr val="lt1"/>
+          </a:fontRef>
+        </p:style>
+        <p:txBody>
+          <a:bodyPr rtlCol="0" anchor="ctr"/>
+          <a:lstStyle/>
+          <a:p>
+            <a:pPr algn="ctr"/>
+            <a:endParaRPr lang="en-US"/>
+          </a:p>
+        </p:txBody>
+      </p:sp>
+      <p:sp>
+        <p:nvSpPr>
+          <p:cNvPr id="4" name="Oval 3">
+            <a:extLst>
+              <a:ext uri="{FF2B5EF4-FFF2-40B4-BE49-F238E27FC236}">
+                <a16:creationId xmlns:a16="http://schemas.microsoft.com/office/drawing/2014/main" id="{B31ECAB1-1C61-407D-88F6-DD4BE399C2B6}"/>
+              </a:ext>
+            </a:extLst>
+          </p:cNvPr>
+          <p:cNvSpPr/>
+          <p:nvPr/>
+        </p:nvSpPr>
+        <p:spPr>
+          <a:xfrm>
+            <a:off x="5667376" y="3371157"/>
+            <a:ext cx="522626" cy="521377"/>
+          </a:xfrm>
+          <a:prstGeom prst="ellipse">
+            <a:avLst/>
+          </a:prstGeom>
+          <a:noFill/>
+          <a:ln w="25400"/>
+        </p:spPr>
+        <p:style>
+          <a:lnRef idx="2">
+            <a:schemeClr val="accent1">
+              <a:shade val="50000"/>
+            </a:schemeClr>
+          </a:lnRef>
+          <a:fillRef idx="1">
+            <a:schemeClr val="accent1"/>
+          </a:fillRef>
+          <a:effectRef idx="0">
+            <a:schemeClr val="accent1"/>
+          </a:effectRef>
+          <a:fontRef idx="minor">
+            <a:schemeClr val="lt1"/>
+          </a:fontRef>
+        </p:style>
+        <p:txBody>
+          <a:bodyPr rtlCol="0" anchor="ctr"/>
+          <a:lstStyle/>
+          <a:p>
+            <a:pPr algn="ctr"/>
+            <a:endParaRPr lang="en-US"/>
+          </a:p>
+        </p:txBody>
+      </p:sp>
+      <p:sp>
+        <p:nvSpPr>
+          <p:cNvPr id="5" name="Oval 4">
+            <a:extLst>
+              <a:ext uri="{FF2B5EF4-FFF2-40B4-BE49-F238E27FC236}">
+                <a16:creationId xmlns:a16="http://schemas.microsoft.com/office/drawing/2014/main" id="{6D04244A-E427-430A-814F-17F227953D7D}"/>
+              </a:ext>
+            </a:extLst>
+          </p:cNvPr>
+          <p:cNvSpPr/>
+          <p:nvPr/>
+        </p:nvSpPr>
+        <p:spPr>
+          <a:xfrm>
+            <a:off x="6400176" y="3381697"/>
+            <a:ext cx="522626" cy="521377"/>
+          </a:xfrm>
+          <a:prstGeom prst="ellipse">
+            <a:avLst/>
+          </a:prstGeom>
+          <a:noFill/>
+          <a:ln w="25400"/>
+        </p:spPr>
+        <p:style>
+          <a:lnRef idx="2">
+            <a:schemeClr val="accent1">
+              <a:shade val="50000"/>
+            </a:schemeClr>
+          </a:lnRef>
+          <a:fillRef idx="1">
+            <a:schemeClr val="accent1"/>
+          </a:fillRef>
+          <a:effectRef idx="0">
+            <a:schemeClr val="accent1"/>
+          </a:effectRef>
+          <a:fontRef idx="minor">
+            <a:schemeClr val="lt1"/>
+          </a:fontRef>
+        </p:style>
+        <p:txBody>
+          <a:bodyPr rtlCol="0" anchor="ctr"/>
+          <a:lstStyle/>
+          <a:p>
+            <a:pPr algn="ctr"/>
+            <a:endParaRPr lang="en-US"/>
+          </a:p>
+        </p:txBody>
+      </p:sp>
+      <p:sp>
+        <p:nvSpPr>
+          <p:cNvPr id="6" name="Oval 5">
+            <a:extLst>
+              <a:ext uri="{FF2B5EF4-FFF2-40B4-BE49-F238E27FC236}">
+                <a16:creationId xmlns:a16="http://schemas.microsoft.com/office/drawing/2014/main" id="{A8BBC1CB-23AF-491C-9BE0-B3FF8AD4F801}"/>
+              </a:ext>
+            </a:extLst>
+          </p:cNvPr>
+          <p:cNvSpPr/>
+          <p:nvPr/>
+        </p:nvSpPr>
+        <p:spPr>
+          <a:xfrm>
+            <a:off x="7104402" y="3381697"/>
+            <a:ext cx="522626" cy="521377"/>
+          </a:xfrm>
+          <a:prstGeom prst="ellipse">
+            <a:avLst/>
+          </a:prstGeom>
+          <a:noFill/>
+          <a:ln w="25400"/>
+        </p:spPr>
+        <p:style>
+          <a:lnRef idx="2">
+            <a:schemeClr val="accent1">
+              <a:shade val="50000"/>
+            </a:schemeClr>
+          </a:lnRef>
+          <a:fillRef idx="1">
+            <a:schemeClr val="accent1"/>
+          </a:fillRef>
+          <a:effectRef idx="0">
+            <a:schemeClr val="accent1"/>
+          </a:effectRef>
+          <a:fontRef idx="minor">
+            <a:schemeClr val="lt1"/>
+          </a:fontRef>
+        </p:style>
+        <p:txBody>
+          <a:bodyPr rtlCol="0" anchor="ctr"/>
+          <a:lstStyle/>
+          <a:p>
+            <a:pPr algn="ctr"/>
+            <a:endParaRPr lang="en-US"/>
+          </a:p>
+        </p:txBody>
+      </p:sp>
+      <p:sp>
+        <p:nvSpPr>
+          <p:cNvPr id="7" name="Oval 6">
+            <a:extLst>
+              <a:ext uri="{FF2B5EF4-FFF2-40B4-BE49-F238E27FC236}">
+                <a16:creationId xmlns:a16="http://schemas.microsoft.com/office/drawing/2014/main" id="{45D09A1D-4270-45FA-A1F6-F1DF6D47CBAC}"/>
+              </a:ext>
+            </a:extLst>
+          </p:cNvPr>
+          <p:cNvSpPr/>
+          <p:nvPr/>
+        </p:nvSpPr>
+        <p:spPr>
+          <a:xfrm>
+            <a:off x="4230350" y="4734247"/>
+            <a:ext cx="522626" cy="521377"/>
+          </a:xfrm>
+          <a:prstGeom prst="ellipse">
+            <a:avLst/>
+          </a:prstGeom>
+          <a:noFill/>
+          <a:ln w="25400"/>
+        </p:spPr>
+        <p:style>
+          <a:lnRef idx="2">
+            <a:schemeClr val="accent1">
+              <a:shade val="50000"/>
+            </a:schemeClr>
+          </a:lnRef>
+          <a:fillRef idx="1">
+            <a:schemeClr val="accent1"/>
+          </a:fillRef>
+          <a:effectRef idx="0">
+            <a:schemeClr val="accent1"/>
+          </a:effectRef>
+          <a:fontRef idx="minor">
+            <a:schemeClr val="lt1"/>
+          </a:fontRef>
+        </p:style>
+        <p:txBody>
+          <a:bodyPr rtlCol="0" anchor="ctr"/>
+          <a:lstStyle/>
+          <a:p>
+            <a:pPr algn="ctr"/>
+            <a:endParaRPr lang="en-US"/>
+          </a:p>
+        </p:txBody>
+      </p:sp>
+      <p:sp>
+        <p:nvSpPr>
+          <p:cNvPr id="8" name="Oval 7">
+            <a:extLst>
+              <a:ext uri="{FF2B5EF4-FFF2-40B4-BE49-F238E27FC236}">
+                <a16:creationId xmlns:a16="http://schemas.microsoft.com/office/drawing/2014/main" id="{683FE7D1-689C-4C1D-AE2F-530E166D24D7}"/>
+              </a:ext>
+            </a:extLst>
+          </p:cNvPr>
+          <p:cNvSpPr/>
+          <p:nvPr/>
+        </p:nvSpPr>
+        <p:spPr>
+          <a:xfrm>
+            <a:off x="4934576" y="4723707"/>
+            <a:ext cx="522626" cy="521377"/>
+          </a:xfrm>
+          <a:prstGeom prst="ellipse">
+            <a:avLst/>
+          </a:prstGeom>
+          <a:noFill/>
+          <a:ln w="25400"/>
+        </p:spPr>
+        <p:style>
+          <a:lnRef idx="2">
+            <a:schemeClr val="accent1">
+              <a:shade val="50000"/>
+            </a:schemeClr>
+          </a:lnRef>
+          <a:fillRef idx="1">
+            <a:schemeClr val="accent1"/>
+          </a:fillRef>
+          <a:effectRef idx="0">
+            <a:schemeClr val="accent1"/>
+          </a:effectRef>
+          <a:fontRef idx="minor">
+            <a:schemeClr val="lt1"/>
+          </a:fontRef>
+        </p:style>
+        <p:txBody>
+          <a:bodyPr rtlCol="0" anchor="ctr"/>
+          <a:lstStyle/>
+          <a:p>
+            <a:pPr algn="ctr"/>
+            <a:endParaRPr lang="en-US"/>
+          </a:p>
+        </p:txBody>
+      </p:sp>
+      <p:sp>
+        <p:nvSpPr>
+          <p:cNvPr id="9" name="Oval 8">
+            <a:extLst>
+              <a:ext uri="{FF2B5EF4-FFF2-40B4-BE49-F238E27FC236}">
+                <a16:creationId xmlns:a16="http://schemas.microsoft.com/office/drawing/2014/main" id="{C7839397-8042-4AD5-9F6F-1B637210EA0C}"/>
+              </a:ext>
+            </a:extLst>
+          </p:cNvPr>
+          <p:cNvSpPr/>
+          <p:nvPr/>
+        </p:nvSpPr>
+        <p:spPr>
+          <a:xfrm>
+            <a:off x="5667376" y="4734247"/>
+            <a:ext cx="522626" cy="521377"/>
+          </a:xfrm>
+          <a:prstGeom prst="ellipse">
+            <a:avLst/>
+          </a:prstGeom>
+          <a:noFill/>
+          <a:ln w="25400"/>
+        </p:spPr>
+        <p:style>
+          <a:lnRef idx="2">
+            <a:schemeClr val="accent1">
+              <a:shade val="50000"/>
+            </a:schemeClr>
+          </a:lnRef>
+          <a:fillRef idx="1">
+            <a:schemeClr val="accent1"/>
+          </a:fillRef>
+          <a:effectRef idx="0">
+            <a:schemeClr val="accent1"/>
+          </a:effectRef>
+          <a:fontRef idx="minor">
+            <a:schemeClr val="lt1"/>
+          </a:fontRef>
+        </p:style>
+        <p:txBody>
+          <a:bodyPr rtlCol="0" anchor="ctr"/>
+          <a:lstStyle/>
+          <a:p>
+            <a:pPr algn="ctr"/>
+            <a:endParaRPr lang="en-US"/>
+          </a:p>
+        </p:txBody>
+      </p:sp>
+      <p:sp>
+        <p:nvSpPr>
+          <p:cNvPr id="10" name="Oval 9">
+            <a:extLst>
+              <a:ext uri="{FF2B5EF4-FFF2-40B4-BE49-F238E27FC236}">
+                <a16:creationId xmlns:a16="http://schemas.microsoft.com/office/drawing/2014/main" id="{BF2BDE0D-1266-40AE-8827-7FAFB923CE55}"/>
+              </a:ext>
+            </a:extLst>
+          </p:cNvPr>
+          <p:cNvSpPr/>
+          <p:nvPr/>
+        </p:nvSpPr>
+        <p:spPr>
+          <a:xfrm>
+            <a:off x="6400176" y="4734247"/>
+            <a:ext cx="522626" cy="521377"/>
+          </a:xfrm>
+          <a:prstGeom prst="ellipse">
+            <a:avLst/>
+          </a:prstGeom>
+          <a:noFill/>
+          <a:ln w="25400"/>
+        </p:spPr>
+        <p:style>
+          <a:lnRef idx="2">
+            <a:schemeClr val="accent1">
+              <a:shade val="50000"/>
+            </a:schemeClr>
+          </a:lnRef>
+          <a:fillRef idx="1">
+            <a:schemeClr val="accent1"/>
+          </a:fillRef>
+          <a:effectRef idx="0">
+            <a:schemeClr val="accent1"/>
+          </a:effectRef>
+          <a:fontRef idx="minor">
+            <a:schemeClr val="lt1"/>
+          </a:fontRef>
+        </p:style>
+        <p:txBody>
+          <a:bodyPr rtlCol="0" anchor="ctr"/>
+          <a:lstStyle/>
+          <a:p>
+            <a:pPr algn="ctr"/>
+            <a:endParaRPr lang="en-US"/>
+          </a:p>
+        </p:txBody>
+      </p:sp>
+      <p:sp>
+        <p:nvSpPr>
+          <p:cNvPr id="11" name="Oval 10">
+            <a:extLst>
+              <a:ext uri="{FF2B5EF4-FFF2-40B4-BE49-F238E27FC236}">
+                <a16:creationId xmlns:a16="http://schemas.microsoft.com/office/drawing/2014/main" id="{E071CCCC-B27C-494C-A684-8AB4787F46AB}"/>
+              </a:ext>
+            </a:extLst>
+          </p:cNvPr>
+          <p:cNvSpPr/>
+          <p:nvPr/>
+        </p:nvSpPr>
+        <p:spPr>
+          <a:xfrm>
+            <a:off x="7104402" y="4734247"/>
+            <a:ext cx="522626" cy="521377"/>
+          </a:xfrm>
+          <a:prstGeom prst="ellipse">
+            <a:avLst/>
+          </a:prstGeom>
+          <a:noFill/>
+          <a:ln w="25400"/>
+        </p:spPr>
+        <p:style>
+          <a:lnRef idx="2">
+            <a:schemeClr val="accent1">
+              <a:shade val="50000"/>
+            </a:schemeClr>
+          </a:lnRef>
+          <a:fillRef idx="1">
+            <a:schemeClr val="accent1"/>
+          </a:fillRef>
+          <a:effectRef idx="0">
+            <a:schemeClr val="accent1"/>
+          </a:effectRef>
+          <a:fontRef idx="minor">
+            <a:schemeClr val="lt1"/>
+          </a:fontRef>
+        </p:style>
+        <p:txBody>
+          <a:bodyPr rtlCol="0" anchor="ctr"/>
+          <a:lstStyle/>
+          <a:p>
+            <a:pPr algn="ctr"/>
+            <a:endParaRPr lang="en-US"/>
+          </a:p>
+        </p:txBody>
+      </p:sp>
+      <p:cxnSp>
+        <p:nvCxnSpPr>
+          <p:cNvPr id="12" name="Straight Arrow Connector 11">
+            <a:extLst>
+              <a:ext uri="{FF2B5EF4-FFF2-40B4-BE49-F238E27FC236}">
+                <a16:creationId xmlns:a16="http://schemas.microsoft.com/office/drawing/2014/main" id="{C0D91598-68D4-40F3-8476-1AE346D9183F}"/>
+              </a:ext>
+            </a:extLst>
+          </p:cNvPr>
+          <p:cNvCxnSpPr>
+            <a:cxnSpLocks/>
+            <a:endCxn id="2" idx="4"/>
+          </p:cNvCxnSpPr>
+          <p:nvPr/>
+        </p:nvCxnSpPr>
+        <p:spPr>
+          <a:xfrm flipH="1" flipV="1">
+            <a:off x="4491663" y="3903074"/>
+            <a:ext cx="3152" cy="831174"/>
+          </a:xfrm>
+          <a:prstGeom prst="straightConnector1">
+            <a:avLst/>
+          </a:prstGeom>
+          <a:ln w="19050">
+            <a:tailEnd type="triangle"/>
+          </a:ln>
+        </p:spPr>
+        <p:style>
+          <a:lnRef idx="1">
+            <a:schemeClr val="accent1"/>
+          </a:lnRef>
+          <a:fillRef idx="0">
+            <a:schemeClr val="accent1"/>
+          </a:fillRef>
+          <a:effectRef idx="0">
+            <a:schemeClr val="accent1"/>
+          </a:effectRef>
+          <a:fontRef idx="minor">
+            <a:schemeClr val="tx1"/>
+          </a:fontRef>
+        </p:style>
+      </p:cxnSp>
+      <p:cxnSp>
+        <p:nvCxnSpPr>
+          <p:cNvPr id="14" name="Straight Arrow Connector 13">
+            <a:extLst>
+              <a:ext uri="{FF2B5EF4-FFF2-40B4-BE49-F238E27FC236}">
+                <a16:creationId xmlns:a16="http://schemas.microsoft.com/office/drawing/2014/main" id="{F3BBE729-2AA6-4BAE-ABA2-0D7166ACA3AD}"/>
+              </a:ext>
+            </a:extLst>
+          </p:cNvPr>
+          <p:cNvCxnSpPr>
+            <a:cxnSpLocks/>
+          </p:cNvCxnSpPr>
+          <p:nvPr/>
+        </p:nvCxnSpPr>
+        <p:spPr>
+          <a:xfrm flipH="1" flipV="1">
+            <a:off x="5189585" y="3903074"/>
+            <a:ext cx="3152" cy="831174"/>
+          </a:xfrm>
+          <a:prstGeom prst="straightConnector1">
+            <a:avLst/>
+          </a:prstGeom>
+          <a:ln w="19050">
+            <a:tailEnd type="triangle"/>
+          </a:ln>
+        </p:spPr>
+        <p:style>
+          <a:lnRef idx="1">
+            <a:schemeClr val="accent1"/>
+          </a:lnRef>
+          <a:fillRef idx="0">
+            <a:schemeClr val="accent1"/>
+          </a:fillRef>
+          <a:effectRef idx="0">
+            <a:schemeClr val="accent1"/>
+          </a:effectRef>
+          <a:fontRef idx="minor">
+            <a:schemeClr val="tx1"/>
+          </a:fontRef>
+        </p:style>
+      </p:cxnSp>
+      <p:cxnSp>
+        <p:nvCxnSpPr>
+          <p:cNvPr id="15" name="Straight Arrow Connector 14">
+            <a:extLst>
+              <a:ext uri="{FF2B5EF4-FFF2-40B4-BE49-F238E27FC236}">
+                <a16:creationId xmlns:a16="http://schemas.microsoft.com/office/drawing/2014/main" id="{F9DD3AE3-98A8-42F8-B2A5-373D945555D7}"/>
+              </a:ext>
+            </a:extLst>
+          </p:cNvPr>
+          <p:cNvCxnSpPr>
+            <a:cxnSpLocks/>
+          </p:cNvCxnSpPr>
+          <p:nvPr/>
+        </p:nvCxnSpPr>
+        <p:spPr>
+          <a:xfrm flipH="1" flipV="1">
+            <a:off x="5927113" y="3903073"/>
+            <a:ext cx="3152" cy="831174"/>
+          </a:xfrm>
+          <a:prstGeom prst="straightConnector1">
+            <a:avLst/>
+          </a:prstGeom>
+          <a:ln w="19050">
+            <a:tailEnd type="triangle"/>
+          </a:ln>
+        </p:spPr>
+        <p:style>
+          <a:lnRef idx="1">
+            <a:schemeClr val="accent1"/>
+          </a:lnRef>
+          <a:fillRef idx="0">
+            <a:schemeClr val="accent1"/>
+          </a:fillRef>
+          <a:effectRef idx="0">
+            <a:schemeClr val="accent1"/>
+          </a:effectRef>
+          <a:fontRef idx="minor">
+            <a:schemeClr val="tx1"/>
+          </a:fontRef>
+        </p:style>
+      </p:cxnSp>
+      <p:cxnSp>
+        <p:nvCxnSpPr>
+          <p:cNvPr id="16" name="Straight Arrow Connector 15">
+            <a:extLst>
+              <a:ext uri="{FF2B5EF4-FFF2-40B4-BE49-F238E27FC236}">
+                <a16:creationId xmlns:a16="http://schemas.microsoft.com/office/drawing/2014/main" id="{6C401170-4FEF-45BF-942E-C101F73D4F96}"/>
+              </a:ext>
+            </a:extLst>
+          </p:cNvPr>
+          <p:cNvCxnSpPr>
+            <a:cxnSpLocks/>
+          </p:cNvCxnSpPr>
+          <p:nvPr/>
+        </p:nvCxnSpPr>
+        <p:spPr>
+          <a:xfrm flipH="1" flipV="1">
+            <a:off x="6664641" y="3903072"/>
+            <a:ext cx="3152" cy="831174"/>
+          </a:xfrm>
+          <a:prstGeom prst="straightConnector1">
+            <a:avLst/>
+          </a:prstGeom>
+          <a:ln w="19050">
+            <a:tailEnd type="triangle"/>
+          </a:ln>
+        </p:spPr>
+        <p:style>
+          <a:lnRef idx="1">
+            <a:schemeClr val="accent1"/>
+          </a:lnRef>
+          <a:fillRef idx="0">
+            <a:schemeClr val="accent1"/>
+          </a:fillRef>
+          <a:effectRef idx="0">
+            <a:schemeClr val="accent1"/>
+          </a:effectRef>
+          <a:fontRef idx="minor">
+            <a:schemeClr val="tx1"/>
+          </a:fontRef>
+        </p:style>
+      </p:cxnSp>
+      <p:cxnSp>
+        <p:nvCxnSpPr>
+          <p:cNvPr id="17" name="Straight Arrow Connector 16">
+            <a:extLst>
+              <a:ext uri="{FF2B5EF4-FFF2-40B4-BE49-F238E27FC236}">
+                <a16:creationId xmlns:a16="http://schemas.microsoft.com/office/drawing/2014/main" id="{9B79AECF-0465-44EC-955D-C55CE10CE80D}"/>
+              </a:ext>
+            </a:extLst>
+          </p:cNvPr>
+          <p:cNvCxnSpPr>
+            <a:cxnSpLocks/>
+          </p:cNvCxnSpPr>
+          <p:nvPr/>
+        </p:nvCxnSpPr>
+        <p:spPr>
+          <a:xfrm flipH="1" flipV="1">
+            <a:off x="7365715" y="3903072"/>
+            <a:ext cx="3152" cy="831174"/>
+          </a:xfrm>
+          <a:prstGeom prst="straightConnector1">
+            <a:avLst/>
+          </a:prstGeom>
+          <a:ln w="19050">
+            <a:tailEnd type="triangle"/>
+          </a:ln>
+        </p:spPr>
+        <p:style>
+          <a:lnRef idx="1">
+            <a:schemeClr val="accent1"/>
+          </a:lnRef>
+          <a:fillRef idx="0">
+            <a:schemeClr val="accent1"/>
+          </a:fillRef>
+          <a:effectRef idx="0">
+            <a:schemeClr val="accent1"/>
+          </a:effectRef>
+          <a:fontRef idx="minor">
+            <a:schemeClr val="tx1"/>
+          </a:fontRef>
+        </p:style>
+      </p:cxnSp>
+      <p:cxnSp>
+        <p:nvCxnSpPr>
+          <p:cNvPr id="18" name="Straight Arrow Connector 17">
+            <a:extLst>
+              <a:ext uri="{FF2B5EF4-FFF2-40B4-BE49-F238E27FC236}">
+                <a16:creationId xmlns:a16="http://schemas.microsoft.com/office/drawing/2014/main" id="{83CB1FC7-A4CC-4289-A4F8-CC28FF6ECB00}"/>
+              </a:ext>
+            </a:extLst>
+          </p:cNvPr>
+          <p:cNvCxnSpPr>
+            <a:cxnSpLocks/>
+            <a:stCxn id="7" idx="0"/>
+            <a:endCxn id="3" idx="3"/>
+          </p:cNvCxnSpPr>
+          <p:nvPr/>
+        </p:nvCxnSpPr>
+        <p:spPr>
+          <a:xfrm flipV="1">
+            <a:off x="4491663" y="3816180"/>
+            <a:ext cx="519450" cy="918067"/>
+          </a:xfrm>
+          <a:prstGeom prst="straightConnector1">
+            <a:avLst/>
+          </a:prstGeom>
+          <a:ln w="19050">
+            <a:tailEnd type="triangle"/>
+          </a:ln>
+        </p:spPr>
+        <p:style>
+          <a:lnRef idx="1">
+            <a:schemeClr val="accent1"/>
+          </a:lnRef>
+          <a:fillRef idx="0">
+            <a:schemeClr val="accent1"/>
+          </a:fillRef>
+          <a:effectRef idx="0">
+            <a:schemeClr val="accent1"/>
+          </a:effectRef>
+          <a:fontRef idx="minor">
+            <a:schemeClr val="tx1"/>
+          </a:fontRef>
+        </p:style>
+      </p:cxnSp>
+      <p:cxnSp>
+        <p:nvCxnSpPr>
+          <p:cNvPr id="29" name="Straight Arrow Connector 28">
+            <a:extLst>
+              <a:ext uri="{FF2B5EF4-FFF2-40B4-BE49-F238E27FC236}">
+                <a16:creationId xmlns:a16="http://schemas.microsoft.com/office/drawing/2014/main" id="{18241FEB-B6A3-4B80-A0D5-CA17FB6A63F8}"/>
+              </a:ext>
+            </a:extLst>
+          </p:cNvPr>
+          <p:cNvCxnSpPr>
+            <a:cxnSpLocks/>
+            <a:stCxn id="8" idx="0"/>
+            <a:endCxn id="2" idx="5"/>
+          </p:cNvCxnSpPr>
+          <p:nvPr/>
+        </p:nvCxnSpPr>
+        <p:spPr>
+          <a:xfrm flipH="1" flipV="1">
+            <a:off x="4676439" y="3826720"/>
+            <a:ext cx="519450" cy="896987"/>
+          </a:xfrm>
+          <a:prstGeom prst="straightConnector1">
+            <a:avLst/>
+          </a:prstGeom>
+          <a:ln w="19050">
+            <a:tailEnd type="triangle"/>
+          </a:ln>
+        </p:spPr>
+        <p:style>
+          <a:lnRef idx="1">
+            <a:schemeClr val="accent1"/>
+          </a:lnRef>
+          <a:fillRef idx="0">
+            <a:schemeClr val="accent1"/>
+          </a:fillRef>
+          <a:effectRef idx="0">
+            <a:schemeClr val="accent1"/>
+          </a:effectRef>
+          <a:fontRef idx="minor">
+            <a:schemeClr val="tx1"/>
+          </a:fontRef>
+        </p:style>
+      </p:cxnSp>
+      <p:cxnSp>
+        <p:nvCxnSpPr>
+          <p:cNvPr id="32" name="Straight Arrow Connector 31">
+            <a:extLst>
+              <a:ext uri="{FF2B5EF4-FFF2-40B4-BE49-F238E27FC236}">
+                <a16:creationId xmlns:a16="http://schemas.microsoft.com/office/drawing/2014/main" id="{0E21CD99-B147-49FB-88F7-52340385859D}"/>
+              </a:ext>
+            </a:extLst>
+          </p:cNvPr>
+          <p:cNvCxnSpPr>
+            <a:cxnSpLocks/>
+            <a:stCxn id="8" idx="0"/>
+          </p:cNvCxnSpPr>
+          <p:nvPr/>
+        </p:nvCxnSpPr>
+        <p:spPr>
+          <a:xfrm flipV="1">
+            <a:off x="5195889" y="3818765"/>
+            <a:ext cx="513219" cy="904942"/>
+          </a:xfrm>
+          <a:prstGeom prst="straightConnector1">
+            <a:avLst/>
+          </a:prstGeom>
+          <a:ln w="19050">
+            <a:tailEnd type="triangle"/>
+          </a:ln>
+        </p:spPr>
+        <p:style>
+          <a:lnRef idx="1">
+            <a:schemeClr val="accent1"/>
+          </a:lnRef>
+          <a:fillRef idx="0">
+            <a:schemeClr val="accent1"/>
+          </a:fillRef>
+          <a:effectRef idx="0">
+            <a:schemeClr val="accent1"/>
+          </a:effectRef>
+          <a:fontRef idx="minor">
+            <a:schemeClr val="tx1"/>
+          </a:fontRef>
+        </p:style>
+      </p:cxnSp>
+      <p:cxnSp>
+        <p:nvCxnSpPr>
+          <p:cNvPr id="43" name="Straight Arrow Connector 42">
+            <a:extLst>
+              <a:ext uri="{FF2B5EF4-FFF2-40B4-BE49-F238E27FC236}">
+                <a16:creationId xmlns:a16="http://schemas.microsoft.com/office/drawing/2014/main" id="{62BB5C3E-E5F8-485D-987E-BD5086C0F801}"/>
+              </a:ext>
+            </a:extLst>
+          </p:cNvPr>
+          <p:cNvCxnSpPr>
+            <a:cxnSpLocks/>
+            <a:stCxn id="9" idx="0"/>
+            <a:endCxn id="5" idx="3"/>
+          </p:cNvCxnSpPr>
+          <p:nvPr/>
+        </p:nvCxnSpPr>
+        <p:spPr>
+          <a:xfrm flipV="1">
+            <a:off x="5928689" y="3826720"/>
+            <a:ext cx="548024" cy="907527"/>
+          </a:xfrm>
+          <a:prstGeom prst="straightConnector1">
+            <a:avLst/>
+          </a:prstGeom>
+          <a:ln w="19050">
+            <a:tailEnd type="triangle"/>
+          </a:ln>
+        </p:spPr>
+        <p:style>
+          <a:lnRef idx="1">
+            <a:schemeClr val="accent1"/>
+          </a:lnRef>
+          <a:fillRef idx="0">
+            <a:schemeClr val="accent1"/>
+          </a:fillRef>
+          <a:effectRef idx="0">
+            <a:schemeClr val="accent1"/>
+          </a:effectRef>
+          <a:fontRef idx="minor">
+            <a:schemeClr val="tx1"/>
+          </a:fontRef>
+        </p:style>
+      </p:cxnSp>
+      <p:cxnSp>
+        <p:nvCxnSpPr>
+          <p:cNvPr id="46" name="Straight Arrow Connector 45">
+            <a:extLst>
+              <a:ext uri="{FF2B5EF4-FFF2-40B4-BE49-F238E27FC236}">
+                <a16:creationId xmlns:a16="http://schemas.microsoft.com/office/drawing/2014/main" id="{652391EA-D160-47DE-8A75-A2458839EFEC}"/>
+              </a:ext>
+            </a:extLst>
+          </p:cNvPr>
+          <p:cNvCxnSpPr>
+            <a:cxnSpLocks/>
+            <a:endCxn id="3" idx="5"/>
+          </p:cNvCxnSpPr>
+          <p:nvPr/>
+        </p:nvCxnSpPr>
+        <p:spPr>
+          <a:xfrm flipH="1" flipV="1">
+            <a:off x="5380665" y="3816180"/>
+            <a:ext cx="548024" cy="918068"/>
+          </a:xfrm>
+          <a:prstGeom prst="straightConnector1">
+            <a:avLst/>
+          </a:prstGeom>
+          <a:ln w="19050">
+            <a:tailEnd type="triangle"/>
+          </a:ln>
+        </p:spPr>
+        <p:style>
+          <a:lnRef idx="1">
+            <a:schemeClr val="accent1"/>
+          </a:lnRef>
+          <a:fillRef idx="0">
+            <a:schemeClr val="accent1"/>
+          </a:fillRef>
+          <a:effectRef idx="0">
+            <a:schemeClr val="accent1"/>
+          </a:effectRef>
+          <a:fontRef idx="minor">
+            <a:schemeClr val="tx1"/>
+          </a:fontRef>
+        </p:style>
+      </p:cxnSp>
+      <p:cxnSp>
+        <p:nvCxnSpPr>
+          <p:cNvPr id="51" name="Straight Arrow Connector 50">
+            <a:extLst>
+              <a:ext uri="{FF2B5EF4-FFF2-40B4-BE49-F238E27FC236}">
+                <a16:creationId xmlns:a16="http://schemas.microsoft.com/office/drawing/2014/main" id="{B1DA555B-C53F-4DA9-B4F8-7EBF062F5F62}"/>
+              </a:ext>
+            </a:extLst>
+          </p:cNvPr>
+          <p:cNvCxnSpPr>
+            <a:cxnSpLocks/>
+            <a:stCxn id="10" idx="0"/>
+            <a:endCxn id="6" idx="3"/>
+          </p:cNvCxnSpPr>
+          <p:nvPr/>
+        </p:nvCxnSpPr>
+        <p:spPr>
+          <a:xfrm flipV="1">
+            <a:off x="6661489" y="3826720"/>
+            <a:ext cx="519450" cy="907527"/>
+          </a:xfrm>
+          <a:prstGeom prst="straightConnector1">
+            <a:avLst/>
+          </a:prstGeom>
+          <a:ln w="19050">
+            <a:tailEnd type="triangle"/>
+          </a:ln>
+        </p:spPr>
+        <p:style>
+          <a:lnRef idx="1">
+            <a:schemeClr val="accent1"/>
+          </a:lnRef>
+          <a:fillRef idx="0">
+            <a:schemeClr val="accent1"/>
+          </a:fillRef>
+          <a:effectRef idx="0">
+            <a:schemeClr val="accent1"/>
+          </a:effectRef>
+          <a:fontRef idx="minor">
+            <a:schemeClr val="tx1"/>
+          </a:fontRef>
+        </p:style>
+      </p:cxnSp>
+      <p:cxnSp>
+        <p:nvCxnSpPr>
+          <p:cNvPr id="59" name="Straight Arrow Connector 58">
+            <a:extLst>
+              <a:ext uri="{FF2B5EF4-FFF2-40B4-BE49-F238E27FC236}">
+                <a16:creationId xmlns:a16="http://schemas.microsoft.com/office/drawing/2014/main" id="{2AF895A3-299B-497D-93CB-E2ADB0569CE4}"/>
+              </a:ext>
+            </a:extLst>
+          </p:cNvPr>
+          <p:cNvCxnSpPr>
+            <a:cxnSpLocks/>
+            <a:stCxn id="10" idx="0"/>
+            <a:endCxn id="4" idx="5"/>
+          </p:cNvCxnSpPr>
+          <p:nvPr/>
+        </p:nvCxnSpPr>
+        <p:spPr>
+          <a:xfrm flipH="1" flipV="1">
+            <a:off x="6113465" y="3816180"/>
+            <a:ext cx="548024" cy="918067"/>
+          </a:xfrm>
+          <a:prstGeom prst="straightConnector1">
+            <a:avLst/>
+          </a:prstGeom>
+          <a:ln w="19050">
+            <a:tailEnd type="triangle"/>
+          </a:ln>
+        </p:spPr>
+        <p:style>
+          <a:lnRef idx="1">
+            <a:schemeClr val="accent1"/>
+          </a:lnRef>
+          <a:fillRef idx="0">
+            <a:schemeClr val="accent1"/>
+          </a:fillRef>
+          <a:effectRef idx="0">
+            <a:schemeClr val="accent1"/>
+          </a:effectRef>
+          <a:fontRef idx="minor">
+            <a:schemeClr val="tx1"/>
+          </a:fontRef>
+        </p:style>
+      </p:cxnSp>
+      <p:cxnSp>
+        <p:nvCxnSpPr>
+          <p:cNvPr id="61" name="Straight Arrow Connector 60">
+            <a:extLst>
+              <a:ext uri="{FF2B5EF4-FFF2-40B4-BE49-F238E27FC236}">
+                <a16:creationId xmlns:a16="http://schemas.microsoft.com/office/drawing/2014/main" id="{29C6ECAA-9A96-4F8C-8254-287FC9E16951}"/>
+              </a:ext>
+            </a:extLst>
+          </p:cNvPr>
+          <p:cNvCxnSpPr>
+            <a:cxnSpLocks/>
+            <a:endCxn id="4" idx="5"/>
+          </p:cNvCxnSpPr>
+          <p:nvPr/>
+        </p:nvCxnSpPr>
+        <p:spPr>
+          <a:xfrm flipH="1" flipV="1">
+            <a:off x="6113465" y="3816180"/>
+            <a:ext cx="1252250" cy="896988"/>
+          </a:xfrm>
+          <a:prstGeom prst="straightConnector1">
+            <a:avLst/>
+          </a:prstGeom>
+          <a:ln w="19050">
+            <a:tailEnd type="triangle"/>
+          </a:ln>
+        </p:spPr>
+        <p:style>
+          <a:lnRef idx="1">
+            <a:schemeClr val="accent1"/>
+          </a:lnRef>
+          <a:fillRef idx="0">
+            <a:schemeClr val="accent1"/>
+          </a:fillRef>
+          <a:effectRef idx="0">
+            <a:schemeClr val="accent1"/>
+          </a:effectRef>
+          <a:fontRef idx="minor">
+            <a:schemeClr val="tx1"/>
+          </a:fontRef>
+        </p:style>
+      </p:cxnSp>
+      <p:sp>
+        <p:nvSpPr>
+          <p:cNvPr id="13" name="TextBox 12">
+            <a:extLst>
+              <a:ext uri="{FF2B5EF4-FFF2-40B4-BE49-F238E27FC236}">
+                <a16:creationId xmlns:a16="http://schemas.microsoft.com/office/drawing/2014/main" id="{72021F6B-FDB7-47F4-865B-666C3AE27690}"/>
+              </a:ext>
+            </a:extLst>
+          </p:cNvPr>
+          <p:cNvSpPr txBox="1"/>
+          <p:nvPr/>
+        </p:nvSpPr>
+        <p:spPr>
+          <a:xfrm>
+            <a:off x="4237038" y="4816329"/>
+            <a:ext cx="514350" cy="369332"/>
+          </a:xfrm>
+          <a:prstGeom prst="rect">
+            <a:avLst/>
+          </a:prstGeom>
+          <a:noFill/>
+        </p:spPr>
+        <p:txBody>
+          <a:bodyPr wrap="square" rtlCol="0">
+            <a:spAutoFit/>
+          </a:bodyPr>
+          <a:lstStyle/>
+          <a:p>
+            <a:r>
+              <a:rPr lang="en-US" dirty="0"/>
+              <a:t>0.3</a:t>
+            </a:r>
+          </a:p>
+        </p:txBody>
+      </p:sp>
+      <p:sp>
+        <p:nvSpPr>
+          <p:cNvPr id="37" name="TextBox 36">
+            <a:extLst>
+              <a:ext uri="{FF2B5EF4-FFF2-40B4-BE49-F238E27FC236}">
+                <a16:creationId xmlns:a16="http://schemas.microsoft.com/office/drawing/2014/main" id="{53023399-398D-4F60-AECA-50F99B1BA469}"/>
+              </a:ext>
+            </a:extLst>
+          </p:cNvPr>
+          <p:cNvSpPr txBox="1"/>
+          <p:nvPr/>
+        </p:nvSpPr>
+        <p:spPr>
+          <a:xfrm>
+            <a:off x="4959950" y="4809938"/>
+            <a:ext cx="514350" cy="369332"/>
+          </a:xfrm>
+          <a:prstGeom prst="rect">
+            <a:avLst/>
+          </a:prstGeom>
+          <a:noFill/>
+        </p:spPr>
+        <p:txBody>
+          <a:bodyPr wrap="square" rtlCol="0">
+            <a:spAutoFit/>
+          </a:bodyPr>
+          <a:lstStyle/>
+          <a:p>
+            <a:pPr algn="ctr"/>
+            <a:r>
+              <a:rPr lang="en-US" dirty="0"/>
+              <a:t>0.1</a:t>
+            </a:r>
+          </a:p>
+        </p:txBody>
+      </p:sp>
+      <p:sp>
+        <p:nvSpPr>
+          <p:cNvPr id="39" name="TextBox 38">
+            <a:extLst>
+              <a:ext uri="{FF2B5EF4-FFF2-40B4-BE49-F238E27FC236}">
+                <a16:creationId xmlns:a16="http://schemas.microsoft.com/office/drawing/2014/main" id="{42EF5466-7B30-4B27-A28F-420796469248}"/>
+              </a:ext>
+            </a:extLst>
+          </p:cNvPr>
+          <p:cNvSpPr txBox="1"/>
+          <p:nvPr/>
+        </p:nvSpPr>
+        <p:spPr>
+          <a:xfrm>
+            <a:off x="5710617" y="4816329"/>
+            <a:ext cx="514350" cy="369332"/>
+          </a:xfrm>
+          <a:prstGeom prst="rect">
+            <a:avLst/>
+          </a:prstGeom>
+          <a:noFill/>
+        </p:spPr>
+        <p:txBody>
+          <a:bodyPr wrap="square" rtlCol="0">
+            <a:spAutoFit/>
+          </a:bodyPr>
+          <a:lstStyle/>
+          <a:p>
+            <a:pPr algn="ctr"/>
+            <a:r>
+              <a:rPr lang="en-US" dirty="0"/>
+              <a:t>1.0</a:t>
+            </a:r>
+          </a:p>
+        </p:txBody>
+      </p:sp>
+      <p:sp>
+        <p:nvSpPr>
+          <p:cNvPr id="40" name="TextBox 39">
+            <a:extLst>
+              <a:ext uri="{FF2B5EF4-FFF2-40B4-BE49-F238E27FC236}">
+                <a16:creationId xmlns:a16="http://schemas.microsoft.com/office/drawing/2014/main" id="{6A7D4075-AC24-420E-B152-806B786D4678}"/>
+              </a:ext>
+            </a:extLst>
+          </p:cNvPr>
+          <p:cNvSpPr txBox="1"/>
+          <p:nvPr/>
+        </p:nvSpPr>
+        <p:spPr>
+          <a:xfrm>
+            <a:off x="7156205" y="4809938"/>
+            <a:ext cx="514350" cy="369332"/>
+          </a:xfrm>
+          <a:prstGeom prst="rect">
+            <a:avLst/>
+          </a:prstGeom>
+          <a:noFill/>
+        </p:spPr>
+        <p:txBody>
+          <a:bodyPr wrap="square" rtlCol="0">
+            <a:spAutoFit/>
+          </a:bodyPr>
+          <a:lstStyle/>
+          <a:p>
+            <a:pPr algn="ctr"/>
+            <a:r>
+              <a:rPr lang="en-US" dirty="0"/>
+              <a:t>0.1</a:t>
+            </a:r>
+          </a:p>
+        </p:txBody>
+      </p:sp>
+      <p:sp>
+        <p:nvSpPr>
+          <p:cNvPr id="42" name="TextBox 41">
+            <a:extLst>
+              <a:ext uri="{FF2B5EF4-FFF2-40B4-BE49-F238E27FC236}">
+                <a16:creationId xmlns:a16="http://schemas.microsoft.com/office/drawing/2014/main" id="{D051F0A9-1E56-405F-9B47-6C966A2FE3F9}"/>
+              </a:ext>
+            </a:extLst>
+          </p:cNvPr>
+          <p:cNvSpPr txBox="1"/>
+          <p:nvPr/>
+        </p:nvSpPr>
+        <p:spPr>
+          <a:xfrm>
+            <a:off x="6407828" y="4800060"/>
+            <a:ext cx="548024" cy="369332"/>
+          </a:xfrm>
+          <a:prstGeom prst="rect">
+            <a:avLst/>
+          </a:prstGeom>
+          <a:noFill/>
+        </p:spPr>
+        <p:txBody>
+          <a:bodyPr wrap="square" rtlCol="0">
+            <a:spAutoFit/>
+          </a:bodyPr>
+          <a:lstStyle/>
+          <a:p>
+            <a:pPr algn="ctr"/>
+            <a:r>
+              <a:rPr lang="en-US" dirty="0"/>
+              <a:t>0.2</a:t>
+            </a:r>
+          </a:p>
+        </p:txBody>
+      </p:sp>
+      <p:sp>
+        <p:nvSpPr>
+          <p:cNvPr id="60" name="TextBox 59">
+            <a:extLst>
+              <a:ext uri="{FF2B5EF4-FFF2-40B4-BE49-F238E27FC236}">
+                <a16:creationId xmlns:a16="http://schemas.microsoft.com/office/drawing/2014/main" id="{DE79C11D-FED1-4446-9F23-2FF5C39C3153}"/>
+              </a:ext>
+            </a:extLst>
+          </p:cNvPr>
+          <p:cNvSpPr txBox="1"/>
+          <p:nvPr/>
+        </p:nvSpPr>
+        <p:spPr>
+          <a:xfrm>
+            <a:off x="4272082" y="3445789"/>
+            <a:ext cx="514350" cy="369332"/>
+          </a:xfrm>
+          <a:prstGeom prst="rect">
+            <a:avLst/>
+          </a:prstGeom>
+          <a:noFill/>
+        </p:spPr>
+        <p:txBody>
+          <a:bodyPr wrap="square" rtlCol="0">
+            <a:spAutoFit/>
+          </a:bodyPr>
+          <a:lstStyle/>
+          <a:p>
+            <a:r>
+              <a:rPr lang="en-US" dirty="0"/>
+              <a:t>0.3</a:t>
+            </a:r>
+          </a:p>
+        </p:txBody>
+      </p:sp>
+      <p:sp>
+        <p:nvSpPr>
+          <p:cNvPr id="62" name="TextBox 61">
+            <a:extLst>
+              <a:ext uri="{FF2B5EF4-FFF2-40B4-BE49-F238E27FC236}">
+                <a16:creationId xmlns:a16="http://schemas.microsoft.com/office/drawing/2014/main" id="{840EEE5F-5174-4667-B038-34BC76E851D6}"/>
+              </a:ext>
+            </a:extLst>
+          </p:cNvPr>
+          <p:cNvSpPr txBox="1"/>
+          <p:nvPr/>
+        </p:nvSpPr>
+        <p:spPr>
+          <a:xfrm>
+            <a:off x="4967796" y="3436307"/>
+            <a:ext cx="514350" cy="369332"/>
+          </a:xfrm>
+          <a:prstGeom prst="rect">
+            <a:avLst/>
+          </a:prstGeom>
+          <a:noFill/>
+        </p:spPr>
+        <p:txBody>
+          <a:bodyPr wrap="square" rtlCol="0">
+            <a:spAutoFit/>
+          </a:bodyPr>
+          <a:lstStyle/>
+          <a:p>
+            <a:r>
+              <a:rPr lang="en-US" dirty="0"/>
+              <a:t>1.0</a:t>
+            </a:r>
+          </a:p>
+        </p:txBody>
+      </p:sp>
+      <p:sp>
+        <p:nvSpPr>
+          <p:cNvPr id="63" name="TextBox 62">
+            <a:extLst>
+              <a:ext uri="{FF2B5EF4-FFF2-40B4-BE49-F238E27FC236}">
+                <a16:creationId xmlns:a16="http://schemas.microsoft.com/office/drawing/2014/main" id="{56F6EBB2-6434-4254-B05E-B106C338D78E}"/>
+              </a:ext>
+            </a:extLst>
+          </p:cNvPr>
+          <p:cNvSpPr txBox="1"/>
+          <p:nvPr/>
+        </p:nvSpPr>
+        <p:spPr>
+          <a:xfrm>
+            <a:off x="5663510" y="3426825"/>
+            <a:ext cx="514350" cy="369332"/>
+          </a:xfrm>
+          <a:prstGeom prst="rect">
+            <a:avLst/>
+          </a:prstGeom>
+          <a:noFill/>
+        </p:spPr>
+        <p:txBody>
+          <a:bodyPr wrap="square" rtlCol="0">
+            <a:spAutoFit/>
+          </a:bodyPr>
+          <a:lstStyle/>
+          <a:p>
+            <a:r>
+              <a:rPr lang="en-US" dirty="0"/>
+              <a:t>1.0</a:t>
+            </a:r>
+          </a:p>
+        </p:txBody>
+      </p:sp>
+      <p:sp>
+        <p:nvSpPr>
+          <p:cNvPr id="64" name="TextBox 63">
+            <a:extLst>
+              <a:ext uri="{FF2B5EF4-FFF2-40B4-BE49-F238E27FC236}">
+                <a16:creationId xmlns:a16="http://schemas.microsoft.com/office/drawing/2014/main" id="{6E0ECA03-CD20-4309-A149-83B96077B169}"/>
+              </a:ext>
+            </a:extLst>
+          </p:cNvPr>
+          <p:cNvSpPr txBox="1"/>
+          <p:nvPr/>
+        </p:nvSpPr>
+        <p:spPr>
+          <a:xfrm>
+            <a:off x="6394345" y="3441137"/>
+            <a:ext cx="514350" cy="369332"/>
+          </a:xfrm>
+          <a:prstGeom prst="rect">
+            <a:avLst/>
+          </a:prstGeom>
+          <a:noFill/>
+        </p:spPr>
+        <p:txBody>
+          <a:bodyPr wrap="square" rtlCol="0">
+            <a:spAutoFit/>
+          </a:bodyPr>
+          <a:lstStyle/>
+          <a:p>
+            <a:r>
+              <a:rPr lang="en-US" dirty="0"/>
+              <a:t>1.0</a:t>
+            </a:r>
+          </a:p>
+        </p:txBody>
+      </p:sp>
+      <p:sp>
+        <p:nvSpPr>
+          <p:cNvPr id="65" name="TextBox 64">
+            <a:extLst>
+              <a:ext uri="{FF2B5EF4-FFF2-40B4-BE49-F238E27FC236}">
+                <a16:creationId xmlns:a16="http://schemas.microsoft.com/office/drawing/2014/main" id="{25DC959F-FB0A-4B8E-8593-EEC292BB92EF}"/>
+              </a:ext>
+            </a:extLst>
+          </p:cNvPr>
+          <p:cNvSpPr txBox="1"/>
+          <p:nvPr/>
+        </p:nvSpPr>
+        <p:spPr>
+          <a:xfrm>
+            <a:off x="7125132" y="3419334"/>
+            <a:ext cx="514350" cy="369332"/>
+          </a:xfrm>
+          <a:prstGeom prst="rect">
+            <a:avLst/>
+          </a:prstGeom>
+          <a:noFill/>
+        </p:spPr>
+        <p:txBody>
+          <a:bodyPr wrap="square" rtlCol="0">
+            <a:spAutoFit/>
+          </a:bodyPr>
+          <a:lstStyle/>
+          <a:p>
+            <a:pPr algn="ctr"/>
+            <a:r>
+              <a:rPr lang="en-US" dirty="0"/>
+              <a:t>0.2</a:t>
+            </a:r>
+          </a:p>
+        </p:txBody>
+      </p:sp>
+      <p:cxnSp>
+        <p:nvCxnSpPr>
+          <p:cNvPr id="67" name="Straight Arrow Connector 66">
+            <a:extLst>
+              <a:ext uri="{FF2B5EF4-FFF2-40B4-BE49-F238E27FC236}">
+                <a16:creationId xmlns:a16="http://schemas.microsoft.com/office/drawing/2014/main" id="{524ABE4F-AB0D-4258-B2A8-9472A3B799D8}"/>
+              </a:ext>
+            </a:extLst>
+          </p:cNvPr>
+          <p:cNvCxnSpPr>
+            <a:cxnSpLocks/>
+            <a:stCxn id="7" idx="0"/>
+          </p:cNvCxnSpPr>
+          <p:nvPr/>
+        </p:nvCxnSpPr>
+        <p:spPr>
+          <a:xfrm flipH="1" flipV="1">
+            <a:off x="3883314" y="3869731"/>
+            <a:ext cx="608349" cy="864516"/>
+          </a:xfrm>
+          <a:prstGeom prst="straightConnector1">
+            <a:avLst/>
+          </a:prstGeom>
+          <a:ln w="19050">
+            <a:prstDash val="dash"/>
+            <a:tailEnd type="triangle"/>
+          </a:ln>
+        </p:spPr>
+        <p:style>
+          <a:lnRef idx="1">
+            <a:schemeClr val="accent1"/>
+          </a:lnRef>
+          <a:fillRef idx="0">
+            <a:schemeClr val="accent1"/>
+          </a:fillRef>
+          <a:effectRef idx="0">
+            <a:schemeClr val="accent1"/>
+          </a:effectRef>
+          <a:fontRef idx="minor">
+            <a:schemeClr val="tx1"/>
+          </a:fontRef>
+        </p:style>
+      </p:cxnSp>
+      <p:cxnSp>
+        <p:nvCxnSpPr>
+          <p:cNvPr id="68" name="Straight Arrow Connector 67">
+            <a:extLst>
+              <a:ext uri="{FF2B5EF4-FFF2-40B4-BE49-F238E27FC236}">
+                <a16:creationId xmlns:a16="http://schemas.microsoft.com/office/drawing/2014/main" id="{58C4E157-67ED-44B0-969C-4A589B91F14D}"/>
+              </a:ext>
+            </a:extLst>
+          </p:cNvPr>
+          <p:cNvCxnSpPr>
+            <a:cxnSpLocks/>
+            <a:endCxn id="2" idx="4"/>
+          </p:cNvCxnSpPr>
+          <p:nvPr/>
+        </p:nvCxnSpPr>
+        <p:spPr>
+          <a:xfrm flipV="1">
+            <a:off x="3883315" y="3903074"/>
+            <a:ext cx="608348" cy="884724"/>
+          </a:xfrm>
+          <a:prstGeom prst="straightConnector1">
+            <a:avLst/>
+          </a:prstGeom>
+          <a:ln w="19050">
+            <a:prstDash val="dash"/>
+            <a:tailEnd type="triangle"/>
+          </a:ln>
+        </p:spPr>
+        <p:style>
+          <a:lnRef idx="1">
+            <a:schemeClr val="accent1"/>
+          </a:lnRef>
+          <a:fillRef idx="0">
+            <a:schemeClr val="accent1"/>
+          </a:fillRef>
+          <a:effectRef idx="0">
+            <a:schemeClr val="accent1"/>
+          </a:effectRef>
+          <a:fontRef idx="minor">
+            <a:schemeClr val="tx1"/>
+          </a:fontRef>
+        </p:style>
+      </p:cxnSp>
+      <p:cxnSp>
+        <p:nvCxnSpPr>
+          <p:cNvPr id="70" name="Straight Arrow Connector 69">
+            <a:extLst>
+              <a:ext uri="{FF2B5EF4-FFF2-40B4-BE49-F238E27FC236}">
+                <a16:creationId xmlns:a16="http://schemas.microsoft.com/office/drawing/2014/main" id="{64B44549-C4C5-4F48-8C99-4063E9D5B4BB}"/>
+              </a:ext>
+            </a:extLst>
+          </p:cNvPr>
+          <p:cNvCxnSpPr>
+            <a:cxnSpLocks/>
+          </p:cNvCxnSpPr>
+          <p:nvPr/>
+        </p:nvCxnSpPr>
+        <p:spPr>
+          <a:xfrm flipV="1">
+            <a:off x="7413380" y="3843828"/>
+            <a:ext cx="608348" cy="884724"/>
+          </a:xfrm>
+          <a:prstGeom prst="straightConnector1">
+            <a:avLst/>
+          </a:prstGeom>
+          <a:ln w="19050">
+            <a:prstDash val="dash"/>
+            <a:tailEnd type="triangle"/>
+          </a:ln>
+        </p:spPr>
+        <p:style>
+          <a:lnRef idx="1">
+            <a:schemeClr val="accent1"/>
+          </a:lnRef>
+          <a:fillRef idx="0">
+            <a:schemeClr val="accent1"/>
+          </a:fillRef>
+          <a:effectRef idx="0">
+            <a:schemeClr val="accent1"/>
+          </a:effectRef>
+          <a:fontRef idx="minor">
+            <a:schemeClr val="tx1"/>
+          </a:fontRef>
+        </p:style>
+      </p:cxnSp>
+      <p:cxnSp>
+        <p:nvCxnSpPr>
+          <p:cNvPr id="71" name="Straight Arrow Connector 70">
+            <a:extLst>
+              <a:ext uri="{FF2B5EF4-FFF2-40B4-BE49-F238E27FC236}">
+                <a16:creationId xmlns:a16="http://schemas.microsoft.com/office/drawing/2014/main" id="{949F8975-1C79-4F84-9F7B-293873594033}"/>
+              </a:ext>
+            </a:extLst>
+          </p:cNvPr>
+          <p:cNvCxnSpPr>
+            <a:cxnSpLocks/>
+          </p:cNvCxnSpPr>
+          <p:nvPr/>
+        </p:nvCxnSpPr>
+        <p:spPr>
+          <a:xfrm flipH="1" flipV="1">
+            <a:off x="7547315" y="3838133"/>
+            <a:ext cx="608349" cy="864516"/>
+          </a:xfrm>
+          <a:prstGeom prst="straightConnector1">
+            <a:avLst/>
+          </a:prstGeom>
+          <a:ln w="19050">
+            <a:prstDash val="dash"/>
+            <a:tailEnd type="triangle"/>
+          </a:ln>
+        </p:spPr>
+        <p:style>
+          <a:lnRef idx="1">
+            <a:schemeClr val="accent1"/>
+          </a:lnRef>
+          <a:fillRef idx="0">
+            <a:schemeClr val="accent1"/>
+          </a:fillRef>
+          <a:effectRef idx="0">
+            <a:schemeClr val="accent1"/>
+          </a:effectRef>
+          <a:fontRef idx="minor">
+            <a:schemeClr val="tx1"/>
+          </a:fontRef>
+        </p:style>
+      </p:cxnSp>
+      <p:sp>
+        <p:nvSpPr>
+          <p:cNvPr id="72" name="Oval 71">
+            <a:extLst>
+              <a:ext uri="{FF2B5EF4-FFF2-40B4-BE49-F238E27FC236}">
+                <a16:creationId xmlns:a16="http://schemas.microsoft.com/office/drawing/2014/main" id="{5F156995-AD1B-4C16-A62D-7221D6100C7A}"/>
+              </a:ext>
+            </a:extLst>
+          </p:cNvPr>
+          <p:cNvSpPr/>
+          <p:nvPr/>
+        </p:nvSpPr>
+        <p:spPr>
+          <a:xfrm>
+            <a:off x="4183193" y="495595"/>
+            <a:ext cx="522626" cy="521377"/>
+          </a:xfrm>
+          <a:prstGeom prst="ellipse">
+            <a:avLst/>
+          </a:prstGeom>
+          <a:noFill/>
+          <a:ln w="25400"/>
+        </p:spPr>
+        <p:style>
+          <a:lnRef idx="2">
+            <a:schemeClr val="accent1">
+              <a:shade val="50000"/>
+            </a:schemeClr>
+          </a:lnRef>
+          <a:fillRef idx="1">
+            <a:schemeClr val="accent1"/>
+          </a:fillRef>
+          <a:effectRef idx="0">
+            <a:schemeClr val="accent1"/>
+          </a:effectRef>
+          <a:fontRef idx="minor">
+            <a:schemeClr val="lt1"/>
+          </a:fontRef>
+        </p:style>
+        <p:txBody>
+          <a:bodyPr rtlCol="0" anchor="ctr"/>
+          <a:lstStyle/>
+          <a:p>
+            <a:pPr algn="ctr"/>
+            <a:endParaRPr lang="en-US"/>
+          </a:p>
+        </p:txBody>
+      </p:sp>
+      <p:sp>
+        <p:nvSpPr>
+          <p:cNvPr id="73" name="Oval 72">
+            <a:extLst>
+              <a:ext uri="{FF2B5EF4-FFF2-40B4-BE49-F238E27FC236}">
+                <a16:creationId xmlns:a16="http://schemas.microsoft.com/office/drawing/2014/main" id="{9EBA4E8D-0AFC-475C-A593-080F8A24A421}"/>
+              </a:ext>
+            </a:extLst>
+          </p:cNvPr>
+          <p:cNvSpPr/>
+          <p:nvPr/>
+        </p:nvSpPr>
+        <p:spPr>
+          <a:xfrm>
+            <a:off x="4887419" y="485055"/>
+            <a:ext cx="522626" cy="521377"/>
+          </a:xfrm>
+          <a:prstGeom prst="ellipse">
+            <a:avLst/>
+          </a:prstGeom>
+          <a:noFill/>
+          <a:ln w="25400"/>
+        </p:spPr>
+        <p:style>
+          <a:lnRef idx="2">
+            <a:schemeClr val="accent1">
+              <a:shade val="50000"/>
+            </a:schemeClr>
+          </a:lnRef>
+          <a:fillRef idx="1">
+            <a:schemeClr val="accent1"/>
+          </a:fillRef>
+          <a:effectRef idx="0">
+            <a:schemeClr val="accent1"/>
+          </a:effectRef>
+          <a:fontRef idx="minor">
+            <a:schemeClr val="lt1"/>
+          </a:fontRef>
+        </p:style>
+        <p:txBody>
+          <a:bodyPr rtlCol="0" anchor="ctr"/>
+          <a:lstStyle/>
+          <a:p>
+            <a:pPr algn="ctr"/>
+            <a:endParaRPr lang="en-US"/>
+          </a:p>
+        </p:txBody>
+      </p:sp>
+      <p:sp>
+        <p:nvSpPr>
+          <p:cNvPr id="74" name="Oval 73">
+            <a:extLst>
+              <a:ext uri="{FF2B5EF4-FFF2-40B4-BE49-F238E27FC236}">
+                <a16:creationId xmlns:a16="http://schemas.microsoft.com/office/drawing/2014/main" id="{038DF94C-D26F-41B7-AFB5-9B8A920188E0}"/>
+              </a:ext>
+            </a:extLst>
+          </p:cNvPr>
+          <p:cNvSpPr/>
+          <p:nvPr/>
+        </p:nvSpPr>
+        <p:spPr>
+          <a:xfrm>
+            <a:off x="5620219" y="485055"/>
+            <a:ext cx="522626" cy="521377"/>
+          </a:xfrm>
+          <a:prstGeom prst="ellipse">
+            <a:avLst/>
+          </a:prstGeom>
+          <a:noFill/>
+          <a:ln w="25400"/>
+        </p:spPr>
+        <p:style>
+          <a:lnRef idx="2">
+            <a:schemeClr val="accent1">
+              <a:shade val="50000"/>
+            </a:schemeClr>
+          </a:lnRef>
+          <a:fillRef idx="1">
+            <a:schemeClr val="accent1"/>
+          </a:fillRef>
+          <a:effectRef idx="0">
+            <a:schemeClr val="accent1"/>
+          </a:effectRef>
+          <a:fontRef idx="minor">
+            <a:schemeClr val="lt1"/>
+          </a:fontRef>
+        </p:style>
+        <p:txBody>
+          <a:bodyPr rtlCol="0" anchor="ctr"/>
+          <a:lstStyle/>
+          <a:p>
+            <a:pPr algn="ctr"/>
+            <a:endParaRPr lang="en-US"/>
+          </a:p>
+        </p:txBody>
+      </p:sp>
+      <p:sp>
+        <p:nvSpPr>
+          <p:cNvPr id="75" name="Oval 74">
+            <a:extLst>
+              <a:ext uri="{FF2B5EF4-FFF2-40B4-BE49-F238E27FC236}">
+                <a16:creationId xmlns:a16="http://schemas.microsoft.com/office/drawing/2014/main" id="{379B4FAF-3CA7-4A74-9716-36473750B3E6}"/>
+              </a:ext>
+            </a:extLst>
+          </p:cNvPr>
+          <p:cNvSpPr/>
+          <p:nvPr/>
+        </p:nvSpPr>
+        <p:spPr>
+          <a:xfrm>
+            <a:off x="6353019" y="495595"/>
+            <a:ext cx="522626" cy="521377"/>
+          </a:xfrm>
+          <a:prstGeom prst="ellipse">
+            <a:avLst/>
+          </a:prstGeom>
+          <a:noFill/>
+          <a:ln w="25400"/>
+        </p:spPr>
+        <p:style>
+          <a:lnRef idx="2">
+            <a:schemeClr val="accent1">
+              <a:shade val="50000"/>
+            </a:schemeClr>
+          </a:lnRef>
+          <a:fillRef idx="1">
+            <a:schemeClr val="accent1"/>
+          </a:fillRef>
+          <a:effectRef idx="0">
+            <a:schemeClr val="accent1"/>
+          </a:effectRef>
+          <a:fontRef idx="minor">
+            <a:schemeClr val="lt1"/>
+          </a:fontRef>
+        </p:style>
+        <p:txBody>
+          <a:bodyPr rtlCol="0" anchor="ctr"/>
+          <a:lstStyle/>
+          <a:p>
+            <a:pPr algn="ctr"/>
+            <a:endParaRPr lang="en-US"/>
+          </a:p>
+        </p:txBody>
+      </p:sp>
+      <p:sp>
+        <p:nvSpPr>
+          <p:cNvPr id="76" name="Oval 75">
+            <a:extLst>
+              <a:ext uri="{FF2B5EF4-FFF2-40B4-BE49-F238E27FC236}">
+                <a16:creationId xmlns:a16="http://schemas.microsoft.com/office/drawing/2014/main" id="{7E224FE1-D677-4F4A-99F2-37B91D48A5F2}"/>
+              </a:ext>
+            </a:extLst>
+          </p:cNvPr>
+          <p:cNvSpPr/>
+          <p:nvPr/>
+        </p:nvSpPr>
+        <p:spPr>
+          <a:xfrm>
+            <a:off x="7057245" y="495595"/>
+            <a:ext cx="522626" cy="521377"/>
+          </a:xfrm>
+          <a:prstGeom prst="ellipse">
+            <a:avLst/>
+          </a:prstGeom>
+          <a:noFill/>
+          <a:ln w="25400"/>
+        </p:spPr>
+        <p:style>
+          <a:lnRef idx="2">
+            <a:schemeClr val="accent1">
+              <a:shade val="50000"/>
+            </a:schemeClr>
+          </a:lnRef>
+          <a:fillRef idx="1">
+            <a:schemeClr val="accent1"/>
+          </a:fillRef>
+          <a:effectRef idx="0">
+            <a:schemeClr val="accent1"/>
+          </a:effectRef>
+          <a:fontRef idx="minor">
+            <a:schemeClr val="lt1"/>
+          </a:fontRef>
+        </p:style>
+        <p:txBody>
+          <a:bodyPr rtlCol="0" anchor="ctr"/>
+          <a:lstStyle/>
+          <a:p>
+            <a:pPr algn="ctr"/>
+            <a:endParaRPr lang="en-US"/>
+          </a:p>
+        </p:txBody>
+      </p:sp>
+      <p:sp>
+        <p:nvSpPr>
+          <p:cNvPr id="77" name="Oval 76">
+            <a:extLst>
+              <a:ext uri="{FF2B5EF4-FFF2-40B4-BE49-F238E27FC236}">
+                <a16:creationId xmlns:a16="http://schemas.microsoft.com/office/drawing/2014/main" id="{D4884E30-8C67-4679-A08B-682DF2796D1E}"/>
+              </a:ext>
+            </a:extLst>
+          </p:cNvPr>
+          <p:cNvSpPr/>
+          <p:nvPr/>
+        </p:nvSpPr>
+        <p:spPr>
+          <a:xfrm>
+            <a:off x="4183193" y="1848145"/>
+            <a:ext cx="522626" cy="521377"/>
+          </a:xfrm>
+          <a:prstGeom prst="ellipse">
+            <a:avLst/>
+          </a:prstGeom>
+          <a:noFill/>
+          <a:ln w="25400"/>
+        </p:spPr>
+        <p:style>
+          <a:lnRef idx="2">
+            <a:schemeClr val="accent1">
+              <a:shade val="50000"/>
+            </a:schemeClr>
+          </a:lnRef>
+          <a:fillRef idx="1">
+            <a:schemeClr val="accent1"/>
+          </a:fillRef>
+          <a:effectRef idx="0">
+            <a:schemeClr val="accent1"/>
+          </a:effectRef>
+          <a:fontRef idx="minor">
+            <a:schemeClr val="lt1"/>
+          </a:fontRef>
+        </p:style>
+        <p:txBody>
+          <a:bodyPr rtlCol="0" anchor="ctr"/>
+          <a:lstStyle/>
+          <a:p>
+            <a:pPr algn="ctr"/>
+            <a:endParaRPr lang="en-US"/>
+          </a:p>
+        </p:txBody>
+      </p:sp>
+      <p:sp>
+        <p:nvSpPr>
+          <p:cNvPr id="78" name="Oval 77">
+            <a:extLst>
+              <a:ext uri="{FF2B5EF4-FFF2-40B4-BE49-F238E27FC236}">
+                <a16:creationId xmlns:a16="http://schemas.microsoft.com/office/drawing/2014/main" id="{770DBD76-2316-4372-8B03-C1378878F721}"/>
+              </a:ext>
+            </a:extLst>
+          </p:cNvPr>
+          <p:cNvSpPr/>
+          <p:nvPr/>
+        </p:nvSpPr>
+        <p:spPr>
+          <a:xfrm>
+            <a:off x="4887419" y="1837605"/>
+            <a:ext cx="522626" cy="521377"/>
+          </a:xfrm>
+          <a:prstGeom prst="ellipse">
+            <a:avLst/>
+          </a:prstGeom>
+          <a:noFill/>
+          <a:ln w="25400"/>
+        </p:spPr>
+        <p:style>
+          <a:lnRef idx="2">
+            <a:schemeClr val="accent1">
+              <a:shade val="50000"/>
+            </a:schemeClr>
+          </a:lnRef>
+          <a:fillRef idx="1">
+            <a:schemeClr val="accent1"/>
+          </a:fillRef>
+          <a:effectRef idx="0">
+            <a:schemeClr val="accent1"/>
+          </a:effectRef>
+          <a:fontRef idx="minor">
+            <a:schemeClr val="lt1"/>
+          </a:fontRef>
+        </p:style>
+        <p:txBody>
+          <a:bodyPr rtlCol="0" anchor="ctr"/>
+          <a:lstStyle/>
+          <a:p>
+            <a:pPr algn="ctr"/>
+            <a:endParaRPr lang="en-US"/>
+          </a:p>
+        </p:txBody>
+      </p:sp>
+      <p:sp>
+        <p:nvSpPr>
+          <p:cNvPr id="79" name="Oval 78">
+            <a:extLst>
+              <a:ext uri="{FF2B5EF4-FFF2-40B4-BE49-F238E27FC236}">
+                <a16:creationId xmlns:a16="http://schemas.microsoft.com/office/drawing/2014/main" id="{BAD85622-85B0-4019-8681-A5381AD48F75}"/>
+              </a:ext>
+            </a:extLst>
+          </p:cNvPr>
+          <p:cNvSpPr/>
+          <p:nvPr/>
+        </p:nvSpPr>
+        <p:spPr>
+          <a:xfrm>
+            <a:off x="5620219" y="1848145"/>
+            <a:ext cx="522626" cy="521377"/>
+          </a:xfrm>
+          <a:prstGeom prst="ellipse">
+            <a:avLst/>
+          </a:prstGeom>
+          <a:noFill/>
+          <a:ln w="25400"/>
+        </p:spPr>
+        <p:style>
+          <a:lnRef idx="2">
+            <a:schemeClr val="accent1">
+              <a:shade val="50000"/>
+            </a:schemeClr>
+          </a:lnRef>
+          <a:fillRef idx="1">
+            <a:schemeClr val="accent1"/>
+          </a:fillRef>
+          <a:effectRef idx="0">
+            <a:schemeClr val="accent1"/>
+          </a:effectRef>
+          <a:fontRef idx="minor">
+            <a:schemeClr val="lt1"/>
+          </a:fontRef>
+        </p:style>
+        <p:txBody>
+          <a:bodyPr rtlCol="0" anchor="ctr"/>
+          <a:lstStyle/>
+          <a:p>
+            <a:pPr algn="ctr"/>
+            <a:endParaRPr lang="en-US"/>
+          </a:p>
+        </p:txBody>
+      </p:sp>
+      <p:sp>
+        <p:nvSpPr>
+          <p:cNvPr id="80" name="Oval 79">
+            <a:extLst>
+              <a:ext uri="{FF2B5EF4-FFF2-40B4-BE49-F238E27FC236}">
+                <a16:creationId xmlns:a16="http://schemas.microsoft.com/office/drawing/2014/main" id="{2B7F9783-804A-4678-B2B6-97E18558663F}"/>
+              </a:ext>
+            </a:extLst>
+          </p:cNvPr>
+          <p:cNvSpPr/>
+          <p:nvPr/>
+        </p:nvSpPr>
+        <p:spPr>
+          <a:xfrm>
+            <a:off x="6353019" y="1848145"/>
+            <a:ext cx="522626" cy="521377"/>
+          </a:xfrm>
+          <a:prstGeom prst="ellipse">
+            <a:avLst/>
+          </a:prstGeom>
+          <a:noFill/>
+          <a:ln w="25400"/>
+        </p:spPr>
+        <p:style>
+          <a:lnRef idx="2">
+            <a:schemeClr val="accent1">
+              <a:shade val="50000"/>
+            </a:schemeClr>
+          </a:lnRef>
+          <a:fillRef idx="1">
+            <a:schemeClr val="accent1"/>
+          </a:fillRef>
+          <a:effectRef idx="0">
+            <a:schemeClr val="accent1"/>
+          </a:effectRef>
+          <a:fontRef idx="minor">
+            <a:schemeClr val="lt1"/>
+          </a:fontRef>
+        </p:style>
+        <p:txBody>
+          <a:bodyPr rtlCol="0" anchor="ctr"/>
+          <a:lstStyle/>
+          <a:p>
+            <a:pPr algn="ctr"/>
+            <a:endParaRPr lang="en-US"/>
+          </a:p>
+        </p:txBody>
+      </p:sp>
+      <p:sp>
+        <p:nvSpPr>
+          <p:cNvPr id="81" name="Oval 80">
+            <a:extLst>
+              <a:ext uri="{FF2B5EF4-FFF2-40B4-BE49-F238E27FC236}">
+                <a16:creationId xmlns:a16="http://schemas.microsoft.com/office/drawing/2014/main" id="{029DD2A7-DA89-420D-917D-DACF83166B5D}"/>
+              </a:ext>
+            </a:extLst>
+          </p:cNvPr>
+          <p:cNvSpPr/>
+          <p:nvPr/>
+        </p:nvSpPr>
+        <p:spPr>
+          <a:xfrm>
+            <a:off x="7057245" y="1848145"/>
+            <a:ext cx="522626" cy="521377"/>
+          </a:xfrm>
+          <a:prstGeom prst="ellipse">
+            <a:avLst/>
+          </a:prstGeom>
+          <a:noFill/>
+          <a:ln w="25400"/>
+        </p:spPr>
+        <p:style>
+          <a:lnRef idx="2">
+            <a:schemeClr val="accent1">
+              <a:shade val="50000"/>
+            </a:schemeClr>
+          </a:lnRef>
+          <a:fillRef idx="1">
+            <a:schemeClr val="accent1"/>
+          </a:fillRef>
+          <a:effectRef idx="0">
+            <a:schemeClr val="accent1"/>
+          </a:effectRef>
+          <a:fontRef idx="minor">
+            <a:schemeClr val="lt1"/>
+          </a:fontRef>
+        </p:style>
+        <p:txBody>
+          <a:bodyPr rtlCol="0" anchor="ctr"/>
+          <a:lstStyle/>
+          <a:p>
+            <a:pPr algn="ctr"/>
+            <a:endParaRPr lang="en-US"/>
+          </a:p>
+        </p:txBody>
+      </p:sp>
+      <p:cxnSp>
+        <p:nvCxnSpPr>
+          <p:cNvPr id="82" name="Straight Arrow Connector 81">
+            <a:extLst>
+              <a:ext uri="{FF2B5EF4-FFF2-40B4-BE49-F238E27FC236}">
+                <a16:creationId xmlns:a16="http://schemas.microsoft.com/office/drawing/2014/main" id="{9DDDD8DD-A431-4EE8-9DC0-CD99A5F0355B}"/>
+              </a:ext>
+            </a:extLst>
+          </p:cNvPr>
+          <p:cNvCxnSpPr>
+            <a:cxnSpLocks/>
+            <a:endCxn id="72" idx="4"/>
+          </p:cNvCxnSpPr>
+          <p:nvPr/>
+        </p:nvCxnSpPr>
+        <p:spPr>
+          <a:xfrm flipH="1" flipV="1">
+            <a:off x="4444506" y="1016972"/>
+            <a:ext cx="3152" cy="831174"/>
+          </a:xfrm>
+          <a:prstGeom prst="straightConnector1">
+            <a:avLst/>
+          </a:prstGeom>
+          <a:ln w="19050">
+            <a:tailEnd type="triangle"/>
+          </a:ln>
+        </p:spPr>
+        <p:style>
+          <a:lnRef idx="1">
+            <a:schemeClr val="accent1"/>
+          </a:lnRef>
+          <a:fillRef idx="0">
+            <a:schemeClr val="accent1"/>
+          </a:fillRef>
+          <a:effectRef idx="0">
+            <a:schemeClr val="accent1"/>
+          </a:effectRef>
+          <a:fontRef idx="minor">
+            <a:schemeClr val="tx1"/>
+          </a:fontRef>
+        </p:style>
+      </p:cxnSp>
+      <p:cxnSp>
+        <p:nvCxnSpPr>
+          <p:cNvPr id="83" name="Straight Arrow Connector 82">
+            <a:extLst>
+              <a:ext uri="{FF2B5EF4-FFF2-40B4-BE49-F238E27FC236}">
+                <a16:creationId xmlns:a16="http://schemas.microsoft.com/office/drawing/2014/main" id="{A68ABCCB-DDA2-4AF7-A1CD-2AF6248E82FE}"/>
+              </a:ext>
+            </a:extLst>
+          </p:cNvPr>
+          <p:cNvCxnSpPr>
+            <a:cxnSpLocks/>
+          </p:cNvCxnSpPr>
+          <p:nvPr/>
+        </p:nvCxnSpPr>
+        <p:spPr>
+          <a:xfrm flipH="1" flipV="1">
+            <a:off x="5142428" y="1016972"/>
+            <a:ext cx="3152" cy="831174"/>
+          </a:xfrm>
+          <a:prstGeom prst="straightConnector1">
+            <a:avLst/>
+          </a:prstGeom>
+          <a:ln w="19050">
+            <a:tailEnd type="triangle"/>
+          </a:ln>
+        </p:spPr>
+        <p:style>
+          <a:lnRef idx="1">
+            <a:schemeClr val="accent1"/>
+          </a:lnRef>
+          <a:fillRef idx="0">
+            <a:schemeClr val="accent1"/>
+          </a:fillRef>
+          <a:effectRef idx="0">
+            <a:schemeClr val="accent1"/>
+          </a:effectRef>
+          <a:fontRef idx="minor">
+            <a:schemeClr val="tx1"/>
+          </a:fontRef>
+        </p:style>
+      </p:cxnSp>
+      <p:cxnSp>
+        <p:nvCxnSpPr>
+          <p:cNvPr id="84" name="Straight Arrow Connector 83">
+            <a:extLst>
+              <a:ext uri="{FF2B5EF4-FFF2-40B4-BE49-F238E27FC236}">
+                <a16:creationId xmlns:a16="http://schemas.microsoft.com/office/drawing/2014/main" id="{CB1CA7EC-D911-46CE-A9D4-65E38CC636B8}"/>
+              </a:ext>
+            </a:extLst>
+          </p:cNvPr>
+          <p:cNvCxnSpPr>
+            <a:cxnSpLocks/>
+          </p:cNvCxnSpPr>
+          <p:nvPr/>
+        </p:nvCxnSpPr>
+        <p:spPr>
+          <a:xfrm flipH="1" flipV="1">
+            <a:off x="5879956" y="1016971"/>
+            <a:ext cx="3152" cy="831174"/>
+          </a:xfrm>
+          <a:prstGeom prst="straightConnector1">
+            <a:avLst/>
+          </a:prstGeom>
+          <a:ln w="19050">
+            <a:tailEnd type="triangle"/>
+          </a:ln>
+        </p:spPr>
+        <p:style>
+          <a:lnRef idx="1">
+            <a:schemeClr val="accent1"/>
+          </a:lnRef>
+          <a:fillRef idx="0">
+            <a:schemeClr val="accent1"/>
+          </a:fillRef>
+          <a:effectRef idx="0">
+            <a:schemeClr val="accent1"/>
+          </a:effectRef>
+          <a:fontRef idx="minor">
+            <a:schemeClr val="tx1"/>
+          </a:fontRef>
+        </p:style>
+      </p:cxnSp>
+      <p:cxnSp>
+        <p:nvCxnSpPr>
+          <p:cNvPr id="85" name="Straight Arrow Connector 84">
+            <a:extLst>
+              <a:ext uri="{FF2B5EF4-FFF2-40B4-BE49-F238E27FC236}">
+                <a16:creationId xmlns:a16="http://schemas.microsoft.com/office/drawing/2014/main" id="{44A8A501-3EF5-4770-B1DF-B840A03DE1C2}"/>
+              </a:ext>
+            </a:extLst>
+          </p:cNvPr>
+          <p:cNvCxnSpPr>
+            <a:cxnSpLocks/>
+          </p:cNvCxnSpPr>
+          <p:nvPr/>
+        </p:nvCxnSpPr>
+        <p:spPr>
+          <a:xfrm flipH="1" flipV="1">
+            <a:off x="6617484" y="1016970"/>
+            <a:ext cx="3152" cy="831174"/>
+          </a:xfrm>
+          <a:prstGeom prst="straightConnector1">
+            <a:avLst/>
+          </a:prstGeom>
+          <a:ln w="19050">
+            <a:tailEnd type="triangle"/>
+          </a:ln>
+        </p:spPr>
+        <p:style>
+          <a:lnRef idx="1">
+            <a:schemeClr val="accent1"/>
+          </a:lnRef>
+          <a:fillRef idx="0">
+            <a:schemeClr val="accent1"/>
+          </a:fillRef>
+          <a:effectRef idx="0">
+            <a:schemeClr val="accent1"/>
+          </a:effectRef>
+          <a:fontRef idx="minor">
+            <a:schemeClr val="tx1"/>
+          </a:fontRef>
+        </p:style>
+      </p:cxnSp>
+      <p:cxnSp>
+        <p:nvCxnSpPr>
+          <p:cNvPr id="86" name="Straight Arrow Connector 85">
+            <a:extLst>
+              <a:ext uri="{FF2B5EF4-FFF2-40B4-BE49-F238E27FC236}">
+                <a16:creationId xmlns:a16="http://schemas.microsoft.com/office/drawing/2014/main" id="{C1EA261A-9881-40AF-A856-3CF5E323268F}"/>
+              </a:ext>
+            </a:extLst>
+          </p:cNvPr>
+          <p:cNvCxnSpPr>
+            <a:cxnSpLocks/>
+          </p:cNvCxnSpPr>
+          <p:nvPr/>
+        </p:nvCxnSpPr>
+        <p:spPr>
+          <a:xfrm flipH="1" flipV="1">
+            <a:off x="7318558" y="1016970"/>
+            <a:ext cx="3152" cy="831174"/>
+          </a:xfrm>
+          <a:prstGeom prst="straightConnector1">
+            <a:avLst/>
+          </a:prstGeom>
+          <a:ln w="19050">
+            <a:tailEnd type="triangle"/>
+          </a:ln>
+        </p:spPr>
+        <p:style>
+          <a:lnRef idx="1">
+            <a:schemeClr val="accent1"/>
+          </a:lnRef>
+          <a:fillRef idx="0">
+            <a:schemeClr val="accent1"/>
+          </a:fillRef>
+          <a:effectRef idx="0">
+            <a:schemeClr val="accent1"/>
+          </a:effectRef>
+          <a:fontRef idx="minor">
+            <a:schemeClr val="tx1"/>
+          </a:fontRef>
+        </p:style>
+      </p:cxnSp>
+      <p:cxnSp>
+        <p:nvCxnSpPr>
+          <p:cNvPr id="87" name="Straight Arrow Connector 86">
+            <a:extLst>
+              <a:ext uri="{FF2B5EF4-FFF2-40B4-BE49-F238E27FC236}">
+                <a16:creationId xmlns:a16="http://schemas.microsoft.com/office/drawing/2014/main" id="{D5CAD58A-3B4A-4DF7-8D06-177C75805750}"/>
+              </a:ext>
+            </a:extLst>
+          </p:cNvPr>
+          <p:cNvCxnSpPr>
+            <a:cxnSpLocks/>
+            <a:stCxn id="77" idx="0"/>
+            <a:endCxn id="73" idx="3"/>
+          </p:cNvCxnSpPr>
+          <p:nvPr/>
+        </p:nvCxnSpPr>
+        <p:spPr>
+          <a:xfrm flipV="1">
+            <a:off x="4444506" y="930078"/>
+            <a:ext cx="519450" cy="918067"/>
+          </a:xfrm>
+          <a:prstGeom prst="straightConnector1">
+            <a:avLst/>
+          </a:prstGeom>
+          <a:ln w="19050">
+            <a:tailEnd type="triangle"/>
+          </a:ln>
+        </p:spPr>
+        <p:style>
+          <a:lnRef idx="1">
+            <a:schemeClr val="accent1"/>
+          </a:lnRef>
+          <a:fillRef idx="0">
+            <a:schemeClr val="accent1"/>
+          </a:fillRef>
+          <a:effectRef idx="0">
+            <a:schemeClr val="accent1"/>
+          </a:effectRef>
+          <a:fontRef idx="minor">
+            <a:schemeClr val="tx1"/>
+          </a:fontRef>
+        </p:style>
+      </p:cxnSp>
+      <p:cxnSp>
+        <p:nvCxnSpPr>
+          <p:cNvPr id="88" name="Straight Arrow Connector 87">
+            <a:extLst>
+              <a:ext uri="{FF2B5EF4-FFF2-40B4-BE49-F238E27FC236}">
+                <a16:creationId xmlns:a16="http://schemas.microsoft.com/office/drawing/2014/main" id="{DE745806-D70C-4FE1-99E6-328935268955}"/>
+              </a:ext>
+            </a:extLst>
+          </p:cNvPr>
+          <p:cNvCxnSpPr>
+            <a:cxnSpLocks/>
+            <a:stCxn id="78" idx="0"/>
+            <a:endCxn id="72" idx="5"/>
+          </p:cNvCxnSpPr>
+          <p:nvPr/>
+        </p:nvCxnSpPr>
+        <p:spPr>
+          <a:xfrm flipH="1" flipV="1">
+            <a:off x="4629282" y="940618"/>
+            <a:ext cx="519450" cy="896987"/>
+          </a:xfrm>
+          <a:prstGeom prst="straightConnector1">
+            <a:avLst/>
+          </a:prstGeom>
+          <a:ln w="19050">
+            <a:tailEnd type="triangle"/>
+          </a:ln>
+        </p:spPr>
+        <p:style>
+          <a:lnRef idx="1">
+            <a:schemeClr val="accent1"/>
+          </a:lnRef>
+          <a:fillRef idx="0">
+            <a:schemeClr val="accent1"/>
+          </a:fillRef>
+          <a:effectRef idx="0">
+            <a:schemeClr val="accent1"/>
+          </a:effectRef>
+          <a:fontRef idx="minor">
+            <a:schemeClr val="tx1"/>
+          </a:fontRef>
+        </p:style>
+      </p:cxnSp>
+      <p:cxnSp>
+        <p:nvCxnSpPr>
+          <p:cNvPr id="89" name="Straight Arrow Connector 88">
+            <a:extLst>
+              <a:ext uri="{FF2B5EF4-FFF2-40B4-BE49-F238E27FC236}">
+                <a16:creationId xmlns:a16="http://schemas.microsoft.com/office/drawing/2014/main" id="{0AA7D2ED-965B-4E5C-B92F-552FBC7E0459}"/>
+              </a:ext>
+            </a:extLst>
+          </p:cNvPr>
+          <p:cNvCxnSpPr>
+            <a:cxnSpLocks/>
+            <a:stCxn id="78" idx="0"/>
+          </p:cNvCxnSpPr>
+          <p:nvPr/>
+        </p:nvCxnSpPr>
+        <p:spPr>
+          <a:xfrm flipV="1">
+            <a:off x="5148732" y="932663"/>
+            <a:ext cx="513219" cy="904942"/>
+          </a:xfrm>
+          <a:prstGeom prst="straightConnector1">
+            <a:avLst/>
+          </a:prstGeom>
+          <a:ln w="19050">
+            <a:tailEnd type="triangle"/>
+          </a:ln>
+        </p:spPr>
+        <p:style>
+          <a:lnRef idx="1">
+            <a:schemeClr val="accent1"/>
+          </a:lnRef>
+          <a:fillRef idx="0">
+            <a:schemeClr val="accent1"/>
+          </a:fillRef>
+          <a:effectRef idx="0">
+            <a:schemeClr val="accent1"/>
+          </a:effectRef>
+          <a:fontRef idx="minor">
+            <a:schemeClr val="tx1"/>
+          </a:fontRef>
+        </p:style>
+      </p:cxnSp>
+      <p:cxnSp>
+        <p:nvCxnSpPr>
+          <p:cNvPr id="90" name="Straight Arrow Connector 89">
+            <a:extLst>
+              <a:ext uri="{FF2B5EF4-FFF2-40B4-BE49-F238E27FC236}">
+                <a16:creationId xmlns:a16="http://schemas.microsoft.com/office/drawing/2014/main" id="{8C33094B-D377-41F1-B57E-3FBA592B92FF}"/>
+              </a:ext>
+            </a:extLst>
+          </p:cNvPr>
+          <p:cNvCxnSpPr>
+            <a:cxnSpLocks/>
+            <a:stCxn id="79" idx="0"/>
+            <a:endCxn id="75" idx="3"/>
+          </p:cNvCxnSpPr>
+          <p:nvPr/>
+        </p:nvCxnSpPr>
+        <p:spPr>
+          <a:xfrm flipV="1">
+            <a:off x="5881532" y="940618"/>
+            <a:ext cx="548024" cy="907527"/>
+          </a:xfrm>
+          <a:prstGeom prst="straightConnector1">
+            <a:avLst/>
+          </a:prstGeom>
+          <a:ln w="19050">
+            <a:tailEnd type="triangle"/>
+          </a:ln>
+        </p:spPr>
+        <p:style>
+          <a:lnRef idx="1">
+            <a:schemeClr val="accent1"/>
+          </a:lnRef>
+          <a:fillRef idx="0">
+            <a:schemeClr val="accent1"/>
+          </a:fillRef>
+          <a:effectRef idx="0">
+            <a:schemeClr val="accent1"/>
+          </a:effectRef>
+          <a:fontRef idx="minor">
+            <a:schemeClr val="tx1"/>
+          </a:fontRef>
+        </p:style>
+      </p:cxnSp>
+      <p:cxnSp>
+        <p:nvCxnSpPr>
+          <p:cNvPr id="91" name="Straight Arrow Connector 90">
+            <a:extLst>
+              <a:ext uri="{FF2B5EF4-FFF2-40B4-BE49-F238E27FC236}">
+                <a16:creationId xmlns:a16="http://schemas.microsoft.com/office/drawing/2014/main" id="{A6FE52B8-8DA4-43B8-B21C-57068D5525DC}"/>
+              </a:ext>
+            </a:extLst>
+          </p:cNvPr>
+          <p:cNvCxnSpPr>
+            <a:cxnSpLocks/>
+            <a:endCxn id="73" idx="5"/>
+          </p:cNvCxnSpPr>
+          <p:nvPr/>
+        </p:nvCxnSpPr>
+        <p:spPr>
+          <a:xfrm flipH="1" flipV="1">
+            <a:off x="5333508" y="930078"/>
+            <a:ext cx="548024" cy="918068"/>
+          </a:xfrm>
+          <a:prstGeom prst="straightConnector1">
+            <a:avLst/>
+          </a:prstGeom>
+          <a:ln w="19050">
+            <a:tailEnd type="triangle"/>
+          </a:ln>
+        </p:spPr>
+        <p:style>
+          <a:lnRef idx="1">
+            <a:schemeClr val="accent1"/>
+          </a:lnRef>
+          <a:fillRef idx="0">
+            <a:schemeClr val="accent1"/>
+          </a:fillRef>
+          <a:effectRef idx="0">
+            <a:schemeClr val="accent1"/>
+          </a:effectRef>
+          <a:fontRef idx="minor">
+            <a:schemeClr val="tx1"/>
+          </a:fontRef>
+        </p:style>
+      </p:cxnSp>
+      <p:cxnSp>
+        <p:nvCxnSpPr>
+          <p:cNvPr id="92" name="Straight Arrow Connector 91">
+            <a:extLst>
+              <a:ext uri="{FF2B5EF4-FFF2-40B4-BE49-F238E27FC236}">
+                <a16:creationId xmlns:a16="http://schemas.microsoft.com/office/drawing/2014/main" id="{4F4E0442-FA68-457C-894A-B5110349DFE8}"/>
+              </a:ext>
+            </a:extLst>
+          </p:cNvPr>
+          <p:cNvCxnSpPr>
+            <a:cxnSpLocks/>
+            <a:stCxn id="80" idx="0"/>
+            <a:endCxn id="76" idx="3"/>
+          </p:cNvCxnSpPr>
+          <p:nvPr/>
+        </p:nvCxnSpPr>
+        <p:spPr>
+          <a:xfrm flipV="1">
+            <a:off x="6614332" y="940618"/>
+            <a:ext cx="519450" cy="907527"/>
+          </a:xfrm>
+          <a:prstGeom prst="straightConnector1">
+            <a:avLst/>
+          </a:prstGeom>
+          <a:ln w="19050">
+            <a:tailEnd type="triangle"/>
+          </a:ln>
+        </p:spPr>
+        <p:style>
+          <a:lnRef idx="1">
+            <a:schemeClr val="accent1"/>
+          </a:lnRef>
+          <a:fillRef idx="0">
+            <a:schemeClr val="accent1"/>
+          </a:fillRef>
+          <a:effectRef idx="0">
+            <a:schemeClr val="accent1"/>
+          </a:effectRef>
+          <a:fontRef idx="minor">
+            <a:schemeClr val="tx1"/>
+          </a:fontRef>
+        </p:style>
+      </p:cxnSp>
+      <p:cxnSp>
+        <p:nvCxnSpPr>
+          <p:cNvPr id="93" name="Straight Arrow Connector 92">
+            <a:extLst>
+              <a:ext uri="{FF2B5EF4-FFF2-40B4-BE49-F238E27FC236}">
+                <a16:creationId xmlns:a16="http://schemas.microsoft.com/office/drawing/2014/main" id="{89FE9411-4124-4E2B-94E3-A8A0FC545F9F}"/>
+              </a:ext>
+            </a:extLst>
+          </p:cNvPr>
+          <p:cNvCxnSpPr>
+            <a:cxnSpLocks/>
+            <a:stCxn id="80" idx="0"/>
+            <a:endCxn id="74" idx="5"/>
+          </p:cNvCxnSpPr>
+          <p:nvPr/>
+        </p:nvCxnSpPr>
+        <p:spPr>
+          <a:xfrm flipH="1" flipV="1">
+            <a:off x="6066308" y="930078"/>
+            <a:ext cx="548024" cy="918067"/>
+          </a:xfrm>
+          <a:prstGeom prst="straightConnector1">
+            <a:avLst/>
+          </a:prstGeom>
+          <a:ln w="19050">
+            <a:tailEnd type="triangle"/>
+          </a:ln>
+        </p:spPr>
+        <p:style>
+          <a:lnRef idx="1">
+            <a:schemeClr val="accent1"/>
+          </a:lnRef>
+          <a:fillRef idx="0">
+            <a:schemeClr val="accent1"/>
+          </a:fillRef>
+          <a:effectRef idx="0">
+            <a:schemeClr val="accent1"/>
+          </a:effectRef>
+          <a:fontRef idx="minor">
+            <a:schemeClr val="tx1"/>
+          </a:fontRef>
+        </p:style>
+      </p:cxnSp>
+      <p:cxnSp>
+        <p:nvCxnSpPr>
+          <p:cNvPr id="94" name="Straight Arrow Connector 93">
+            <a:extLst>
+              <a:ext uri="{FF2B5EF4-FFF2-40B4-BE49-F238E27FC236}">
+                <a16:creationId xmlns:a16="http://schemas.microsoft.com/office/drawing/2014/main" id="{6DCD063A-57A0-4F9A-8FD6-E04DD284CE52}"/>
+              </a:ext>
+            </a:extLst>
+          </p:cNvPr>
+          <p:cNvCxnSpPr>
+            <a:cxnSpLocks/>
+            <a:endCxn id="74" idx="5"/>
+          </p:cNvCxnSpPr>
+          <p:nvPr/>
+        </p:nvCxnSpPr>
+        <p:spPr>
+          <a:xfrm flipH="1" flipV="1">
+            <a:off x="6066308" y="930078"/>
+            <a:ext cx="1252250" cy="896988"/>
+          </a:xfrm>
+          <a:prstGeom prst="straightConnector1">
+            <a:avLst/>
+          </a:prstGeom>
+          <a:ln w="19050">
+            <a:tailEnd type="triangle"/>
+          </a:ln>
+        </p:spPr>
+        <p:style>
+          <a:lnRef idx="1">
+            <a:schemeClr val="accent1"/>
+          </a:lnRef>
+          <a:fillRef idx="0">
+            <a:schemeClr val="accent1"/>
+          </a:fillRef>
+          <a:effectRef idx="0">
+            <a:schemeClr val="accent1"/>
+          </a:effectRef>
+          <a:fontRef idx="minor">
+            <a:schemeClr val="tx1"/>
+          </a:fontRef>
+        </p:style>
+      </p:cxnSp>
+      <p:sp>
+        <p:nvSpPr>
+          <p:cNvPr id="95" name="TextBox 94">
+            <a:extLst>
+              <a:ext uri="{FF2B5EF4-FFF2-40B4-BE49-F238E27FC236}">
+                <a16:creationId xmlns:a16="http://schemas.microsoft.com/office/drawing/2014/main" id="{5626CA6F-3138-413C-9E24-9A3D1CE16C95}"/>
+              </a:ext>
+            </a:extLst>
+          </p:cNvPr>
+          <p:cNvSpPr txBox="1"/>
+          <p:nvPr/>
+        </p:nvSpPr>
+        <p:spPr>
+          <a:xfrm>
+            <a:off x="4189881" y="1930227"/>
+            <a:ext cx="514350" cy="369332"/>
+          </a:xfrm>
+          <a:prstGeom prst="rect">
+            <a:avLst/>
+          </a:prstGeom>
+          <a:noFill/>
+        </p:spPr>
+        <p:txBody>
+          <a:bodyPr wrap="square" rtlCol="0">
+            <a:spAutoFit/>
+          </a:bodyPr>
+          <a:lstStyle/>
+          <a:p>
+            <a:r>
+              <a:rPr lang="en-US" dirty="0"/>
+              <a:t>0.1</a:t>
+            </a:r>
+          </a:p>
+        </p:txBody>
+      </p:sp>
+      <p:sp>
+        <p:nvSpPr>
+          <p:cNvPr id="96" name="TextBox 95">
+            <a:extLst>
+              <a:ext uri="{FF2B5EF4-FFF2-40B4-BE49-F238E27FC236}">
+                <a16:creationId xmlns:a16="http://schemas.microsoft.com/office/drawing/2014/main" id="{B4510C1C-82BF-43DE-93B6-081302915D36}"/>
+              </a:ext>
+            </a:extLst>
+          </p:cNvPr>
+          <p:cNvSpPr txBox="1"/>
+          <p:nvPr/>
+        </p:nvSpPr>
+        <p:spPr>
+          <a:xfrm>
+            <a:off x="4912793" y="1923836"/>
+            <a:ext cx="514350" cy="369332"/>
+          </a:xfrm>
+          <a:prstGeom prst="rect">
+            <a:avLst/>
+          </a:prstGeom>
+          <a:noFill/>
+        </p:spPr>
+        <p:txBody>
+          <a:bodyPr wrap="square" rtlCol="0">
+            <a:spAutoFit/>
+          </a:bodyPr>
+          <a:lstStyle/>
+          <a:p>
+            <a:pPr algn="ctr"/>
+            <a:r>
+              <a:rPr lang="en-US" dirty="0"/>
+              <a:t>0.3</a:t>
+            </a:r>
+          </a:p>
+        </p:txBody>
+      </p:sp>
+      <p:sp>
+        <p:nvSpPr>
+          <p:cNvPr id="97" name="TextBox 96">
+            <a:extLst>
+              <a:ext uri="{FF2B5EF4-FFF2-40B4-BE49-F238E27FC236}">
+                <a16:creationId xmlns:a16="http://schemas.microsoft.com/office/drawing/2014/main" id="{1F4250AA-23BC-4787-A249-BE721D4CBDB8}"/>
+              </a:ext>
+            </a:extLst>
+          </p:cNvPr>
+          <p:cNvSpPr txBox="1"/>
+          <p:nvPr/>
+        </p:nvSpPr>
+        <p:spPr>
+          <a:xfrm>
+            <a:off x="5663460" y="1930227"/>
+            <a:ext cx="514350" cy="369332"/>
+          </a:xfrm>
+          <a:prstGeom prst="rect">
+            <a:avLst/>
+          </a:prstGeom>
+          <a:noFill/>
+        </p:spPr>
+        <p:txBody>
+          <a:bodyPr wrap="square" rtlCol="0">
+            <a:spAutoFit/>
+          </a:bodyPr>
+          <a:lstStyle/>
+          <a:p>
+            <a:pPr algn="ctr"/>
+            <a:r>
+              <a:rPr lang="en-US" dirty="0"/>
+              <a:t>0.1</a:t>
+            </a:r>
+          </a:p>
+        </p:txBody>
+      </p:sp>
+      <p:sp>
+        <p:nvSpPr>
+          <p:cNvPr id="98" name="TextBox 97">
+            <a:extLst>
+              <a:ext uri="{FF2B5EF4-FFF2-40B4-BE49-F238E27FC236}">
+                <a16:creationId xmlns:a16="http://schemas.microsoft.com/office/drawing/2014/main" id="{C05845C5-1A3B-4B73-86A4-E0BF5F310F2E}"/>
+              </a:ext>
+            </a:extLst>
+          </p:cNvPr>
+          <p:cNvSpPr txBox="1"/>
+          <p:nvPr/>
+        </p:nvSpPr>
+        <p:spPr>
+          <a:xfrm>
+            <a:off x="7109048" y="1923836"/>
+            <a:ext cx="514350" cy="369332"/>
+          </a:xfrm>
+          <a:prstGeom prst="rect">
+            <a:avLst/>
+          </a:prstGeom>
+          <a:noFill/>
+        </p:spPr>
+        <p:txBody>
+          <a:bodyPr wrap="square" rtlCol="0">
+            <a:spAutoFit/>
+          </a:bodyPr>
+          <a:lstStyle/>
+          <a:p>
+            <a:pPr algn="ctr"/>
+            <a:r>
+              <a:rPr lang="en-US" dirty="0"/>
+              <a:t>0.2</a:t>
+            </a:r>
+          </a:p>
+        </p:txBody>
+      </p:sp>
+      <p:sp>
+        <p:nvSpPr>
+          <p:cNvPr id="99" name="TextBox 98">
+            <a:extLst>
+              <a:ext uri="{FF2B5EF4-FFF2-40B4-BE49-F238E27FC236}">
+                <a16:creationId xmlns:a16="http://schemas.microsoft.com/office/drawing/2014/main" id="{1428737E-3E20-4295-B4FF-A0622E497B5D}"/>
+              </a:ext>
+            </a:extLst>
+          </p:cNvPr>
+          <p:cNvSpPr txBox="1"/>
+          <p:nvPr/>
+        </p:nvSpPr>
+        <p:spPr>
+          <a:xfrm>
+            <a:off x="6360671" y="1913958"/>
+            <a:ext cx="548024" cy="369332"/>
+          </a:xfrm>
+          <a:prstGeom prst="rect">
+            <a:avLst/>
+          </a:prstGeom>
+          <a:noFill/>
+        </p:spPr>
+        <p:txBody>
+          <a:bodyPr wrap="square" rtlCol="0">
+            <a:spAutoFit/>
+          </a:bodyPr>
+          <a:lstStyle/>
+          <a:p>
+            <a:pPr algn="ctr"/>
+            <a:r>
+              <a:rPr lang="en-US" dirty="0"/>
+              <a:t>1.0</a:t>
+            </a:r>
+          </a:p>
+        </p:txBody>
+      </p:sp>
+      <p:sp>
+        <p:nvSpPr>
+          <p:cNvPr id="100" name="TextBox 99">
+            <a:extLst>
+              <a:ext uri="{FF2B5EF4-FFF2-40B4-BE49-F238E27FC236}">
+                <a16:creationId xmlns:a16="http://schemas.microsoft.com/office/drawing/2014/main" id="{37E62DA7-CD7E-4C4D-B1D3-8E23364682E1}"/>
+              </a:ext>
+            </a:extLst>
+          </p:cNvPr>
+          <p:cNvSpPr txBox="1"/>
+          <p:nvPr/>
+        </p:nvSpPr>
+        <p:spPr>
+          <a:xfrm>
+            <a:off x="4224925" y="559687"/>
+            <a:ext cx="514350" cy="369332"/>
+          </a:xfrm>
+          <a:prstGeom prst="rect">
+            <a:avLst/>
+          </a:prstGeom>
+          <a:noFill/>
+        </p:spPr>
+        <p:txBody>
+          <a:bodyPr wrap="square" rtlCol="0">
+            <a:spAutoFit/>
+          </a:bodyPr>
+          <a:lstStyle/>
+          <a:p>
+            <a:r>
+              <a:rPr lang="en-US" dirty="0"/>
+              <a:t>0.3</a:t>
+            </a:r>
+          </a:p>
+        </p:txBody>
+      </p:sp>
+      <p:sp>
+        <p:nvSpPr>
+          <p:cNvPr id="101" name="TextBox 100">
+            <a:extLst>
+              <a:ext uri="{FF2B5EF4-FFF2-40B4-BE49-F238E27FC236}">
+                <a16:creationId xmlns:a16="http://schemas.microsoft.com/office/drawing/2014/main" id="{7E60C251-4651-4D32-8E2C-776D85C6BFCC}"/>
+              </a:ext>
+            </a:extLst>
+          </p:cNvPr>
+          <p:cNvSpPr txBox="1"/>
+          <p:nvPr/>
+        </p:nvSpPr>
+        <p:spPr>
+          <a:xfrm>
+            <a:off x="4920639" y="550205"/>
+            <a:ext cx="514350" cy="369332"/>
+          </a:xfrm>
+          <a:prstGeom prst="rect">
+            <a:avLst/>
+          </a:prstGeom>
+          <a:noFill/>
+        </p:spPr>
+        <p:txBody>
+          <a:bodyPr wrap="square" rtlCol="0">
+            <a:spAutoFit/>
+          </a:bodyPr>
+          <a:lstStyle/>
+          <a:p>
+            <a:r>
+              <a:rPr lang="en-US" dirty="0"/>
+              <a:t>0.3</a:t>
+            </a:r>
+          </a:p>
+        </p:txBody>
+      </p:sp>
+      <p:sp>
+        <p:nvSpPr>
+          <p:cNvPr id="102" name="TextBox 101">
+            <a:extLst>
+              <a:ext uri="{FF2B5EF4-FFF2-40B4-BE49-F238E27FC236}">
+                <a16:creationId xmlns:a16="http://schemas.microsoft.com/office/drawing/2014/main" id="{FBAEC514-A58B-4DE6-8877-B7A3A6525D22}"/>
+              </a:ext>
+            </a:extLst>
+          </p:cNvPr>
+          <p:cNvSpPr txBox="1"/>
+          <p:nvPr/>
+        </p:nvSpPr>
+        <p:spPr>
+          <a:xfrm>
+            <a:off x="5616353" y="540723"/>
+            <a:ext cx="514350" cy="369332"/>
+          </a:xfrm>
+          <a:prstGeom prst="rect">
+            <a:avLst/>
+          </a:prstGeom>
+          <a:noFill/>
+        </p:spPr>
+        <p:txBody>
+          <a:bodyPr wrap="square" rtlCol="0">
+            <a:spAutoFit/>
+          </a:bodyPr>
+          <a:lstStyle/>
+          <a:p>
+            <a:r>
+              <a:rPr lang="en-US" dirty="0"/>
+              <a:t>1.0</a:t>
+            </a:r>
+          </a:p>
+        </p:txBody>
+      </p:sp>
+      <p:sp>
+        <p:nvSpPr>
+          <p:cNvPr id="103" name="TextBox 102">
+            <a:extLst>
+              <a:ext uri="{FF2B5EF4-FFF2-40B4-BE49-F238E27FC236}">
+                <a16:creationId xmlns:a16="http://schemas.microsoft.com/office/drawing/2014/main" id="{7A837822-8170-49C2-8CE4-734A971D358F}"/>
+              </a:ext>
+            </a:extLst>
+          </p:cNvPr>
+          <p:cNvSpPr txBox="1"/>
+          <p:nvPr/>
+        </p:nvSpPr>
+        <p:spPr>
+          <a:xfrm>
+            <a:off x="6347188" y="555035"/>
+            <a:ext cx="514350" cy="369332"/>
+          </a:xfrm>
+          <a:prstGeom prst="rect">
+            <a:avLst/>
+          </a:prstGeom>
+          <a:noFill/>
+        </p:spPr>
+        <p:txBody>
+          <a:bodyPr wrap="square" rtlCol="0">
+            <a:spAutoFit/>
+          </a:bodyPr>
+          <a:lstStyle/>
+          <a:p>
+            <a:r>
+              <a:rPr lang="en-US" dirty="0"/>
+              <a:t>1.0</a:t>
+            </a:r>
+          </a:p>
+        </p:txBody>
+      </p:sp>
+      <p:sp>
+        <p:nvSpPr>
+          <p:cNvPr id="104" name="TextBox 103">
+            <a:extLst>
+              <a:ext uri="{FF2B5EF4-FFF2-40B4-BE49-F238E27FC236}">
+                <a16:creationId xmlns:a16="http://schemas.microsoft.com/office/drawing/2014/main" id="{99B0B35F-9569-4C55-9D0C-C8996E8C1CD3}"/>
+              </a:ext>
+            </a:extLst>
+          </p:cNvPr>
+          <p:cNvSpPr txBox="1"/>
+          <p:nvPr/>
+        </p:nvSpPr>
+        <p:spPr>
+          <a:xfrm>
+            <a:off x="7077975" y="533232"/>
+            <a:ext cx="514350" cy="646331"/>
+          </a:xfrm>
+          <a:prstGeom prst="rect">
+            <a:avLst/>
+          </a:prstGeom>
+          <a:noFill/>
+        </p:spPr>
+        <p:txBody>
+          <a:bodyPr wrap="square" rtlCol="0">
+            <a:spAutoFit/>
+          </a:bodyPr>
+          <a:lstStyle/>
+          <a:p>
+            <a:pPr algn="ctr"/>
+            <a:r>
+              <a:rPr lang="en-US" dirty="0"/>
+              <a:t>1.0</a:t>
+            </a:r>
+            <a:br>
+              <a:rPr lang="en-US" dirty="0"/>
+            </a:br>
+            <a:endParaRPr lang="en-US" dirty="0"/>
+          </a:p>
+        </p:txBody>
+      </p:sp>
+      <p:cxnSp>
+        <p:nvCxnSpPr>
+          <p:cNvPr id="105" name="Straight Arrow Connector 104">
+            <a:extLst>
+              <a:ext uri="{FF2B5EF4-FFF2-40B4-BE49-F238E27FC236}">
+                <a16:creationId xmlns:a16="http://schemas.microsoft.com/office/drawing/2014/main" id="{5465B837-2BC7-4AAD-BB31-B6632BBF118A}"/>
+              </a:ext>
+            </a:extLst>
+          </p:cNvPr>
+          <p:cNvCxnSpPr>
+            <a:cxnSpLocks/>
+            <a:stCxn id="77" idx="0"/>
+          </p:cNvCxnSpPr>
+          <p:nvPr/>
+        </p:nvCxnSpPr>
+        <p:spPr>
+          <a:xfrm flipH="1" flipV="1">
+            <a:off x="3836157" y="983629"/>
+            <a:ext cx="608349" cy="864516"/>
+          </a:xfrm>
+          <a:prstGeom prst="straightConnector1">
+            <a:avLst/>
+          </a:prstGeom>
+          <a:ln w="19050">
+            <a:prstDash val="dash"/>
+            <a:tailEnd type="triangle"/>
+          </a:ln>
+        </p:spPr>
+        <p:style>
+          <a:lnRef idx="1">
+            <a:schemeClr val="accent1"/>
+          </a:lnRef>
+          <a:fillRef idx="0">
+            <a:schemeClr val="accent1"/>
+          </a:fillRef>
+          <a:effectRef idx="0">
+            <a:schemeClr val="accent1"/>
+          </a:effectRef>
+          <a:fontRef idx="minor">
+            <a:schemeClr val="tx1"/>
+          </a:fontRef>
+        </p:style>
+      </p:cxnSp>
+      <p:cxnSp>
+        <p:nvCxnSpPr>
+          <p:cNvPr id="106" name="Straight Arrow Connector 105">
+            <a:extLst>
+              <a:ext uri="{FF2B5EF4-FFF2-40B4-BE49-F238E27FC236}">
+                <a16:creationId xmlns:a16="http://schemas.microsoft.com/office/drawing/2014/main" id="{BA877E6E-F6D5-4BF5-A154-4DC2105F71ED}"/>
+              </a:ext>
+            </a:extLst>
+          </p:cNvPr>
+          <p:cNvCxnSpPr>
+            <a:cxnSpLocks/>
+            <a:endCxn id="72" idx="4"/>
+          </p:cNvCxnSpPr>
+          <p:nvPr/>
+        </p:nvCxnSpPr>
+        <p:spPr>
+          <a:xfrm flipV="1">
+            <a:off x="3836158" y="1016972"/>
+            <a:ext cx="608348" cy="884724"/>
+          </a:xfrm>
+          <a:prstGeom prst="straightConnector1">
+            <a:avLst/>
+          </a:prstGeom>
+          <a:ln w="19050">
+            <a:prstDash val="dash"/>
+            <a:tailEnd type="triangle"/>
+          </a:ln>
+        </p:spPr>
+        <p:style>
+          <a:lnRef idx="1">
+            <a:schemeClr val="accent1"/>
+          </a:lnRef>
+          <a:fillRef idx="0">
+            <a:schemeClr val="accent1"/>
+          </a:fillRef>
+          <a:effectRef idx="0">
+            <a:schemeClr val="accent1"/>
+          </a:effectRef>
+          <a:fontRef idx="minor">
+            <a:schemeClr val="tx1"/>
+          </a:fontRef>
+        </p:style>
+      </p:cxnSp>
+      <p:cxnSp>
+        <p:nvCxnSpPr>
+          <p:cNvPr id="107" name="Straight Arrow Connector 106">
+            <a:extLst>
+              <a:ext uri="{FF2B5EF4-FFF2-40B4-BE49-F238E27FC236}">
+                <a16:creationId xmlns:a16="http://schemas.microsoft.com/office/drawing/2014/main" id="{A299F805-A442-4EEC-95E6-60776E686A66}"/>
+              </a:ext>
+            </a:extLst>
+          </p:cNvPr>
+          <p:cNvCxnSpPr>
+            <a:cxnSpLocks/>
+          </p:cNvCxnSpPr>
+          <p:nvPr/>
+        </p:nvCxnSpPr>
+        <p:spPr>
+          <a:xfrm flipV="1">
+            <a:off x="7366223" y="957726"/>
+            <a:ext cx="608348" cy="884724"/>
+          </a:xfrm>
+          <a:prstGeom prst="straightConnector1">
+            <a:avLst/>
+          </a:prstGeom>
+          <a:ln w="19050">
+            <a:prstDash val="dash"/>
+            <a:tailEnd type="triangle"/>
+          </a:ln>
+        </p:spPr>
+        <p:style>
+          <a:lnRef idx="1">
+            <a:schemeClr val="accent1"/>
+          </a:lnRef>
+          <a:fillRef idx="0">
+            <a:schemeClr val="accent1"/>
+          </a:fillRef>
+          <a:effectRef idx="0">
+            <a:schemeClr val="accent1"/>
+          </a:effectRef>
+          <a:fontRef idx="minor">
+            <a:schemeClr val="tx1"/>
+          </a:fontRef>
+        </p:style>
+      </p:cxnSp>
+      <p:cxnSp>
+        <p:nvCxnSpPr>
+          <p:cNvPr id="108" name="Straight Arrow Connector 107">
+            <a:extLst>
+              <a:ext uri="{FF2B5EF4-FFF2-40B4-BE49-F238E27FC236}">
+                <a16:creationId xmlns:a16="http://schemas.microsoft.com/office/drawing/2014/main" id="{A5ADDCA0-D033-40E7-924D-D970B35AD4F1}"/>
+              </a:ext>
+            </a:extLst>
+          </p:cNvPr>
+          <p:cNvCxnSpPr>
+            <a:cxnSpLocks/>
+          </p:cNvCxnSpPr>
+          <p:nvPr/>
+        </p:nvCxnSpPr>
+        <p:spPr>
+          <a:xfrm flipH="1" flipV="1">
+            <a:off x="7500158" y="952031"/>
+            <a:ext cx="608349" cy="864516"/>
+          </a:xfrm>
+          <a:prstGeom prst="straightConnector1">
+            <a:avLst/>
+          </a:prstGeom>
+          <a:ln w="19050">
+            <a:prstDash val="dash"/>
+            <a:tailEnd type="triangle"/>
+          </a:ln>
+        </p:spPr>
+        <p:style>
+          <a:lnRef idx="1">
+            <a:schemeClr val="accent1"/>
+          </a:lnRef>
+          <a:fillRef idx="0">
+            <a:schemeClr val="accent1"/>
+          </a:fillRef>
+          <a:effectRef idx="0">
+            <a:schemeClr val="accent1"/>
+          </a:effectRef>
+          <a:fontRef idx="minor">
+            <a:schemeClr val="tx1"/>
+          </a:fontRef>
+        </p:style>
+      </p:cxnSp>
+      <p:sp>
+        <p:nvSpPr>
+          <p:cNvPr id="109" name="TextBox 108">
+            <a:extLst>
+              <a:ext uri="{FF2B5EF4-FFF2-40B4-BE49-F238E27FC236}">
+                <a16:creationId xmlns:a16="http://schemas.microsoft.com/office/drawing/2014/main" id="{81A0392A-1BD1-4EF0-9496-94D3C115563A}"/>
+              </a:ext>
+            </a:extLst>
+          </p:cNvPr>
+          <p:cNvSpPr txBox="1"/>
+          <p:nvPr/>
+        </p:nvSpPr>
+        <p:spPr>
+          <a:xfrm>
+            <a:off x="4558896" y="2425968"/>
+            <a:ext cx="2642119" cy="461665"/>
+          </a:xfrm>
+          <a:prstGeom prst="rect">
+            <a:avLst/>
+          </a:prstGeom>
+          <a:noFill/>
+        </p:spPr>
+        <p:txBody>
+          <a:bodyPr wrap="square" rtlCol="0">
+            <a:spAutoFit/>
+          </a:bodyPr>
+          <a:lstStyle/>
+          <a:p>
+            <a:pPr algn="ctr"/>
+            <a:r>
+              <a:rPr lang="en-US" sz="2400" dirty="0"/>
+              <a:t>Shift Right by One</a:t>
+            </a:r>
+          </a:p>
+        </p:txBody>
+      </p:sp>
+      <p:sp>
+        <p:nvSpPr>
+          <p:cNvPr id="110" name="TextBox 109">
+            <a:extLst>
+              <a:ext uri="{FF2B5EF4-FFF2-40B4-BE49-F238E27FC236}">
+                <a16:creationId xmlns:a16="http://schemas.microsoft.com/office/drawing/2014/main" id="{025BE085-4D43-49FB-88D2-6E36261C99E9}"/>
+              </a:ext>
+            </a:extLst>
+          </p:cNvPr>
+          <p:cNvSpPr txBox="1"/>
+          <p:nvPr/>
+        </p:nvSpPr>
+        <p:spPr>
+          <a:xfrm>
+            <a:off x="4646732" y="5338018"/>
+            <a:ext cx="2642119" cy="461665"/>
+          </a:xfrm>
+          <a:prstGeom prst="rect">
+            <a:avLst/>
+          </a:prstGeom>
+          <a:noFill/>
+        </p:spPr>
+        <p:txBody>
+          <a:bodyPr wrap="square" rtlCol="0">
+            <a:spAutoFit/>
+          </a:bodyPr>
+          <a:lstStyle/>
+          <a:p>
+            <a:pPr algn="ctr"/>
+            <a:r>
+              <a:rPr lang="en-US" sz="2400" dirty="0"/>
+              <a:t>Original</a:t>
+            </a:r>
+          </a:p>
+        </p:txBody>
+      </p:sp>
+    </p:spTree>
+    <p:extLst>
+      <p:ext uri="{BB962C8B-B14F-4D97-AF65-F5344CB8AC3E}">
+        <p14:creationId xmlns:p14="http://schemas.microsoft.com/office/powerpoint/2010/main" val="2192293435"/>
+      </p:ext>
+    </p:extLst>
+  </p:cSld>
+  <p:clrMapOvr>
+    <a:masterClrMapping/>
+  </p:clrMapOvr>
+</p:sld>
+</file>
+
+<file path=ppt/slides/slide7.xml><?xml version="1.0" encoding="utf-8"?>
+<p:sld xmlns:a="http://schemas.openxmlformats.org/drawingml/2006/main" xmlns:r="http://schemas.openxmlformats.org/officeDocument/2006/relationships" xmlns:p="http://schemas.openxmlformats.org/presentationml/2006/main">
+  <p:cSld>
+    <p:spTree>
+      <p:nvGrpSpPr>
+        <p:cNvPr id="1" name=""/>
+        <p:cNvGrpSpPr/>
+        <p:nvPr/>
+      </p:nvGrpSpPr>
+      <p:grpSpPr>
+        <a:xfrm>
+          <a:off x="0" y="0"/>
+          <a:ext cx="0" cy="0"/>
+          <a:chOff x="0" y="0"/>
+          <a:chExt cx="0" cy="0"/>
+        </a:xfrm>
+      </p:grpSpPr>
+      <p:sp>
+        <p:nvSpPr>
+          <p:cNvPr id="66" name="Rectangle 65">
+            <a:extLst>
+              <a:ext uri="{FF2B5EF4-FFF2-40B4-BE49-F238E27FC236}">
+                <a16:creationId xmlns:a16="http://schemas.microsoft.com/office/drawing/2014/main" id="{04F09C63-CC1F-4912-B081-9CFA68F66FD2}"/>
+              </a:ext>
+            </a:extLst>
+          </p:cNvPr>
+          <p:cNvSpPr/>
+          <p:nvPr/>
+        </p:nvSpPr>
+        <p:spPr>
+          <a:xfrm>
+            <a:off x="2855119" y="1795147"/>
+            <a:ext cx="1500188" cy="1319212"/>
+          </a:xfrm>
+          <a:prstGeom prst="rect">
+            <a:avLst/>
+          </a:prstGeom>
+          <a:noFill/>
+          <a:ln w="38100">
+            <a:solidFill>
+              <a:srgbClr val="C00000"/>
+            </a:solidFill>
+            <a:prstDash val="sysDash"/>
+          </a:ln>
+        </p:spPr>
+        <p:style>
+          <a:lnRef idx="2">
+            <a:schemeClr val="accent1">
+              <a:shade val="50000"/>
+            </a:schemeClr>
+          </a:lnRef>
+          <a:fillRef idx="1">
+            <a:schemeClr val="accent1"/>
+          </a:fillRef>
+          <a:effectRef idx="0">
+            <a:schemeClr val="accent1"/>
+          </a:effectRef>
+          <a:fontRef idx="minor">
+            <a:schemeClr val="lt1"/>
+          </a:fontRef>
+        </p:style>
+        <p:txBody>
+          <a:bodyPr rtlCol="0" anchor="ctr"/>
+          <a:lstStyle/>
+          <a:p>
+            <a:pPr algn="ctr"/>
+            <a:endParaRPr lang="en-US"/>
+          </a:p>
+        </p:txBody>
+      </p:sp>
+      <p:sp>
+        <p:nvSpPr>
+          <p:cNvPr id="2" name="Rectangle 1">
+            <a:extLst>
+              <a:ext uri="{FF2B5EF4-FFF2-40B4-BE49-F238E27FC236}">
+                <a16:creationId xmlns:a16="http://schemas.microsoft.com/office/drawing/2014/main" id="{9EA0731D-3AA3-404A-BA36-23D7279C1AA0}"/>
+              </a:ext>
+            </a:extLst>
+          </p:cNvPr>
+          <p:cNvSpPr/>
+          <p:nvPr/>
+        </p:nvSpPr>
+        <p:spPr>
+          <a:xfrm>
+            <a:off x="3895192" y="2313003"/>
+            <a:ext cx="328613" cy="300037"/>
+          </a:xfrm>
+          <a:prstGeom prst="rect">
+            <a:avLst/>
+          </a:prstGeom>
+          <a:noFill/>
+          <a:ln w="25400"/>
+        </p:spPr>
+        <p:style>
+          <a:lnRef idx="2">
+            <a:schemeClr val="accent1">
+              <a:shade val="50000"/>
+            </a:schemeClr>
+          </a:lnRef>
+          <a:fillRef idx="1">
+            <a:schemeClr val="accent1"/>
+          </a:fillRef>
+          <a:effectRef idx="0">
+            <a:schemeClr val="accent1"/>
+          </a:effectRef>
+          <a:fontRef idx="minor">
+            <a:schemeClr val="lt1"/>
+          </a:fontRef>
+        </p:style>
+        <p:txBody>
+          <a:bodyPr rtlCol="0" anchor="ctr"/>
+          <a:lstStyle/>
+          <a:p>
+            <a:pPr algn="ctr"/>
+            <a:endParaRPr lang="en-US" dirty="0"/>
+          </a:p>
+        </p:txBody>
+      </p:sp>
+      <p:sp>
+        <p:nvSpPr>
+          <p:cNvPr id="3" name="Rectangle 2">
+            <a:extLst>
+              <a:ext uri="{FF2B5EF4-FFF2-40B4-BE49-F238E27FC236}">
+                <a16:creationId xmlns:a16="http://schemas.microsoft.com/office/drawing/2014/main" id="{22B85347-53B0-42DB-9C6C-CE141A0EDB40}"/>
+              </a:ext>
+            </a:extLst>
+          </p:cNvPr>
+          <p:cNvSpPr/>
+          <p:nvPr/>
+        </p:nvSpPr>
+        <p:spPr>
+          <a:xfrm>
+            <a:off x="3402275" y="2321879"/>
+            <a:ext cx="328613" cy="272761"/>
+          </a:xfrm>
+          <a:prstGeom prst="rect">
+            <a:avLst/>
+          </a:prstGeom>
+          <a:noFill/>
+          <a:ln w="25400"/>
+        </p:spPr>
+        <p:style>
+          <a:lnRef idx="2">
+            <a:schemeClr val="accent1">
+              <a:shade val="50000"/>
+            </a:schemeClr>
+          </a:lnRef>
+          <a:fillRef idx="1">
+            <a:schemeClr val="accent1"/>
+          </a:fillRef>
+          <a:effectRef idx="0">
+            <a:schemeClr val="accent1"/>
+          </a:effectRef>
+          <a:fontRef idx="minor">
+            <a:schemeClr val="lt1"/>
+          </a:fontRef>
+        </p:style>
+        <p:txBody>
+          <a:bodyPr rtlCol="0" anchor="ctr"/>
+          <a:lstStyle/>
+          <a:p>
+            <a:pPr algn="ctr"/>
+            <a:endParaRPr lang="en-US" dirty="0"/>
+          </a:p>
+        </p:txBody>
+      </p:sp>
+      <p:sp>
+        <p:nvSpPr>
+          <p:cNvPr id="4" name="Rectangle 3">
+            <a:extLst>
+              <a:ext uri="{FF2B5EF4-FFF2-40B4-BE49-F238E27FC236}">
+                <a16:creationId xmlns:a16="http://schemas.microsoft.com/office/drawing/2014/main" id="{7F73C256-ABD6-4F2A-BD54-70437A38E665}"/>
+              </a:ext>
+            </a:extLst>
+          </p:cNvPr>
+          <p:cNvSpPr/>
+          <p:nvPr/>
+        </p:nvSpPr>
+        <p:spPr>
+          <a:xfrm>
+            <a:off x="4388109" y="2308241"/>
+            <a:ext cx="328613" cy="300037"/>
+          </a:xfrm>
+          <a:prstGeom prst="rect">
+            <a:avLst/>
+          </a:prstGeom>
+          <a:noFill/>
+          <a:ln w="25400"/>
+        </p:spPr>
+        <p:style>
+          <a:lnRef idx="2">
+            <a:schemeClr val="accent1">
+              <a:shade val="50000"/>
+            </a:schemeClr>
+          </a:lnRef>
+          <a:fillRef idx="1">
+            <a:schemeClr val="accent1"/>
+          </a:fillRef>
+          <a:effectRef idx="0">
+            <a:schemeClr val="accent1"/>
+          </a:effectRef>
+          <a:fontRef idx="minor">
+            <a:schemeClr val="lt1"/>
+          </a:fontRef>
+        </p:style>
+        <p:txBody>
+          <a:bodyPr rtlCol="0" anchor="ctr"/>
+          <a:lstStyle/>
+          <a:p>
+            <a:pPr algn="ctr"/>
+            <a:endParaRPr lang="en-US" dirty="0"/>
+          </a:p>
+        </p:txBody>
+      </p:sp>
+      <p:sp>
+        <p:nvSpPr>
+          <p:cNvPr id="5" name="Rectangle 4">
+            <a:extLst>
+              <a:ext uri="{FF2B5EF4-FFF2-40B4-BE49-F238E27FC236}">
+                <a16:creationId xmlns:a16="http://schemas.microsoft.com/office/drawing/2014/main" id="{22976B95-D949-4914-A5BB-64722394C11D}"/>
+              </a:ext>
+            </a:extLst>
+          </p:cNvPr>
+          <p:cNvSpPr/>
+          <p:nvPr/>
+        </p:nvSpPr>
+        <p:spPr>
+          <a:xfrm>
+            <a:off x="4881026" y="2308241"/>
+            <a:ext cx="328613" cy="300037"/>
+          </a:xfrm>
+          <a:prstGeom prst="rect">
+            <a:avLst/>
+          </a:prstGeom>
+          <a:noFill/>
+          <a:ln w="25400"/>
+        </p:spPr>
+        <p:style>
+          <a:lnRef idx="2">
+            <a:schemeClr val="accent1">
+              <a:shade val="50000"/>
+            </a:schemeClr>
+          </a:lnRef>
+          <a:fillRef idx="1">
+            <a:schemeClr val="accent1"/>
+          </a:fillRef>
+          <a:effectRef idx="0">
+            <a:schemeClr val="accent1"/>
+          </a:effectRef>
+          <a:fontRef idx="minor">
+            <a:schemeClr val="lt1"/>
+          </a:fontRef>
+        </p:style>
+        <p:txBody>
+          <a:bodyPr rtlCol="0" anchor="ctr"/>
+          <a:lstStyle/>
+          <a:p>
+            <a:pPr algn="ctr"/>
+            <a:endParaRPr lang="en-US" dirty="0"/>
+          </a:p>
+        </p:txBody>
+      </p:sp>
+      <p:sp>
+        <p:nvSpPr>
+          <p:cNvPr id="6" name="Rectangle 5">
+            <a:extLst>
+              <a:ext uri="{FF2B5EF4-FFF2-40B4-BE49-F238E27FC236}">
+                <a16:creationId xmlns:a16="http://schemas.microsoft.com/office/drawing/2014/main" id="{B9AEA878-3AF7-4097-BF2E-EE60F5A41426}"/>
+              </a:ext>
+            </a:extLst>
+          </p:cNvPr>
+          <p:cNvSpPr/>
+          <p:nvPr/>
+        </p:nvSpPr>
+        <p:spPr>
+          <a:xfrm>
+            <a:off x="3895192" y="2755915"/>
+            <a:ext cx="328613" cy="300037"/>
+          </a:xfrm>
+          <a:prstGeom prst="rect">
+            <a:avLst/>
+          </a:prstGeom>
+          <a:noFill/>
+          <a:ln w="25400"/>
+        </p:spPr>
+        <p:style>
+          <a:lnRef idx="2">
+            <a:schemeClr val="accent1">
+              <a:shade val="50000"/>
+            </a:schemeClr>
+          </a:lnRef>
+          <a:fillRef idx="1">
+            <a:schemeClr val="accent1"/>
+          </a:fillRef>
+          <a:effectRef idx="0">
+            <a:schemeClr val="accent1"/>
+          </a:effectRef>
+          <a:fontRef idx="minor">
+            <a:schemeClr val="lt1"/>
+          </a:fontRef>
+        </p:style>
+        <p:txBody>
+          <a:bodyPr rtlCol="0" anchor="ctr"/>
+          <a:lstStyle/>
+          <a:p>
+            <a:pPr algn="ctr"/>
+            <a:endParaRPr lang="en-US" dirty="0"/>
+          </a:p>
+        </p:txBody>
+      </p:sp>
+      <p:sp>
+        <p:nvSpPr>
+          <p:cNvPr id="7" name="Rectangle 6">
+            <a:extLst>
+              <a:ext uri="{FF2B5EF4-FFF2-40B4-BE49-F238E27FC236}">
+                <a16:creationId xmlns:a16="http://schemas.microsoft.com/office/drawing/2014/main" id="{C2856261-9ADF-412E-997A-3AE516620C3A}"/>
+              </a:ext>
+            </a:extLst>
+          </p:cNvPr>
+          <p:cNvSpPr/>
+          <p:nvPr/>
+        </p:nvSpPr>
+        <p:spPr>
+          <a:xfrm>
+            <a:off x="3402275" y="2751153"/>
+            <a:ext cx="328613" cy="300037"/>
+          </a:xfrm>
+          <a:prstGeom prst="rect">
+            <a:avLst/>
+          </a:prstGeom>
+          <a:noFill/>
+          <a:ln w="25400"/>
+        </p:spPr>
+        <p:style>
+          <a:lnRef idx="2">
+            <a:schemeClr val="accent1">
+              <a:shade val="50000"/>
+            </a:schemeClr>
+          </a:lnRef>
+          <a:fillRef idx="1">
+            <a:schemeClr val="accent1"/>
+          </a:fillRef>
+          <a:effectRef idx="0">
+            <a:schemeClr val="accent1"/>
+          </a:effectRef>
+          <a:fontRef idx="minor">
+            <a:schemeClr val="lt1"/>
+          </a:fontRef>
+        </p:style>
+        <p:txBody>
+          <a:bodyPr rtlCol="0" anchor="ctr"/>
+          <a:lstStyle/>
+          <a:p>
+            <a:pPr algn="ctr"/>
+            <a:endParaRPr lang="en-US" dirty="0"/>
+          </a:p>
+        </p:txBody>
+      </p:sp>
+      <p:sp>
+        <p:nvSpPr>
+          <p:cNvPr id="8" name="Rectangle 7">
+            <a:extLst>
+              <a:ext uri="{FF2B5EF4-FFF2-40B4-BE49-F238E27FC236}">
+                <a16:creationId xmlns:a16="http://schemas.microsoft.com/office/drawing/2014/main" id="{8463C51D-5A31-4E2D-ADF8-76C8AE94814B}"/>
+              </a:ext>
+            </a:extLst>
+          </p:cNvPr>
+          <p:cNvSpPr/>
+          <p:nvPr/>
+        </p:nvSpPr>
+        <p:spPr>
+          <a:xfrm>
+            <a:off x="4388109" y="2751153"/>
+            <a:ext cx="328613" cy="300037"/>
+          </a:xfrm>
+          <a:prstGeom prst="rect">
+            <a:avLst/>
+          </a:prstGeom>
+          <a:noFill/>
+          <a:ln w="25400"/>
+        </p:spPr>
+        <p:style>
+          <a:lnRef idx="2">
+            <a:schemeClr val="accent1">
+              <a:shade val="50000"/>
+            </a:schemeClr>
+          </a:lnRef>
+          <a:fillRef idx="1">
+            <a:schemeClr val="accent1"/>
+          </a:fillRef>
+          <a:effectRef idx="0">
+            <a:schemeClr val="accent1"/>
+          </a:effectRef>
+          <a:fontRef idx="minor">
+            <a:schemeClr val="lt1"/>
+          </a:fontRef>
+        </p:style>
+        <p:txBody>
+          <a:bodyPr rtlCol="0" anchor="ctr"/>
+          <a:lstStyle/>
+          <a:p>
+            <a:pPr algn="ctr"/>
+            <a:endParaRPr lang="en-US" dirty="0"/>
+          </a:p>
+        </p:txBody>
+      </p:sp>
+      <p:sp>
+        <p:nvSpPr>
+          <p:cNvPr id="9" name="Rectangle 8">
+            <a:extLst>
+              <a:ext uri="{FF2B5EF4-FFF2-40B4-BE49-F238E27FC236}">
+                <a16:creationId xmlns:a16="http://schemas.microsoft.com/office/drawing/2014/main" id="{251FB218-9595-4AD8-9E8A-ECED6A9A66EC}"/>
+              </a:ext>
+            </a:extLst>
+          </p:cNvPr>
+          <p:cNvSpPr/>
+          <p:nvPr/>
+        </p:nvSpPr>
+        <p:spPr>
+          <a:xfrm>
+            <a:off x="4881026" y="2751153"/>
+            <a:ext cx="328613" cy="300037"/>
+          </a:xfrm>
+          <a:prstGeom prst="rect">
+            <a:avLst/>
+          </a:prstGeom>
+          <a:noFill/>
+          <a:ln w="25400"/>
+        </p:spPr>
+        <p:style>
+          <a:lnRef idx="2">
+            <a:schemeClr val="accent1">
+              <a:shade val="50000"/>
+            </a:schemeClr>
+          </a:lnRef>
+          <a:fillRef idx="1">
+            <a:schemeClr val="accent1"/>
+          </a:fillRef>
+          <a:effectRef idx="0">
+            <a:schemeClr val="accent1"/>
+          </a:effectRef>
+          <a:fontRef idx="minor">
+            <a:schemeClr val="lt1"/>
+          </a:fontRef>
+        </p:style>
+        <p:txBody>
+          <a:bodyPr rtlCol="0" anchor="ctr"/>
+          <a:lstStyle/>
+          <a:p>
+            <a:pPr algn="ctr"/>
+            <a:endParaRPr lang="en-US" dirty="0"/>
+          </a:p>
+        </p:txBody>
+      </p:sp>
+      <p:sp>
+        <p:nvSpPr>
+          <p:cNvPr id="10" name="Rectangle 9">
+            <a:extLst>
+              <a:ext uri="{FF2B5EF4-FFF2-40B4-BE49-F238E27FC236}">
+                <a16:creationId xmlns:a16="http://schemas.microsoft.com/office/drawing/2014/main" id="{7A167514-7F45-4DF0-92A6-AFC88E71BB89}"/>
+              </a:ext>
+            </a:extLst>
+          </p:cNvPr>
+          <p:cNvSpPr/>
+          <p:nvPr/>
+        </p:nvSpPr>
+        <p:spPr>
+          <a:xfrm>
+            <a:off x="3895192" y="3198827"/>
+            <a:ext cx="328613" cy="300037"/>
+          </a:xfrm>
+          <a:prstGeom prst="rect">
+            <a:avLst/>
+          </a:prstGeom>
+          <a:noFill/>
+          <a:ln w="25400"/>
+        </p:spPr>
+        <p:style>
+          <a:lnRef idx="2">
+            <a:schemeClr val="accent1">
+              <a:shade val="50000"/>
+            </a:schemeClr>
+          </a:lnRef>
+          <a:fillRef idx="1">
+            <a:schemeClr val="accent1"/>
+          </a:fillRef>
+          <a:effectRef idx="0">
+            <a:schemeClr val="accent1"/>
+          </a:effectRef>
+          <a:fontRef idx="minor">
+            <a:schemeClr val="lt1"/>
+          </a:fontRef>
+        </p:style>
+        <p:txBody>
+          <a:bodyPr rtlCol="0" anchor="ctr"/>
+          <a:lstStyle/>
+          <a:p>
+            <a:pPr algn="ctr"/>
+            <a:endParaRPr lang="en-US" dirty="0"/>
+          </a:p>
+        </p:txBody>
+      </p:sp>
+      <p:sp>
+        <p:nvSpPr>
+          <p:cNvPr id="11" name="Rectangle 10">
+            <a:extLst>
+              <a:ext uri="{FF2B5EF4-FFF2-40B4-BE49-F238E27FC236}">
+                <a16:creationId xmlns:a16="http://schemas.microsoft.com/office/drawing/2014/main" id="{87C44F5B-425F-4346-8FAC-06BF821414D8}"/>
+              </a:ext>
+            </a:extLst>
+          </p:cNvPr>
+          <p:cNvSpPr/>
+          <p:nvPr/>
+        </p:nvSpPr>
+        <p:spPr>
+          <a:xfrm>
+            <a:off x="3402275" y="3194065"/>
+            <a:ext cx="328613" cy="300037"/>
+          </a:xfrm>
+          <a:prstGeom prst="rect">
+            <a:avLst/>
+          </a:prstGeom>
+          <a:noFill/>
+          <a:ln w="25400"/>
+        </p:spPr>
+        <p:style>
+          <a:lnRef idx="2">
+            <a:schemeClr val="accent1">
+              <a:shade val="50000"/>
+            </a:schemeClr>
+          </a:lnRef>
+          <a:fillRef idx="1">
+            <a:schemeClr val="accent1"/>
+          </a:fillRef>
+          <a:effectRef idx="0">
+            <a:schemeClr val="accent1"/>
+          </a:effectRef>
+          <a:fontRef idx="minor">
+            <a:schemeClr val="lt1"/>
+          </a:fontRef>
+        </p:style>
+        <p:txBody>
+          <a:bodyPr rtlCol="0" anchor="ctr"/>
+          <a:lstStyle/>
+          <a:p>
+            <a:pPr algn="ctr"/>
+            <a:endParaRPr lang="en-US" dirty="0"/>
+          </a:p>
+        </p:txBody>
+      </p:sp>
+      <p:sp>
+        <p:nvSpPr>
+          <p:cNvPr id="12" name="Rectangle 11">
+            <a:extLst>
+              <a:ext uri="{FF2B5EF4-FFF2-40B4-BE49-F238E27FC236}">
+                <a16:creationId xmlns:a16="http://schemas.microsoft.com/office/drawing/2014/main" id="{DBB572A8-EC84-41B2-9601-8507B0C4F0FD}"/>
+              </a:ext>
+            </a:extLst>
+          </p:cNvPr>
+          <p:cNvSpPr/>
+          <p:nvPr/>
+        </p:nvSpPr>
+        <p:spPr>
+          <a:xfrm>
+            <a:off x="4388109" y="3194065"/>
+            <a:ext cx="328613" cy="300037"/>
+          </a:xfrm>
+          <a:prstGeom prst="rect">
+            <a:avLst/>
+          </a:prstGeom>
+          <a:noFill/>
+          <a:ln w="25400"/>
+        </p:spPr>
+        <p:style>
+          <a:lnRef idx="2">
+            <a:schemeClr val="accent1">
+              <a:shade val="50000"/>
+            </a:schemeClr>
+          </a:lnRef>
+          <a:fillRef idx="1">
+            <a:schemeClr val="accent1"/>
+          </a:fillRef>
+          <a:effectRef idx="0">
+            <a:schemeClr val="accent1"/>
+          </a:effectRef>
+          <a:fontRef idx="minor">
+            <a:schemeClr val="lt1"/>
+          </a:fontRef>
+        </p:style>
+        <p:txBody>
+          <a:bodyPr rtlCol="0" anchor="ctr"/>
+          <a:lstStyle/>
+          <a:p>
+            <a:pPr algn="ctr"/>
+            <a:endParaRPr lang="en-US" dirty="0"/>
+          </a:p>
+        </p:txBody>
+      </p:sp>
+      <p:sp>
+        <p:nvSpPr>
+          <p:cNvPr id="13" name="Rectangle 12">
+            <a:extLst>
+              <a:ext uri="{FF2B5EF4-FFF2-40B4-BE49-F238E27FC236}">
+                <a16:creationId xmlns:a16="http://schemas.microsoft.com/office/drawing/2014/main" id="{F6BB6A6D-15E7-49C4-B88A-FC9ECB5D77B0}"/>
+              </a:ext>
+            </a:extLst>
+          </p:cNvPr>
+          <p:cNvSpPr/>
+          <p:nvPr/>
+        </p:nvSpPr>
+        <p:spPr>
+          <a:xfrm>
+            <a:off x="4881026" y="3194065"/>
+            <a:ext cx="328613" cy="300037"/>
+          </a:xfrm>
+          <a:prstGeom prst="rect">
+            <a:avLst/>
+          </a:prstGeom>
+          <a:noFill/>
+          <a:ln w="25400"/>
+        </p:spPr>
+        <p:style>
+          <a:lnRef idx="2">
+            <a:schemeClr val="accent1">
+              <a:shade val="50000"/>
+            </a:schemeClr>
+          </a:lnRef>
+          <a:fillRef idx="1">
+            <a:schemeClr val="accent1"/>
+          </a:fillRef>
+          <a:effectRef idx="0">
+            <a:schemeClr val="accent1"/>
+          </a:effectRef>
+          <a:fontRef idx="minor">
+            <a:schemeClr val="lt1"/>
+          </a:fontRef>
+        </p:style>
+        <p:txBody>
+          <a:bodyPr rtlCol="0" anchor="ctr"/>
+          <a:lstStyle/>
+          <a:p>
+            <a:pPr algn="ctr"/>
+            <a:endParaRPr lang="en-US" dirty="0"/>
+          </a:p>
+        </p:txBody>
+      </p:sp>
+      <p:sp>
+        <p:nvSpPr>
+          <p:cNvPr id="14" name="Rectangle 13">
+            <a:extLst>
+              <a:ext uri="{FF2B5EF4-FFF2-40B4-BE49-F238E27FC236}">
+                <a16:creationId xmlns:a16="http://schemas.microsoft.com/office/drawing/2014/main" id="{1C9C11CC-0E81-4BDE-B19D-A762336DD032}"/>
+              </a:ext>
+            </a:extLst>
+          </p:cNvPr>
+          <p:cNvSpPr/>
+          <p:nvPr/>
+        </p:nvSpPr>
+        <p:spPr>
+          <a:xfrm>
+            <a:off x="3895192" y="3641739"/>
+            <a:ext cx="328613" cy="300037"/>
+          </a:xfrm>
+          <a:prstGeom prst="rect">
+            <a:avLst/>
+          </a:prstGeom>
+          <a:noFill/>
+          <a:ln w="25400"/>
+        </p:spPr>
+        <p:style>
+          <a:lnRef idx="2">
+            <a:schemeClr val="accent1">
+              <a:shade val="50000"/>
+            </a:schemeClr>
+          </a:lnRef>
+          <a:fillRef idx="1">
+            <a:schemeClr val="accent1"/>
+          </a:fillRef>
+          <a:effectRef idx="0">
+            <a:schemeClr val="accent1"/>
+          </a:effectRef>
+          <a:fontRef idx="minor">
+            <a:schemeClr val="lt1"/>
+          </a:fontRef>
+        </p:style>
+        <p:txBody>
+          <a:bodyPr rtlCol="0" anchor="ctr"/>
+          <a:lstStyle/>
+          <a:p>
+            <a:pPr algn="ctr"/>
+            <a:endParaRPr lang="en-US" dirty="0"/>
+          </a:p>
+        </p:txBody>
+      </p:sp>
+      <p:sp>
+        <p:nvSpPr>
+          <p:cNvPr id="15" name="Rectangle 14">
+            <a:extLst>
+              <a:ext uri="{FF2B5EF4-FFF2-40B4-BE49-F238E27FC236}">
+                <a16:creationId xmlns:a16="http://schemas.microsoft.com/office/drawing/2014/main" id="{B4613E6D-84C3-47D1-9AD9-1449C6042D3C}"/>
+              </a:ext>
+            </a:extLst>
+          </p:cNvPr>
+          <p:cNvSpPr/>
+          <p:nvPr/>
+        </p:nvSpPr>
+        <p:spPr>
+          <a:xfrm>
+            <a:off x="3402275" y="3636977"/>
+            <a:ext cx="328613" cy="300037"/>
+          </a:xfrm>
+          <a:prstGeom prst="rect">
+            <a:avLst/>
+          </a:prstGeom>
+          <a:noFill/>
+          <a:ln w="25400"/>
+        </p:spPr>
+        <p:style>
+          <a:lnRef idx="2">
+            <a:schemeClr val="accent1">
+              <a:shade val="50000"/>
+            </a:schemeClr>
+          </a:lnRef>
+          <a:fillRef idx="1">
+            <a:schemeClr val="accent1"/>
+          </a:fillRef>
+          <a:effectRef idx="0">
+            <a:schemeClr val="accent1"/>
+          </a:effectRef>
+          <a:fontRef idx="minor">
+            <a:schemeClr val="lt1"/>
+          </a:fontRef>
+        </p:style>
+        <p:txBody>
+          <a:bodyPr rtlCol="0" anchor="ctr"/>
+          <a:lstStyle/>
+          <a:p>
+            <a:pPr algn="ctr"/>
+            <a:endParaRPr lang="en-US" dirty="0"/>
+          </a:p>
+        </p:txBody>
+      </p:sp>
+      <p:sp>
+        <p:nvSpPr>
+          <p:cNvPr id="16" name="Rectangle 15">
+            <a:extLst>
+              <a:ext uri="{FF2B5EF4-FFF2-40B4-BE49-F238E27FC236}">
+                <a16:creationId xmlns:a16="http://schemas.microsoft.com/office/drawing/2014/main" id="{57A133AB-BFC8-42B2-8384-00B5F8754EE2}"/>
+              </a:ext>
+            </a:extLst>
+          </p:cNvPr>
+          <p:cNvSpPr/>
+          <p:nvPr/>
+        </p:nvSpPr>
+        <p:spPr>
+          <a:xfrm>
+            <a:off x="4388109" y="3636977"/>
+            <a:ext cx="328613" cy="300037"/>
+          </a:xfrm>
+          <a:prstGeom prst="rect">
+            <a:avLst/>
+          </a:prstGeom>
+          <a:noFill/>
+          <a:ln w="25400"/>
+        </p:spPr>
+        <p:style>
+          <a:lnRef idx="2">
+            <a:schemeClr val="accent1">
+              <a:shade val="50000"/>
+            </a:schemeClr>
+          </a:lnRef>
+          <a:fillRef idx="1">
+            <a:schemeClr val="accent1"/>
+          </a:fillRef>
+          <a:effectRef idx="0">
+            <a:schemeClr val="accent1"/>
+          </a:effectRef>
+          <a:fontRef idx="minor">
+            <a:schemeClr val="lt1"/>
+          </a:fontRef>
+        </p:style>
+        <p:txBody>
+          <a:bodyPr rtlCol="0" anchor="ctr"/>
+          <a:lstStyle/>
+          <a:p>
+            <a:pPr algn="ctr"/>
+            <a:endParaRPr lang="en-US" dirty="0"/>
+          </a:p>
+        </p:txBody>
+      </p:sp>
+      <p:sp>
+        <p:nvSpPr>
+          <p:cNvPr id="17" name="Rectangle 16">
+            <a:extLst>
+              <a:ext uri="{FF2B5EF4-FFF2-40B4-BE49-F238E27FC236}">
+                <a16:creationId xmlns:a16="http://schemas.microsoft.com/office/drawing/2014/main" id="{6C303A93-F927-4156-9DDB-C53C38E3C5C7}"/>
+              </a:ext>
+            </a:extLst>
+          </p:cNvPr>
+          <p:cNvSpPr/>
+          <p:nvPr/>
+        </p:nvSpPr>
+        <p:spPr>
+          <a:xfrm>
+            <a:off x="4881026" y="3636977"/>
+            <a:ext cx="328613" cy="300037"/>
+          </a:xfrm>
+          <a:prstGeom prst="rect">
+            <a:avLst/>
+          </a:prstGeom>
+          <a:noFill/>
+          <a:ln w="25400"/>
+        </p:spPr>
+        <p:style>
+          <a:lnRef idx="2">
+            <a:schemeClr val="accent1">
+              <a:shade val="50000"/>
+            </a:schemeClr>
+          </a:lnRef>
+          <a:fillRef idx="1">
+            <a:schemeClr val="accent1"/>
+          </a:fillRef>
+          <a:effectRef idx="0">
+            <a:schemeClr val="accent1"/>
+          </a:effectRef>
+          <a:fontRef idx="minor">
+            <a:schemeClr val="lt1"/>
+          </a:fontRef>
+        </p:style>
+        <p:txBody>
+          <a:bodyPr rtlCol="0" anchor="ctr"/>
+          <a:lstStyle/>
+          <a:p>
+            <a:pPr algn="ctr"/>
+            <a:endParaRPr lang="en-US" dirty="0"/>
+          </a:p>
+        </p:txBody>
+      </p:sp>
+      <p:sp>
+        <p:nvSpPr>
+          <p:cNvPr id="54" name="Rectangle 53">
+            <a:extLst>
+              <a:ext uri="{FF2B5EF4-FFF2-40B4-BE49-F238E27FC236}">
+                <a16:creationId xmlns:a16="http://schemas.microsoft.com/office/drawing/2014/main" id="{A4FF7805-A90A-4176-8BC5-3036379CEA1C}"/>
+              </a:ext>
+            </a:extLst>
+          </p:cNvPr>
+          <p:cNvSpPr/>
+          <p:nvPr/>
+        </p:nvSpPr>
+        <p:spPr>
+          <a:xfrm>
+            <a:off x="7757579" y="2751153"/>
+            <a:ext cx="328613" cy="300037"/>
+          </a:xfrm>
+          <a:prstGeom prst="rect">
+            <a:avLst/>
+          </a:prstGeom>
+          <a:solidFill>
+            <a:srgbClr val="C00000"/>
+          </a:solidFill>
+          <a:ln w="25400">
+            <a:solidFill>
+              <a:srgbClr val="C00000"/>
+            </a:solidFill>
+          </a:ln>
+        </p:spPr>
+        <p:style>
+          <a:lnRef idx="2">
+            <a:schemeClr val="accent1">
+              <a:shade val="50000"/>
+            </a:schemeClr>
+          </a:lnRef>
+          <a:fillRef idx="1">
+            <a:schemeClr val="accent1"/>
+          </a:fillRef>
+          <a:effectRef idx="0">
+            <a:schemeClr val="accent1"/>
+          </a:effectRef>
+          <a:fontRef idx="minor">
+            <a:schemeClr val="lt1"/>
+          </a:fontRef>
+        </p:style>
+        <p:txBody>
+          <a:bodyPr rtlCol="0" anchor="ctr"/>
+          <a:lstStyle/>
+          <a:p>
+            <a:pPr algn="ctr"/>
+            <a:endParaRPr lang="en-US" dirty="0"/>
+          </a:p>
+        </p:txBody>
+      </p:sp>
+      <p:sp>
+        <p:nvSpPr>
+          <p:cNvPr id="56" name="Rectangle 55">
+            <a:extLst>
+              <a:ext uri="{FF2B5EF4-FFF2-40B4-BE49-F238E27FC236}">
+                <a16:creationId xmlns:a16="http://schemas.microsoft.com/office/drawing/2014/main" id="{1EC073BF-1C8C-4B5E-8D4B-DF5B26739EE7}"/>
+              </a:ext>
+            </a:extLst>
+          </p:cNvPr>
+          <p:cNvSpPr/>
+          <p:nvPr/>
+        </p:nvSpPr>
+        <p:spPr>
+          <a:xfrm>
+            <a:off x="8250496" y="2746391"/>
+            <a:ext cx="328613" cy="300037"/>
+          </a:xfrm>
+          <a:prstGeom prst="rect">
+            <a:avLst/>
+          </a:prstGeom>
+          <a:solidFill>
+            <a:schemeClr val="accent4"/>
+          </a:solidFill>
+          <a:ln w="25400">
+            <a:solidFill>
+              <a:schemeClr val="accent4"/>
+            </a:solidFill>
+          </a:ln>
+        </p:spPr>
+        <p:style>
+          <a:lnRef idx="2">
+            <a:schemeClr val="accent1">
+              <a:shade val="50000"/>
+            </a:schemeClr>
+          </a:lnRef>
+          <a:fillRef idx="1">
+            <a:schemeClr val="accent1"/>
+          </a:fillRef>
+          <a:effectRef idx="0">
+            <a:schemeClr val="accent1"/>
+          </a:effectRef>
+          <a:fontRef idx="minor">
+            <a:schemeClr val="lt1"/>
+          </a:fontRef>
+        </p:style>
+        <p:txBody>
+          <a:bodyPr rtlCol="0" anchor="ctr"/>
+          <a:lstStyle/>
+          <a:p>
+            <a:pPr algn="ctr"/>
+            <a:endParaRPr lang="en-US" dirty="0"/>
+          </a:p>
+        </p:txBody>
+      </p:sp>
+      <p:sp>
+        <p:nvSpPr>
+          <p:cNvPr id="58" name="Rectangle 57">
+            <a:extLst>
+              <a:ext uri="{FF2B5EF4-FFF2-40B4-BE49-F238E27FC236}">
+                <a16:creationId xmlns:a16="http://schemas.microsoft.com/office/drawing/2014/main" id="{43894250-35C3-4775-9BBF-761F6315BD1C}"/>
+              </a:ext>
+            </a:extLst>
+          </p:cNvPr>
+          <p:cNvSpPr/>
+          <p:nvPr/>
+        </p:nvSpPr>
+        <p:spPr>
+          <a:xfrm>
+            <a:off x="7757579" y="3194065"/>
+            <a:ext cx="328613" cy="300037"/>
+          </a:xfrm>
+          <a:prstGeom prst="rect">
+            <a:avLst/>
+          </a:prstGeom>
+          <a:solidFill>
+            <a:schemeClr val="tx1"/>
+          </a:solidFill>
+          <a:ln w="25400">
+            <a:solidFill>
+              <a:schemeClr val="tx1"/>
+            </a:solidFill>
+          </a:ln>
+        </p:spPr>
+        <p:style>
+          <a:lnRef idx="2">
+            <a:schemeClr val="accent1">
+              <a:shade val="50000"/>
+            </a:schemeClr>
+          </a:lnRef>
+          <a:fillRef idx="1">
+            <a:schemeClr val="accent1"/>
+          </a:fillRef>
+          <a:effectRef idx="0">
+            <a:schemeClr val="accent1"/>
+          </a:effectRef>
+          <a:fontRef idx="minor">
+            <a:schemeClr val="lt1"/>
+          </a:fontRef>
+        </p:style>
+        <p:txBody>
+          <a:bodyPr rtlCol="0" anchor="ctr"/>
+          <a:lstStyle/>
+          <a:p>
+            <a:pPr algn="ctr"/>
+            <a:endParaRPr lang="en-US" dirty="0"/>
+          </a:p>
+        </p:txBody>
+      </p:sp>
+      <p:sp>
+        <p:nvSpPr>
+          <p:cNvPr id="60" name="Rectangle 59">
+            <a:extLst>
+              <a:ext uri="{FF2B5EF4-FFF2-40B4-BE49-F238E27FC236}">
+                <a16:creationId xmlns:a16="http://schemas.microsoft.com/office/drawing/2014/main" id="{35FFF8BB-8D4D-4776-859F-CDA4D5596FCD}"/>
+              </a:ext>
+            </a:extLst>
+          </p:cNvPr>
+          <p:cNvSpPr/>
+          <p:nvPr/>
+        </p:nvSpPr>
+        <p:spPr>
+          <a:xfrm>
+            <a:off x="8250496" y="3189303"/>
+            <a:ext cx="328613" cy="300037"/>
+          </a:xfrm>
+          <a:prstGeom prst="rect">
+            <a:avLst/>
+          </a:prstGeom>
+          <a:solidFill>
+            <a:srgbClr val="00B050"/>
+          </a:solidFill>
+          <a:ln w="25400">
+            <a:solidFill>
+              <a:srgbClr val="00B050"/>
+            </a:solidFill>
+          </a:ln>
+        </p:spPr>
+        <p:style>
+          <a:lnRef idx="2">
+            <a:schemeClr val="accent1">
+              <a:shade val="50000"/>
+            </a:schemeClr>
+          </a:lnRef>
+          <a:fillRef idx="1">
+            <a:schemeClr val="accent1"/>
+          </a:fillRef>
+          <a:effectRef idx="0">
+            <a:schemeClr val="accent1"/>
+          </a:effectRef>
+          <a:fontRef idx="minor">
+            <a:schemeClr val="lt1"/>
+          </a:fontRef>
+        </p:style>
+        <p:txBody>
+          <a:bodyPr rtlCol="0" anchor="ctr"/>
+          <a:lstStyle/>
+          <a:p>
+            <a:pPr algn="ctr"/>
+            <a:endParaRPr lang="en-US" dirty="0"/>
+          </a:p>
+        </p:txBody>
+      </p:sp>
+      <p:sp>
+        <p:nvSpPr>
+          <p:cNvPr id="67" name="Rectangle 66">
+            <a:extLst>
+              <a:ext uri="{FF2B5EF4-FFF2-40B4-BE49-F238E27FC236}">
+                <a16:creationId xmlns:a16="http://schemas.microsoft.com/office/drawing/2014/main" id="{DE42C560-CA3C-4987-BD8E-E7E49EC1341E}"/>
+              </a:ext>
+            </a:extLst>
+          </p:cNvPr>
+          <p:cNvSpPr/>
+          <p:nvPr/>
+        </p:nvSpPr>
+        <p:spPr>
+          <a:xfrm>
+            <a:off x="4348823" y="1807395"/>
+            <a:ext cx="1500188" cy="1319212"/>
+          </a:xfrm>
+          <a:prstGeom prst="rect">
+            <a:avLst/>
+          </a:prstGeom>
+          <a:noFill/>
+          <a:ln w="38100">
+            <a:solidFill>
+              <a:schemeClr val="accent4"/>
+            </a:solidFill>
+            <a:prstDash val="sysDash"/>
+          </a:ln>
+        </p:spPr>
+        <p:style>
+          <a:lnRef idx="2">
+            <a:schemeClr val="accent1">
+              <a:shade val="50000"/>
+            </a:schemeClr>
+          </a:lnRef>
+          <a:fillRef idx="1">
+            <a:schemeClr val="accent1"/>
+          </a:fillRef>
+          <a:effectRef idx="0">
+            <a:schemeClr val="accent1"/>
+          </a:effectRef>
+          <a:fontRef idx="minor">
+            <a:schemeClr val="lt1"/>
+          </a:fontRef>
+        </p:style>
+        <p:txBody>
+          <a:bodyPr rtlCol="0" anchor="ctr"/>
+          <a:lstStyle/>
+          <a:p>
+            <a:pPr algn="ctr"/>
+            <a:endParaRPr lang="en-US"/>
+          </a:p>
+        </p:txBody>
+      </p:sp>
+      <p:sp>
+        <p:nvSpPr>
+          <p:cNvPr id="68" name="Rectangle 67">
+            <a:extLst>
+              <a:ext uri="{FF2B5EF4-FFF2-40B4-BE49-F238E27FC236}">
+                <a16:creationId xmlns:a16="http://schemas.microsoft.com/office/drawing/2014/main" id="{05C84B55-4D61-474F-B8FF-929F8A9213D6}"/>
+              </a:ext>
+            </a:extLst>
+          </p:cNvPr>
+          <p:cNvSpPr/>
+          <p:nvPr/>
+        </p:nvSpPr>
+        <p:spPr>
+          <a:xfrm>
+            <a:off x="4362901" y="3136220"/>
+            <a:ext cx="1500188" cy="1319212"/>
+          </a:xfrm>
+          <a:prstGeom prst="rect">
+            <a:avLst/>
+          </a:prstGeom>
+          <a:noFill/>
+          <a:ln w="38100">
+            <a:solidFill>
+              <a:srgbClr val="00B050"/>
+            </a:solidFill>
+            <a:prstDash val="sysDash"/>
+          </a:ln>
+        </p:spPr>
+        <p:style>
+          <a:lnRef idx="2">
+            <a:schemeClr val="accent1">
+              <a:shade val="50000"/>
+            </a:schemeClr>
+          </a:lnRef>
+          <a:fillRef idx="1">
+            <a:schemeClr val="accent1"/>
+          </a:fillRef>
+          <a:effectRef idx="0">
+            <a:schemeClr val="accent1"/>
+          </a:effectRef>
+          <a:fontRef idx="minor">
+            <a:schemeClr val="lt1"/>
+          </a:fontRef>
+        </p:style>
+        <p:txBody>
+          <a:bodyPr rtlCol="0" anchor="ctr"/>
+          <a:lstStyle/>
+          <a:p>
+            <a:pPr algn="ctr"/>
+            <a:endParaRPr lang="en-US"/>
+          </a:p>
+        </p:txBody>
+      </p:sp>
+      <p:sp>
+        <p:nvSpPr>
+          <p:cNvPr id="69" name="Rectangle 68">
+            <a:extLst>
+              <a:ext uri="{FF2B5EF4-FFF2-40B4-BE49-F238E27FC236}">
+                <a16:creationId xmlns:a16="http://schemas.microsoft.com/office/drawing/2014/main" id="{9E97EC87-5447-41AF-A5F3-923236F013DB}"/>
+              </a:ext>
+            </a:extLst>
+          </p:cNvPr>
+          <p:cNvSpPr/>
+          <p:nvPr/>
+        </p:nvSpPr>
+        <p:spPr>
+          <a:xfrm>
+            <a:off x="2836749" y="3130169"/>
+            <a:ext cx="1500188" cy="1319212"/>
+          </a:xfrm>
+          <a:prstGeom prst="rect">
+            <a:avLst/>
+          </a:prstGeom>
+          <a:noFill/>
+          <a:ln w="38100">
+            <a:solidFill>
+              <a:schemeClr val="tx1">
+                <a:lumMod val="85000"/>
+                <a:lumOff val="15000"/>
+              </a:schemeClr>
+            </a:solidFill>
+            <a:prstDash val="sysDash"/>
+          </a:ln>
+        </p:spPr>
+        <p:style>
+          <a:lnRef idx="2">
+            <a:schemeClr val="accent1">
+              <a:shade val="50000"/>
+            </a:schemeClr>
+          </a:lnRef>
+          <a:fillRef idx="1">
+            <a:schemeClr val="accent1"/>
+          </a:fillRef>
+          <a:effectRef idx="0">
+            <a:schemeClr val="accent1"/>
+          </a:effectRef>
+          <a:fontRef idx="minor">
+            <a:schemeClr val="lt1"/>
+          </a:fontRef>
+        </p:style>
+        <p:txBody>
+          <a:bodyPr rtlCol="0" anchor="ctr"/>
+          <a:lstStyle/>
+          <a:p>
+            <a:pPr algn="ctr"/>
+            <a:endParaRPr lang="en-US"/>
+          </a:p>
+        </p:txBody>
+      </p:sp>
+      <p:sp>
+        <p:nvSpPr>
+          <p:cNvPr id="71" name="Arc 70">
+            <a:extLst>
+              <a:ext uri="{FF2B5EF4-FFF2-40B4-BE49-F238E27FC236}">
+                <a16:creationId xmlns:a16="http://schemas.microsoft.com/office/drawing/2014/main" id="{37C425F2-C360-4331-AA99-6DFEA1F88010}"/>
+              </a:ext>
+            </a:extLst>
+          </p:cNvPr>
+          <p:cNvSpPr/>
+          <p:nvPr/>
+        </p:nvSpPr>
+        <p:spPr>
+          <a:xfrm rot="18919361">
+            <a:off x="3094407" y="1491645"/>
+            <a:ext cx="5519888" cy="6381230"/>
+          </a:xfrm>
+          <a:prstGeom prst="arc">
+            <a:avLst/>
+          </a:prstGeom>
+          <a:ln w="38100">
+            <a:solidFill>
+              <a:srgbClr val="C00000"/>
+            </a:solidFill>
+            <a:tailEnd type="triangle"/>
+          </a:ln>
+        </p:spPr>
+        <p:style>
+          <a:lnRef idx="1">
+            <a:schemeClr val="accent1"/>
+          </a:lnRef>
+          <a:fillRef idx="0">
+            <a:schemeClr val="accent1"/>
+          </a:fillRef>
+          <a:effectRef idx="0">
+            <a:schemeClr val="accent1"/>
+          </a:effectRef>
+          <a:fontRef idx="minor">
+            <a:schemeClr val="tx1"/>
+          </a:fontRef>
+        </p:style>
+        <p:txBody>
+          <a:bodyPr rtlCol="0" anchor="ctr"/>
+          <a:lstStyle/>
+          <a:p>
+            <a:pPr algn="ctr"/>
+            <a:endParaRPr lang="en-US"/>
+          </a:p>
+        </p:txBody>
+      </p:sp>
+      <p:sp>
+        <p:nvSpPr>
+          <p:cNvPr id="72" name="Arc 71">
+            <a:extLst>
+              <a:ext uri="{FF2B5EF4-FFF2-40B4-BE49-F238E27FC236}">
+                <a16:creationId xmlns:a16="http://schemas.microsoft.com/office/drawing/2014/main" id="{834F6852-C69E-46B2-BFC6-7B2722CFE5EF}"/>
+              </a:ext>
+            </a:extLst>
+          </p:cNvPr>
+          <p:cNvSpPr/>
+          <p:nvPr/>
+        </p:nvSpPr>
+        <p:spPr>
+          <a:xfrm rot="2622678" flipV="1">
+            <a:off x="2971417" y="-1556984"/>
+            <a:ext cx="5568348" cy="6289530"/>
+          </a:xfrm>
+          <a:prstGeom prst="arc">
+            <a:avLst/>
+          </a:prstGeom>
+          <a:ln w="38100">
+            <a:solidFill>
+              <a:schemeClr val="tx1"/>
+            </a:solidFill>
+            <a:tailEnd type="triangle"/>
+          </a:ln>
+        </p:spPr>
+        <p:style>
+          <a:lnRef idx="1">
+            <a:schemeClr val="accent1"/>
+          </a:lnRef>
+          <a:fillRef idx="0">
+            <a:schemeClr val="accent1"/>
+          </a:fillRef>
+          <a:effectRef idx="0">
+            <a:schemeClr val="accent1"/>
+          </a:effectRef>
+          <a:fontRef idx="minor">
+            <a:schemeClr val="tx1"/>
+          </a:fontRef>
+        </p:style>
+        <p:txBody>
+          <a:bodyPr rtlCol="0" anchor="ctr"/>
+          <a:lstStyle/>
+          <a:p>
+            <a:pPr algn="ctr"/>
+            <a:endParaRPr lang="en-US"/>
+          </a:p>
+        </p:txBody>
+      </p:sp>
+      <p:sp>
+        <p:nvSpPr>
+          <p:cNvPr id="73" name="Arc 72">
+            <a:extLst>
+              <a:ext uri="{FF2B5EF4-FFF2-40B4-BE49-F238E27FC236}">
+                <a16:creationId xmlns:a16="http://schemas.microsoft.com/office/drawing/2014/main" id="{6CF4EC24-117B-4CB6-90C8-4394544EFE74}"/>
+              </a:ext>
+            </a:extLst>
+          </p:cNvPr>
+          <p:cNvSpPr/>
+          <p:nvPr/>
+        </p:nvSpPr>
+        <p:spPr>
+          <a:xfrm rot="2622678" flipV="1">
+            <a:off x="4424102" y="-256486"/>
+            <a:ext cx="4448102" cy="4580005"/>
+          </a:xfrm>
+          <a:prstGeom prst="arc">
+            <a:avLst/>
+          </a:prstGeom>
+          <a:ln w="38100">
+            <a:solidFill>
+              <a:srgbClr val="00B050"/>
+            </a:solidFill>
+            <a:tailEnd type="triangle"/>
+          </a:ln>
+        </p:spPr>
+        <p:style>
+          <a:lnRef idx="1">
+            <a:schemeClr val="accent1"/>
+          </a:lnRef>
+          <a:fillRef idx="0">
+            <a:schemeClr val="accent1"/>
+          </a:fillRef>
+          <a:effectRef idx="0">
+            <a:schemeClr val="accent1"/>
+          </a:effectRef>
+          <a:fontRef idx="minor">
+            <a:schemeClr val="tx1"/>
+          </a:fontRef>
+        </p:style>
+        <p:txBody>
+          <a:bodyPr rtlCol="0" anchor="ctr"/>
+          <a:lstStyle/>
+          <a:p>
+            <a:pPr algn="ctr"/>
+            <a:endParaRPr lang="en-US"/>
+          </a:p>
+        </p:txBody>
+      </p:sp>
+      <p:sp>
+        <p:nvSpPr>
+          <p:cNvPr id="74" name="Arc 73">
+            <a:extLst>
+              <a:ext uri="{FF2B5EF4-FFF2-40B4-BE49-F238E27FC236}">
+                <a16:creationId xmlns:a16="http://schemas.microsoft.com/office/drawing/2014/main" id="{0BB352AD-E212-4EB4-AF3D-0F003D2F91EB}"/>
+              </a:ext>
+            </a:extLst>
+          </p:cNvPr>
+          <p:cNvSpPr/>
+          <p:nvPr/>
+        </p:nvSpPr>
+        <p:spPr>
+          <a:xfrm rot="18919361">
+            <a:off x="4629416" y="1701697"/>
+            <a:ext cx="4305414" cy="5111167"/>
+          </a:xfrm>
+          <a:prstGeom prst="arc">
+            <a:avLst/>
+          </a:prstGeom>
+          <a:ln w="38100">
+            <a:solidFill>
+              <a:schemeClr val="accent4"/>
+            </a:solidFill>
+            <a:tailEnd type="triangle"/>
+          </a:ln>
+        </p:spPr>
+        <p:style>
+          <a:lnRef idx="1">
+            <a:schemeClr val="accent1"/>
+          </a:lnRef>
+          <a:fillRef idx="0">
+            <a:schemeClr val="accent1"/>
+          </a:fillRef>
+          <a:effectRef idx="0">
+            <a:schemeClr val="accent1"/>
+          </a:effectRef>
+          <a:fontRef idx="minor">
+            <a:schemeClr val="tx1"/>
+          </a:fontRef>
+        </p:style>
+        <p:txBody>
+          <a:bodyPr rtlCol="0" anchor="ctr"/>
+          <a:lstStyle/>
+          <a:p>
+            <a:pPr algn="ctr"/>
+            <a:endParaRPr lang="en-US"/>
+          </a:p>
+        </p:txBody>
+      </p:sp>
+      <p:sp>
+        <p:nvSpPr>
+          <p:cNvPr id="75" name="TextBox 74">
+            <a:extLst>
+              <a:ext uri="{FF2B5EF4-FFF2-40B4-BE49-F238E27FC236}">
+                <a16:creationId xmlns:a16="http://schemas.microsoft.com/office/drawing/2014/main" id="{EF4004C2-C2C3-4624-873B-A0BC409EBBBE}"/>
+              </a:ext>
+            </a:extLst>
+          </p:cNvPr>
+          <p:cNvSpPr txBox="1"/>
+          <p:nvPr/>
+        </p:nvSpPr>
+        <p:spPr>
+          <a:xfrm>
+            <a:off x="3171477" y="4446600"/>
+            <a:ext cx="2104656" cy="461665"/>
+          </a:xfrm>
+          <a:prstGeom prst="rect">
+            <a:avLst/>
+          </a:prstGeom>
+          <a:noFill/>
+        </p:spPr>
+        <p:txBody>
+          <a:bodyPr wrap="square" rtlCol="0">
+            <a:spAutoFit/>
+          </a:bodyPr>
+          <a:lstStyle/>
+          <a:p>
+            <a:pPr algn="ctr"/>
+            <a:r>
+              <a:rPr lang="en-US" sz="2400" dirty="0"/>
+              <a:t>Input</a:t>
+            </a:r>
+          </a:p>
+        </p:txBody>
+      </p:sp>
+      <p:sp>
+        <p:nvSpPr>
+          <p:cNvPr id="76" name="TextBox 75">
+            <a:extLst>
+              <a:ext uri="{FF2B5EF4-FFF2-40B4-BE49-F238E27FC236}">
+                <a16:creationId xmlns:a16="http://schemas.microsoft.com/office/drawing/2014/main" id="{372C9881-18C7-4CD6-8C53-79AFBDC59F8B}"/>
+              </a:ext>
+            </a:extLst>
+          </p:cNvPr>
+          <p:cNvSpPr txBox="1"/>
+          <p:nvPr/>
+        </p:nvSpPr>
+        <p:spPr>
+          <a:xfrm>
+            <a:off x="7198168" y="4446600"/>
+            <a:ext cx="2104656" cy="461665"/>
+          </a:xfrm>
+          <a:prstGeom prst="rect">
+            <a:avLst/>
+          </a:prstGeom>
+          <a:noFill/>
+        </p:spPr>
+        <p:txBody>
+          <a:bodyPr wrap="square" rtlCol="0">
+            <a:spAutoFit/>
+          </a:bodyPr>
+          <a:lstStyle/>
+          <a:p>
+            <a:pPr algn="ctr"/>
+            <a:r>
+              <a:rPr lang="en-US" sz="2400" dirty="0"/>
+              <a:t>Output</a:t>
+            </a:r>
+          </a:p>
+        </p:txBody>
+      </p:sp>
+      <p:sp>
+        <p:nvSpPr>
+          <p:cNvPr id="34" name="Rectangle 33">
+            <a:extLst>
+              <a:ext uri="{FF2B5EF4-FFF2-40B4-BE49-F238E27FC236}">
+                <a16:creationId xmlns:a16="http://schemas.microsoft.com/office/drawing/2014/main" id="{C85D8BBC-FFE9-4006-AF82-7CD332F1373A}"/>
+              </a:ext>
+            </a:extLst>
+          </p:cNvPr>
+          <p:cNvSpPr/>
+          <p:nvPr/>
+        </p:nvSpPr>
+        <p:spPr>
+          <a:xfrm>
+            <a:off x="2896260" y="3636976"/>
+            <a:ext cx="328613" cy="300037"/>
+          </a:xfrm>
+          <a:prstGeom prst="rect">
+            <a:avLst/>
+          </a:prstGeom>
+          <a:noFill/>
+          <a:ln w="25400"/>
+        </p:spPr>
+        <p:style>
+          <a:lnRef idx="2">
+            <a:schemeClr val="accent1">
+              <a:shade val="50000"/>
+            </a:schemeClr>
+          </a:lnRef>
+          <a:fillRef idx="1">
+            <a:schemeClr val="accent1"/>
+          </a:fillRef>
+          <a:effectRef idx="0">
+            <a:schemeClr val="accent1"/>
+          </a:effectRef>
+          <a:fontRef idx="minor">
+            <a:schemeClr val="lt1"/>
+          </a:fontRef>
+        </p:style>
+        <p:txBody>
+          <a:bodyPr rtlCol="0" anchor="ctr"/>
+          <a:lstStyle/>
+          <a:p>
+            <a:pPr algn="ctr"/>
+            <a:endParaRPr lang="en-US" dirty="0"/>
+          </a:p>
+        </p:txBody>
+      </p:sp>
+      <p:sp>
+        <p:nvSpPr>
+          <p:cNvPr id="35" name="Rectangle 34">
+            <a:extLst>
+              <a:ext uri="{FF2B5EF4-FFF2-40B4-BE49-F238E27FC236}">
+                <a16:creationId xmlns:a16="http://schemas.microsoft.com/office/drawing/2014/main" id="{857EF786-CE74-48A9-B58A-27992865288B}"/>
+              </a:ext>
+            </a:extLst>
+          </p:cNvPr>
+          <p:cNvSpPr/>
+          <p:nvPr/>
+        </p:nvSpPr>
+        <p:spPr>
+          <a:xfrm>
+            <a:off x="2914117" y="3215836"/>
+            <a:ext cx="328613" cy="300037"/>
+          </a:xfrm>
+          <a:prstGeom prst="rect">
+            <a:avLst/>
+          </a:prstGeom>
+          <a:noFill/>
+          <a:ln w="25400"/>
+        </p:spPr>
+        <p:style>
+          <a:lnRef idx="2">
+            <a:schemeClr val="accent1">
+              <a:shade val="50000"/>
+            </a:schemeClr>
+          </a:lnRef>
+          <a:fillRef idx="1">
+            <a:schemeClr val="accent1"/>
+          </a:fillRef>
+          <a:effectRef idx="0">
+            <a:schemeClr val="accent1"/>
+          </a:effectRef>
+          <a:fontRef idx="minor">
+            <a:schemeClr val="lt1"/>
+          </a:fontRef>
+        </p:style>
+        <p:txBody>
+          <a:bodyPr rtlCol="0" anchor="ctr"/>
+          <a:lstStyle/>
+          <a:p>
+            <a:pPr algn="ctr"/>
+            <a:endParaRPr lang="en-US" dirty="0"/>
+          </a:p>
+        </p:txBody>
+      </p:sp>
+      <p:sp>
+        <p:nvSpPr>
+          <p:cNvPr id="36" name="Rectangle 35">
+            <a:extLst>
+              <a:ext uri="{FF2B5EF4-FFF2-40B4-BE49-F238E27FC236}">
+                <a16:creationId xmlns:a16="http://schemas.microsoft.com/office/drawing/2014/main" id="{1E075DFF-FCCE-4DF2-9817-A335240B314B}"/>
+              </a:ext>
+            </a:extLst>
+          </p:cNvPr>
+          <p:cNvSpPr/>
+          <p:nvPr/>
+        </p:nvSpPr>
+        <p:spPr>
+          <a:xfrm>
+            <a:off x="2904599" y="2764419"/>
+            <a:ext cx="328613" cy="300037"/>
+          </a:xfrm>
+          <a:prstGeom prst="rect">
+            <a:avLst/>
+          </a:prstGeom>
+          <a:noFill/>
+          <a:ln w="25400"/>
+        </p:spPr>
+        <p:style>
+          <a:lnRef idx="2">
+            <a:schemeClr val="accent1">
+              <a:shade val="50000"/>
+            </a:schemeClr>
+          </a:lnRef>
+          <a:fillRef idx="1">
+            <a:schemeClr val="accent1"/>
+          </a:fillRef>
+          <a:effectRef idx="0">
+            <a:schemeClr val="accent1"/>
+          </a:effectRef>
+          <a:fontRef idx="minor">
+            <a:schemeClr val="lt1"/>
+          </a:fontRef>
+        </p:style>
+        <p:txBody>
+          <a:bodyPr rtlCol="0" anchor="ctr"/>
+          <a:lstStyle/>
+          <a:p>
+            <a:pPr algn="ctr"/>
+            <a:endParaRPr lang="en-US" dirty="0"/>
+          </a:p>
+        </p:txBody>
+      </p:sp>
+      <p:sp>
+        <p:nvSpPr>
+          <p:cNvPr id="37" name="Rectangle 36">
+            <a:extLst>
+              <a:ext uri="{FF2B5EF4-FFF2-40B4-BE49-F238E27FC236}">
+                <a16:creationId xmlns:a16="http://schemas.microsoft.com/office/drawing/2014/main" id="{D10D591E-5293-4554-833C-371E539F7E03}"/>
+              </a:ext>
+            </a:extLst>
+          </p:cNvPr>
+          <p:cNvSpPr/>
+          <p:nvPr/>
+        </p:nvSpPr>
+        <p:spPr>
+          <a:xfrm>
+            <a:off x="2892685" y="2313002"/>
+            <a:ext cx="328613" cy="300037"/>
+          </a:xfrm>
+          <a:prstGeom prst="rect">
+            <a:avLst/>
+          </a:prstGeom>
+          <a:noFill/>
+          <a:ln w="25400"/>
+        </p:spPr>
+        <p:style>
+          <a:lnRef idx="2">
+            <a:schemeClr val="accent1">
+              <a:shade val="50000"/>
+            </a:schemeClr>
+          </a:lnRef>
+          <a:fillRef idx="1">
+            <a:schemeClr val="accent1"/>
+          </a:fillRef>
+          <a:effectRef idx="0">
+            <a:schemeClr val="accent1"/>
+          </a:effectRef>
+          <a:fontRef idx="minor">
+            <a:schemeClr val="lt1"/>
+          </a:fontRef>
+        </p:style>
+        <p:txBody>
+          <a:bodyPr rtlCol="0" anchor="ctr"/>
+          <a:lstStyle/>
+          <a:p>
+            <a:pPr algn="ctr"/>
+            <a:endParaRPr lang="en-US" dirty="0"/>
+          </a:p>
+        </p:txBody>
+      </p:sp>
+      <p:sp>
+        <p:nvSpPr>
+          <p:cNvPr id="38" name="Rectangle 37">
+            <a:extLst>
+              <a:ext uri="{FF2B5EF4-FFF2-40B4-BE49-F238E27FC236}">
+                <a16:creationId xmlns:a16="http://schemas.microsoft.com/office/drawing/2014/main" id="{738F3096-8C3D-4E70-B6F7-01B264AF023C}"/>
+              </a:ext>
+            </a:extLst>
+          </p:cNvPr>
+          <p:cNvSpPr/>
+          <p:nvPr/>
+        </p:nvSpPr>
+        <p:spPr>
+          <a:xfrm>
+            <a:off x="2885534" y="1851890"/>
+            <a:ext cx="328613" cy="300037"/>
+          </a:xfrm>
+          <a:prstGeom prst="rect">
+            <a:avLst/>
+          </a:prstGeom>
+          <a:noFill/>
+          <a:ln w="25400"/>
+        </p:spPr>
+        <p:style>
+          <a:lnRef idx="2">
+            <a:schemeClr val="accent1">
+              <a:shade val="50000"/>
+            </a:schemeClr>
+          </a:lnRef>
+          <a:fillRef idx="1">
+            <a:schemeClr val="accent1"/>
+          </a:fillRef>
+          <a:effectRef idx="0">
+            <a:schemeClr val="accent1"/>
+          </a:effectRef>
+          <a:fontRef idx="minor">
+            <a:schemeClr val="lt1"/>
+          </a:fontRef>
+        </p:style>
+        <p:txBody>
+          <a:bodyPr rtlCol="0" anchor="ctr"/>
+          <a:lstStyle/>
+          <a:p>
+            <a:pPr algn="ctr"/>
+            <a:endParaRPr lang="en-US" dirty="0"/>
+          </a:p>
+        </p:txBody>
+      </p:sp>
+      <p:sp>
+        <p:nvSpPr>
+          <p:cNvPr id="39" name="Rectangle 38">
+            <a:extLst>
+              <a:ext uri="{FF2B5EF4-FFF2-40B4-BE49-F238E27FC236}">
+                <a16:creationId xmlns:a16="http://schemas.microsoft.com/office/drawing/2014/main" id="{7ACBF42E-D270-4103-9E4A-3A40A34F6423}"/>
+              </a:ext>
+            </a:extLst>
+          </p:cNvPr>
+          <p:cNvSpPr/>
+          <p:nvPr/>
+        </p:nvSpPr>
+        <p:spPr>
+          <a:xfrm>
+            <a:off x="5428671" y="3645808"/>
+            <a:ext cx="328613" cy="300037"/>
+          </a:xfrm>
+          <a:prstGeom prst="rect">
+            <a:avLst/>
+          </a:prstGeom>
+          <a:noFill/>
+          <a:ln w="25400"/>
+        </p:spPr>
+        <p:style>
+          <a:lnRef idx="2">
+            <a:schemeClr val="accent1">
+              <a:shade val="50000"/>
+            </a:schemeClr>
+          </a:lnRef>
+          <a:fillRef idx="1">
+            <a:schemeClr val="accent1"/>
+          </a:fillRef>
+          <a:effectRef idx="0">
+            <a:schemeClr val="accent1"/>
+          </a:effectRef>
+          <a:fontRef idx="minor">
+            <a:schemeClr val="lt1"/>
+          </a:fontRef>
+        </p:style>
+        <p:txBody>
+          <a:bodyPr rtlCol="0" anchor="ctr"/>
+          <a:lstStyle/>
+          <a:p>
+            <a:pPr algn="ctr"/>
+            <a:endParaRPr lang="en-US" dirty="0"/>
+          </a:p>
+        </p:txBody>
+      </p:sp>
+      <p:sp>
+        <p:nvSpPr>
+          <p:cNvPr id="40" name="Rectangle 39">
+            <a:extLst>
+              <a:ext uri="{FF2B5EF4-FFF2-40B4-BE49-F238E27FC236}">
+                <a16:creationId xmlns:a16="http://schemas.microsoft.com/office/drawing/2014/main" id="{72B8E2D7-B03F-438D-BCE8-DA6C840440DB}"/>
+              </a:ext>
+            </a:extLst>
+          </p:cNvPr>
+          <p:cNvSpPr/>
+          <p:nvPr/>
+        </p:nvSpPr>
+        <p:spPr>
+          <a:xfrm>
+            <a:off x="5446528" y="3224668"/>
+            <a:ext cx="328613" cy="300037"/>
+          </a:xfrm>
+          <a:prstGeom prst="rect">
+            <a:avLst/>
+          </a:prstGeom>
+          <a:noFill/>
+          <a:ln w="25400"/>
+        </p:spPr>
+        <p:style>
+          <a:lnRef idx="2">
+            <a:schemeClr val="accent1">
+              <a:shade val="50000"/>
+            </a:schemeClr>
+          </a:lnRef>
+          <a:fillRef idx="1">
+            <a:schemeClr val="accent1"/>
+          </a:fillRef>
+          <a:effectRef idx="0">
+            <a:schemeClr val="accent1"/>
+          </a:effectRef>
+          <a:fontRef idx="minor">
+            <a:schemeClr val="lt1"/>
+          </a:fontRef>
+        </p:style>
+        <p:txBody>
+          <a:bodyPr rtlCol="0" anchor="ctr"/>
+          <a:lstStyle/>
+          <a:p>
+            <a:pPr algn="ctr"/>
+            <a:endParaRPr lang="en-US" dirty="0"/>
+          </a:p>
+        </p:txBody>
+      </p:sp>
+      <p:sp>
+        <p:nvSpPr>
+          <p:cNvPr id="41" name="Rectangle 40">
+            <a:extLst>
+              <a:ext uri="{FF2B5EF4-FFF2-40B4-BE49-F238E27FC236}">
+                <a16:creationId xmlns:a16="http://schemas.microsoft.com/office/drawing/2014/main" id="{C23275E9-2743-45E6-81CA-C35234AEC757}"/>
+              </a:ext>
+            </a:extLst>
+          </p:cNvPr>
+          <p:cNvSpPr/>
+          <p:nvPr/>
+        </p:nvSpPr>
+        <p:spPr>
+          <a:xfrm>
+            <a:off x="5437010" y="2773251"/>
+            <a:ext cx="328613" cy="300037"/>
+          </a:xfrm>
+          <a:prstGeom prst="rect">
+            <a:avLst/>
+          </a:prstGeom>
+          <a:noFill/>
+          <a:ln w="25400"/>
+        </p:spPr>
+        <p:style>
+          <a:lnRef idx="2">
+            <a:schemeClr val="accent1">
+              <a:shade val="50000"/>
+            </a:schemeClr>
+          </a:lnRef>
+          <a:fillRef idx="1">
+            <a:schemeClr val="accent1"/>
+          </a:fillRef>
+          <a:effectRef idx="0">
+            <a:schemeClr val="accent1"/>
+          </a:effectRef>
+          <a:fontRef idx="minor">
+            <a:schemeClr val="lt1"/>
+          </a:fontRef>
+        </p:style>
+        <p:txBody>
+          <a:bodyPr rtlCol="0" anchor="ctr"/>
+          <a:lstStyle/>
+          <a:p>
+            <a:pPr algn="ctr"/>
+            <a:endParaRPr lang="en-US" dirty="0"/>
+          </a:p>
+        </p:txBody>
+      </p:sp>
+      <p:sp>
+        <p:nvSpPr>
+          <p:cNvPr id="42" name="Rectangle 41">
+            <a:extLst>
+              <a:ext uri="{FF2B5EF4-FFF2-40B4-BE49-F238E27FC236}">
+                <a16:creationId xmlns:a16="http://schemas.microsoft.com/office/drawing/2014/main" id="{5C666176-2C25-476E-A3F3-26E33451EE7C}"/>
+              </a:ext>
+            </a:extLst>
+          </p:cNvPr>
+          <p:cNvSpPr/>
+          <p:nvPr/>
+        </p:nvSpPr>
+        <p:spPr>
+          <a:xfrm>
+            <a:off x="5425096" y="2321834"/>
+            <a:ext cx="328613" cy="300037"/>
+          </a:xfrm>
+          <a:prstGeom prst="rect">
+            <a:avLst/>
+          </a:prstGeom>
+          <a:noFill/>
+          <a:ln w="25400"/>
+        </p:spPr>
+        <p:style>
+          <a:lnRef idx="2">
+            <a:schemeClr val="accent1">
+              <a:shade val="50000"/>
+            </a:schemeClr>
+          </a:lnRef>
+          <a:fillRef idx="1">
+            <a:schemeClr val="accent1"/>
+          </a:fillRef>
+          <a:effectRef idx="0">
+            <a:schemeClr val="accent1"/>
+          </a:effectRef>
+          <a:fontRef idx="minor">
+            <a:schemeClr val="lt1"/>
+          </a:fontRef>
+        </p:style>
+        <p:txBody>
+          <a:bodyPr rtlCol="0" anchor="ctr"/>
+          <a:lstStyle/>
+          <a:p>
+            <a:pPr algn="ctr"/>
+            <a:endParaRPr lang="en-US" dirty="0"/>
+          </a:p>
+        </p:txBody>
+      </p:sp>
+      <p:sp>
+        <p:nvSpPr>
+          <p:cNvPr id="43" name="Rectangle 42">
+            <a:extLst>
+              <a:ext uri="{FF2B5EF4-FFF2-40B4-BE49-F238E27FC236}">
+                <a16:creationId xmlns:a16="http://schemas.microsoft.com/office/drawing/2014/main" id="{FE81A9C3-4FC4-4C7E-87AA-46CC88F291C9}"/>
+              </a:ext>
+            </a:extLst>
+          </p:cNvPr>
+          <p:cNvSpPr/>
+          <p:nvPr/>
+        </p:nvSpPr>
+        <p:spPr>
+          <a:xfrm>
+            <a:off x="5417945" y="1860722"/>
+            <a:ext cx="328613" cy="300037"/>
+          </a:xfrm>
+          <a:prstGeom prst="rect">
+            <a:avLst/>
+          </a:prstGeom>
+          <a:noFill/>
+          <a:ln w="25400"/>
+        </p:spPr>
+        <p:style>
+          <a:lnRef idx="2">
+            <a:schemeClr val="accent1">
+              <a:shade val="50000"/>
+            </a:schemeClr>
+          </a:lnRef>
+          <a:fillRef idx="1">
+            <a:schemeClr val="accent1"/>
+          </a:fillRef>
+          <a:effectRef idx="0">
+            <a:schemeClr val="accent1"/>
+          </a:effectRef>
+          <a:fontRef idx="minor">
+            <a:schemeClr val="lt1"/>
+          </a:fontRef>
+        </p:style>
+        <p:txBody>
+          <a:bodyPr rtlCol="0" anchor="ctr"/>
+          <a:lstStyle/>
+          <a:p>
+            <a:pPr algn="ctr"/>
+            <a:endParaRPr lang="en-US" dirty="0"/>
+          </a:p>
+        </p:txBody>
+      </p:sp>
+      <p:sp>
+        <p:nvSpPr>
+          <p:cNvPr id="44" name="Rectangle 43">
+            <a:extLst>
+              <a:ext uri="{FF2B5EF4-FFF2-40B4-BE49-F238E27FC236}">
+                <a16:creationId xmlns:a16="http://schemas.microsoft.com/office/drawing/2014/main" id="{7F3209C1-B7CC-4DF4-A49F-252765A95F7B}"/>
+              </a:ext>
+            </a:extLst>
+          </p:cNvPr>
+          <p:cNvSpPr/>
+          <p:nvPr/>
+        </p:nvSpPr>
+        <p:spPr>
+          <a:xfrm>
+            <a:off x="3395122" y="1860721"/>
+            <a:ext cx="328613" cy="300037"/>
+          </a:xfrm>
+          <a:prstGeom prst="rect">
+            <a:avLst/>
+          </a:prstGeom>
+          <a:noFill/>
+          <a:ln w="25400"/>
+        </p:spPr>
+        <p:style>
+          <a:lnRef idx="2">
+            <a:schemeClr val="accent1">
+              <a:shade val="50000"/>
+            </a:schemeClr>
+          </a:lnRef>
+          <a:fillRef idx="1">
+            <a:schemeClr val="accent1"/>
+          </a:fillRef>
+          <a:effectRef idx="0">
+            <a:schemeClr val="accent1"/>
+          </a:effectRef>
+          <a:fontRef idx="minor">
+            <a:schemeClr val="lt1"/>
+          </a:fontRef>
+        </p:style>
+        <p:txBody>
+          <a:bodyPr rtlCol="0" anchor="ctr"/>
+          <a:lstStyle/>
+          <a:p>
+            <a:pPr algn="ctr"/>
+            <a:endParaRPr lang="en-US" dirty="0"/>
+          </a:p>
+        </p:txBody>
+      </p:sp>
+      <p:sp>
+        <p:nvSpPr>
+          <p:cNvPr id="45" name="Rectangle 44">
+            <a:extLst>
+              <a:ext uri="{FF2B5EF4-FFF2-40B4-BE49-F238E27FC236}">
+                <a16:creationId xmlns:a16="http://schemas.microsoft.com/office/drawing/2014/main" id="{735CD97E-5E8A-4EF6-BD15-53CAFD8119C9}"/>
+              </a:ext>
+            </a:extLst>
+          </p:cNvPr>
+          <p:cNvSpPr/>
+          <p:nvPr/>
+        </p:nvSpPr>
+        <p:spPr>
+          <a:xfrm>
+            <a:off x="3904710" y="1869552"/>
+            <a:ext cx="328613" cy="300037"/>
+          </a:xfrm>
+          <a:prstGeom prst="rect">
+            <a:avLst/>
+          </a:prstGeom>
+          <a:noFill/>
+          <a:ln w="25400"/>
+        </p:spPr>
+        <p:style>
+          <a:lnRef idx="2">
+            <a:schemeClr val="accent1">
+              <a:shade val="50000"/>
+            </a:schemeClr>
+          </a:lnRef>
+          <a:fillRef idx="1">
+            <a:schemeClr val="accent1"/>
+          </a:fillRef>
+          <a:effectRef idx="0">
+            <a:schemeClr val="accent1"/>
+          </a:effectRef>
+          <a:fontRef idx="minor">
+            <a:schemeClr val="lt1"/>
+          </a:fontRef>
+        </p:style>
+        <p:txBody>
+          <a:bodyPr rtlCol="0" anchor="ctr"/>
+          <a:lstStyle/>
+          <a:p>
+            <a:pPr algn="ctr"/>
+            <a:endParaRPr lang="en-US" dirty="0"/>
+          </a:p>
+        </p:txBody>
+      </p:sp>
+      <p:sp>
+        <p:nvSpPr>
+          <p:cNvPr id="46" name="Rectangle 45">
+            <a:extLst>
+              <a:ext uri="{FF2B5EF4-FFF2-40B4-BE49-F238E27FC236}">
+                <a16:creationId xmlns:a16="http://schemas.microsoft.com/office/drawing/2014/main" id="{DE6EA521-D85E-48A6-9E1E-50FDE4F2F53F}"/>
+              </a:ext>
+            </a:extLst>
+          </p:cNvPr>
+          <p:cNvSpPr/>
+          <p:nvPr/>
+        </p:nvSpPr>
+        <p:spPr>
+          <a:xfrm>
+            <a:off x="4414298" y="1878383"/>
+            <a:ext cx="328613" cy="300037"/>
+          </a:xfrm>
+          <a:prstGeom prst="rect">
+            <a:avLst/>
+          </a:prstGeom>
+          <a:noFill/>
+          <a:ln w="25400"/>
+        </p:spPr>
+        <p:style>
+          <a:lnRef idx="2">
+            <a:schemeClr val="accent1">
+              <a:shade val="50000"/>
+            </a:schemeClr>
+          </a:lnRef>
+          <a:fillRef idx="1">
+            <a:schemeClr val="accent1"/>
+          </a:fillRef>
+          <a:effectRef idx="0">
+            <a:schemeClr val="accent1"/>
+          </a:effectRef>
+          <a:fontRef idx="minor">
+            <a:schemeClr val="lt1"/>
+          </a:fontRef>
+        </p:style>
+        <p:txBody>
+          <a:bodyPr rtlCol="0" anchor="ctr"/>
+          <a:lstStyle/>
+          <a:p>
+            <a:pPr algn="ctr"/>
+            <a:endParaRPr lang="en-US" dirty="0"/>
+          </a:p>
+        </p:txBody>
+      </p:sp>
+      <p:sp>
+        <p:nvSpPr>
+          <p:cNvPr id="47" name="Rectangle 46">
+            <a:extLst>
+              <a:ext uri="{FF2B5EF4-FFF2-40B4-BE49-F238E27FC236}">
+                <a16:creationId xmlns:a16="http://schemas.microsoft.com/office/drawing/2014/main" id="{1C948013-FCF7-41F9-B89B-1EA491174647}"/>
+              </a:ext>
+            </a:extLst>
+          </p:cNvPr>
+          <p:cNvSpPr/>
+          <p:nvPr/>
+        </p:nvSpPr>
+        <p:spPr>
+          <a:xfrm>
+            <a:off x="4923886" y="1887214"/>
+            <a:ext cx="328613" cy="300037"/>
+          </a:xfrm>
+          <a:prstGeom prst="rect">
+            <a:avLst/>
+          </a:prstGeom>
+          <a:noFill/>
+          <a:ln w="25400"/>
+        </p:spPr>
+        <p:style>
+          <a:lnRef idx="2">
+            <a:schemeClr val="accent1">
+              <a:shade val="50000"/>
+            </a:schemeClr>
+          </a:lnRef>
+          <a:fillRef idx="1">
+            <a:schemeClr val="accent1"/>
+          </a:fillRef>
+          <a:effectRef idx="0">
+            <a:schemeClr val="accent1"/>
+          </a:effectRef>
+          <a:fontRef idx="minor">
+            <a:schemeClr val="lt1"/>
+          </a:fontRef>
+        </p:style>
+        <p:txBody>
+          <a:bodyPr rtlCol="0" anchor="ctr"/>
+          <a:lstStyle/>
+          <a:p>
+            <a:pPr algn="ctr"/>
+            <a:endParaRPr lang="en-US" dirty="0"/>
+          </a:p>
+        </p:txBody>
+      </p:sp>
+      <p:sp>
+        <p:nvSpPr>
+          <p:cNvPr id="55" name="Rectangle 54">
+            <a:extLst>
+              <a:ext uri="{FF2B5EF4-FFF2-40B4-BE49-F238E27FC236}">
+                <a16:creationId xmlns:a16="http://schemas.microsoft.com/office/drawing/2014/main" id="{42B5502F-51B8-40CE-ADB3-D6DD4440F6DE}"/>
+              </a:ext>
+            </a:extLst>
+          </p:cNvPr>
+          <p:cNvSpPr/>
+          <p:nvPr/>
+        </p:nvSpPr>
+        <p:spPr>
+          <a:xfrm>
+            <a:off x="2914117" y="4071929"/>
+            <a:ext cx="328613" cy="300037"/>
+          </a:xfrm>
+          <a:prstGeom prst="rect">
+            <a:avLst/>
+          </a:prstGeom>
+          <a:noFill/>
+          <a:ln w="25400"/>
+        </p:spPr>
+        <p:style>
+          <a:lnRef idx="2">
+            <a:schemeClr val="accent1">
+              <a:shade val="50000"/>
+            </a:schemeClr>
+          </a:lnRef>
+          <a:fillRef idx="1">
+            <a:schemeClr val="accent1"/>
+          </a:fillRef>
+          <a:effectRef idx="0">
+            <a:schemeClr val="accent1"/>
+          </a:effectRef>
+          <a:fontRef idx="minor">
+            <a:schemeClr val="lt1"/>
+          </a:fontRef>
+        </p:style>
+        <p:txBody>
+          <a:bodyPr rtlCol="0" anchor="ctr"/>
+          <a:lstStyle/>
+          <a:p>
+            <a:pPr algn="ctr"/>
+            <a:endParaRPr lang="en-US" dirty="0"/>
+          </a:p>
+        </p:txBody>
+      </p:sp>
+      <p:sp>
+        <p:nvSpPr>
+          <p:cNvPr id="57" name="Rectangle 56">
+            <a:extLst>
+              <a:ext uri="{FF2B5EF4-FFF2-40B4-BE49-F238E27FC236}">
+                <a16:creationId xmlns:a16="http://schemas.microsoft.com/office/drawing/2014/main" id="{521FDE21-7610-4FC2-ADAF-6010F82546BD}"/>
+              </a:ext>
+            </a:extLst>
+          </p:cNvPr>
+          <p:cNvSpPr/>
+          <p:nvPr/>
+        </p:nvSpPr>
+        <p:spPr>
+          <a:xfrm>
+            <a:off x="5446528" y="4080761"/>
+            <a:ext cx="328613" cy="300037"/>
+          </a:xfrm>
+          <a:prstGeom prst="rect">
+            <a:avLst/>
+          </a:prstGeom>
+          <a:noFill/>
+          <a:ln w="25400"/>
+        </p:spPr>
+        <p:style>
+          <a:lnRef idx="2">
+            <a:schemeClr val="accent1">
+              <a:shade val="50000"/>
+            </a:schemeClr>
+          </a:lnRef>
+          <a:fillRef idx="1">
+            <a:schemeClr val="accent1"/>
+          </a:fillRef>
+          <a:effectRef idx="0">
+            <a:schemeClr val="accent1"/>
+          </a:effectRef>
+          <a:fontRef idx="minor">
+            <a:schemeClr val="lt1"/>
+          </a:fontRef>
+        </p:style>
+        <p:txBody>
+          <a:bodyPr rtlCol="0" anchor="ctr"/>
+          <a:lstStyle/>
+          <a:p>
+            <a:pPr algn="ctr"/>
+            <a:endParaRPr lang="en-US" dirty="0"/>
+          </a:p>
+        </p:txBody>
+      </p:sp>
+      <p:sp>
+        <p:nvSpPr>
+          <p:cNvPr id="59" name="Rectangle 58">
+            <a:extLst>
+              <a:ext uri="{FF2B5EF4-FFF2-40B4-BE49-F238E27FC236}">
+                <a16:creationId xmlns:a16="http://schemas.microsoft.com/office/drawing/2014/main" id="{A5C7A4FE-6318-4F1B-AC2F-A7AB7802B67E}"/>
+              </a:ext>
+            </a:extLst>
+          </p:cNvPr>
+          <p:cNvSpPr/>
+          <p:nvPr/>
+        </p:nvSpPr>
+        <p:spPr>
+          <a:xfrm>
+            <a:off x="3423705" y="4080760"/>
+            <a:ext cx="328613" cy="300037"/>
+          </a:xfrm>
+          <a:prstGeom prst="rect">
+            <a:avLst/>
+          </a:prstGeom>
+          <a:noFill/>
+          <a:ln w="25400"/>
+        </p:spPr>
+        <p:style>
+          <a:lnRef idx="2">
+            <a:schemeClr val="accent1">
+              <a:shade val="50000"/>
+            </a:schemeClr>
+          </a:lnRef>
+          <a:fillRef idx="1">
+            <a:schemeClr val="accent1"/>
+          </a:fillRef>
+          <a:effectRef idx="0">
+            <a:schemeClr val="accent1"/>
+          </a:effectRef>
+          <a:fontRef idx="minor">
+            <a:schemeClr val="lt1"/>
+          </a:fontRef>
+        </p:style>
+        <p:txBody>
+          <a:bodyPr rtlCol="0" anchor="ctr"/>
+          <a:lstStyle/>
+          <a:p>
+            <a:pPr algn="ctr"/>
+            <a:endParaRPr lang="en-US" dirty="0"/>
+          </a:p>
+        </p:txBody>
+      </p:sp>
+      <p:sp>
+        <p:nvSpPr>
+          <p:cNvPr id="61" name="Rectangle 60">
+            <a:extLst>
+              <a:ext uri="{FF2B5EF4-FFF2-40B4-BE49-F238E27FC236}">
+                <a16:creationId xmlns:a16="http://schemas.microsoft.com/office/drawing/2014/main" id="{8253720D-FBA7-46AD-9CF6-788E3620FD34}"/>
+              </a:ext>
+            </a:extLst>
+          </p:cNvPr>
+          <p:cNvSpPr/>
+          <p:nvPr/>
+        </p:nvSpPr>
+        <p:spPr>
+          <a:xfrm>
+            <a:off x="3933293" y="4089591"/>
+            <a:ext cx="328613" cy="300037"/>
+          </a:xfrm>
+          <a:prstGeom prst="rect">
+            <a:avLst/>
+          </a:prstGeom>
+          <a:noFill/>
+          <a:ln w="25400"/>
+        </p:spPr>
+        <p:style>
+          <a:lnRef idx="2">
+            <a:schemeClr val="accent1">
+              <a:shade val="50000"/>
+            </a:schemeClr>
+          </a:lnRef>
+          <a:fillRef idx="1">
+            <a:schemeClr val="accent1"/>
+          </a:fillRef>
+          <a:effectRef idx="0">
+            <a:schemeClr val="accent1"/>
+          </a:effectRef>
+          <a:fontRef idx="minor">
+            <a:schemeClr val="lt1"/>
+          </a:fontRef>
+        </p:style>
+        <p:txBody>
+          <a:bodyPr rtlCol="0" anchor="ctr"/>
+          <a:lstStyle/>
+          <a:p>
+            <a:pPr algn="ctr"/>
+            <a:endParaRPr lang="en-US" dirty="0"/>
+          </a:p>
+        </p:txBody>
+      </p:sp>
+      <p:sp>
+        <p:nvSpPr>
+          <p:cNvPr id="62" name="Rectangle 61">
+            <a:extLst>
+              <a:ext uri="{FF2B5EF4-FFF2-40B4-BE49-F238E27FC236}">
+                <a16:creationId xmlns:a16="http://schemas.microsoft.com/office/drawing/2014/main" id="{9537FC6C-3B5C-4C7E-8E64-CFCAA74BF501}"/>
+              </a:ext>
+            </a:extLst>
+          </p:cNvPr>
+          <p:cNvSpPr/>
+          <p:nvPr/>
+        </p:nvSpPr>
+        <p:spPr>
+          <a:xfrm>
+            <a:off x="4442881" y="4098422"/>
+            <a:ext cx="328613" cy="300037"/>
+          </a:xfrm>
+          <a:prstGeom prst="rect">
+            <a:avLst/>
+          </a:prstGeom>
+          <a:noFill/>
+          <a:ln w="25400"/>
+        </p:spPr>
+        <p:style>
+          <a:lnRef idx="2">
+            <a:schemeClr val="accent1">
+              <a:shade val="50000"/>
+            </a:schemeClr>
+          </a:lnRef>
+          <a:fillRef idx="1">
+            <a:schemeClr val="accent1"/>
+          </a:fillRef>
+          <a:effectRef idx="0">
+            <a:schemeClr val="accent1"/>
+          </a:effectRef>
+          <a:fontRef idx="minor">
+            <a:schemeClr val="lt1"/>
+          </a:fontRef>
+        </p:style>
+        <p:txBody>
+          <a:bodyPr rtlCol="0" anchor="ctr"/>
+          <a:lstStyle/>
+          <a:p>
+            <a:pPr algn="ctr"/>
+            <a:endParaRPr lang="en-US" dirty="0"/>
+          </a:p>
+        </p:txBody>
+      </p:sp>
+      <p:sp>
+        <p:nvSpPr>
+          <p:cNvPr id="63" name="Rectangle 62">
+            <a:extLst>
+              <a:ext uri="{FF2B5EF4-FFF2-40B4-BE49-F238E27FC236}">
+                <a16:creationId xmlns:a16="http://schemas.microsoft.com/office/drawing/2014/main" id="{844E1144-0E70-47A9-B7D4-1EA5E2B75DF3}"/>
+              </a:ext>
+            </a:extLst>
+          </p:cNvPr>
+          <p:cNvSpPr/>
+          <p:nvPr/>
+        </p:nvSpPr>
+        <p:spPr>
+          <a:xfrm>
+            <a:off x="4952469" y="4107253"/>
+            <a:ext cx="328613" cy="300037"/>
+          </a:xfrm>
+          <a:prstGeom prst="rect">
+            <a:avLst/>
+          </a:prstGeom>
+          <a:noFill/>
+          <a:ln w="25400"/>
+        </p:spPr>
+        <p:style>
+          <a:lnRef idx="2">
+            <a:schemeClr val="accent1">
+              <a:shade val="50000"/>
+            </a:schemeClr>
+          </a:lnRef>
+          <a:fillRef idx="1">
+            <a:schemeClr val="accent1"/>
+          </a:fillRef>
+          <a:effectRef idx="0">
+            <a:schemeClr val="accent1"/>
+          </a:effectRef>
+          <a:fontRef idx="minor">
+            <a:schemeClr val="lt1"/>
+          </a:fontRef>
+        </p:style>
+        <p:txBody>
+          <a:bodyPr rtlCol="0" anchor="ctr"/>
+          <a:lstStyle/>
+          <a:p>
+            <a:pPr algn="ctr"/>
+            <a:endParaRPr lang="en-US" dirty="0"/>
+          </a:p>
+        </p:txBody>
+      </p:sp>
+      <p:cxnSp>
+        <p:nvCxnSpPr>
+          <p:cNvPr id="19" name="Straight Arrow Connector 18">
+            <a:extLst>
+              <a:ext uri="{FF2B5EF4-FFF2-40B4-BE49-F238E27FC236}">
+                <a16:creationId xmlns:a16="http://schemas.microsoft.com/office/drawing/2014/main" id="{FDA882C6-B38E-4B6C-B293-C0128FC1CF38}"/>
+              </a:ext>
+            </a:extLst>
+          </p:cNvPr>
+          <p:cNvCxnSpPr/>
+          <p:nvPr/>
+        </p:nvCxnSpPr>
+        <p:spPr>
+          <a:xfrm>
+            <a:off x="3488924" y="1558031"/>
+            <a:ext cx="1651247" cy="0"/>
+          </a:xfrm>
+          <a:prstGeom prst="straightConnector1">
+            <a:avLst/>
+          </a:prstGeom>
+          <a:ln w="38100">
+            <a:tailEnd type="triangle"/>
+          </a:ln>
+        </p:spPr>
+        <p:style>
+          <a:lnRef idx="1">
+            <a:schemeClr val="accent1"/>
+          </a:lnRef>
+          <a:fillRef idx="0">
+            <a:schemeClr val="accent1"/>
+          </a:fillRef>
+          <a:effectRef idx="0">
+            <a:schemeClr val="accent1"/>
+          </a:effectRef>
+          <a:fontRef idx="minor">
+            <a:schemeClr val="tx1"/>
+          </a:fontRef>
+        </p:style>
+      </p:cxnSp>
+      <p:sp>
+        <p:nvSpPr>
+          <p:cNvPr id="64" name="TextBox 63">
+            <a:extLst>
+              <a:ext uri="{FF2B5EF4-FFF2-40B4-BE49-F238E27FC236}">
+                <a16:creationId xmlns:a16="http://schemas.microsoft.com/office/drawing/2014/main" id="{36BF8649-2C83-482B-8FFA-F8A8281CD608}"/>
+              </a:ext>
+            </a:extLst>
+          </p:cNvPr>
+          <p:cNvSpPr txBox="1"/>
+          <p:nvPr/>
+        </p:nvSpPr>
+        <p:spPr>
+          <a:xfrm>
+            <a:off x="3281801" y="990008"/>
+            <a:ext cx="2104656" cy="461665"/>
+          </a:xfrm>
+          <a:prstGeom prst="rect">
+            <a:avLst/>
+          </a:prstGeom>
+          <a:noFill/>
+        </p:spPr>
+        <p:txBody>
+          <a:bodyPr wrap="square" rtlCol="0">
+            <a:spAutoFit/>
+          </a:bodyPr>
+          <a:lstStyle/>
+          <a:p>
+            <a:pPr algn="ctr"/>
+            <a:r>
+              <a:rPr lang="en-US" sz="2400" dirty="0"/>
+              <a:t>Stride</a:t>
+            </a:r>
+          </a:p>
+        </p:txBody>
+      </p:sp>
+      <p:sp>
+        <p:nvSpPr>
+          <p:cNvPr id="65" name="TextBox 64">
+            <a:extLst>
+              <a:ext uri="{FF2B5EF4-FFF2-40B4-BE49-F238E27FC236}">
+                <a16:creationId xmlns:a16="http://schemas.microsoft.com/office/drawing/2014/main" id="{BEBE2F78-544F-4172-865D-4CA9AB41FDAE}"/>
+              </a:ext>
+            </a:extLst>
+          </p:cNvPr>
+          <p:cNvSpPr txBox="1"/>
+          <p:nvPr/>
+        </p:nvSpPr>
+        <p:spPr>
+          <a:xfrm rot="16200000">
+            <a:off x="1220942" y="2788768"/>
+            <a:ext cx="2104656" cy="461665"/>
+          </a:xfrm>
+          <a:prstGeom prst="rect">
+            <a:avLst/>
+          </a:prstGeom>
+          <a:noFill/>
+        </p:spPr>
+        <p:txBody>
+          <a:bodyPr wrap="square" rtlCol="0">
+            <a:spAutoFit/>
+          </a:bodyPr>
+          <a:lstStyle/>
+          <a:p>
+            <a:pPr algn="ctr"/>
+            <a:r>
+              <a:rPr lang="en-US" sz="2400" dirty="0"/>
+              <a:t>Stride</a:t>
+            </a:r>
+          </a:p>
+        </p:txBody>
+      </p:sp>
+      <p:cxnSp>
+        <p:nvCxnSpPr>
+          <p:cNvPr id="70" name="Straight Arrow Connector 69">
+            <a:extLst>
+              <a:ext uri="{FF2B5EF4-FFF2-40B4-BE49-F238E27FC236}">
+                <a16:creationId xmlns:a16="http://schemas.microsoft.com/office/drawing/2014/main" id="{239BDB28-B340-485E-86BF-5FF99B28EEDA}"/>
+              </a:ext>
+            </a:extLst>
+          </p:cNvPr>
+          <p:cNvCxnSpPr>
+            <a:cxnSpLocks/>
+          </p:cNvCxnSpPr>
+          <p:nvPr/>
+        </p:nvCxnSpPr>
+        <p:spPr>
+          <a:xfrm>
+            <a:off x="2581275" y="2471853"/>
+            <a:ext cx="15525" cy="1319904"/>
+          </a:xfrm>
+          <a:prstGeom prst="straightConnector1">
+            <a:avLst/>
+          </a:prstGeom>
+          <a:ln w="38100">
+            <a:tailEnd type="triangle"/>
+          </a:ln>
+        </p:spPr>
+        <p:style>
+          <a:lnRef idx="1">
+            <a:schemeClr val="accent1"/>
+          </a:lnRef>
+          <a:fillRef idx="0">
+            <a:schemeClr val="accent1"/>
+          </a:fillRef>
+          <a:effectRef idx="0">
+            <a:schemeClr val="accent1"/>
+          </a:effectRef>
+          <a:fontRef idx="minor">
+            <a:schemeClr val="tx1"/>
+          </a:fontRef>
+        </p:style>
+      </p:cxnSp>
+    </p:spTree>
+    <p:extLst>
+      <p:ext uri="{BB962C8B-B14F-4D97-AF65-F5344CB8AC3E}">
+        <p14:creationId xmlns:p14="http://schemas.microsoft.com/office/powerpoint/2010/main" val="1116072887"/>
+      </p:ext>
+    </p:extLst>
+  </p:cSld>
+  <p:clrMapOvr>
+    <a:masterClrMapping/>
+  </p:clrMapOvr>
+</p:sld>
+</file>
+
+<file path=ppt/slides/slide8.xml><?xml version="1.0" encoding="utf-8"?>
+<p:sld xmlns:a="http://schemas.openxmlformats.org/drawingml/2006/main" xmlns:r="http://schemas.openxmlformats.org/officeDocument/2006/relationships" xmlns:p="http://schemas.openxmlformats.org/presentationml/2006/main">
+  <p:cSld>
+    <p:spTree>
+      <p:nvGrpSpPr>
+        <p:cNvPr id="1" name=""/>
+        <p:cNvGrpSpPr/>
+        <p:nvPr/>
+      </p:nvGrpSpPr>
+      <p:grpSpPr>
+        <a:xfrm>
+          <a:off x="0" y="0"/>
+          <a:ext cx="0" cy="0"/>
+          <a:chOff x="0" y="0"/>
+          <a:chExt cx="0" cy="0"/>
+        </a:xfrm>
+      </p:grpSpPr>
+      <p:sp>
+        <p:nvSpPr>
+          <p:cNvPr id="66" name="Rectangle 65">
+            <a:extLst>
+              <a:ext uri="{FF2B5EF4-FFF2-40B4-BE49-F238E27FC236}">
+                <a16:creationId xmlns:a16="http://schemas.microsoft.com/office/drawing/2014/main" id="{04F09C63-CC1F-4912-B081-9CFA68F66FD2}"/>
+              </a:ext>
+            </a:extLst>
+          </p:cNvPr>
+          <p:cNvSpPr/>
+          <p:nvPr/>
+        </p:nvSpPr>
+        <p:spPr>
+          <a:xfrm>
+            <a:off x="2855119" y="1795147"/>
+            <a:ext cx="1500188" cy="1319212"/>
+          </a:xfrm>
+          <a:prstGeom prst="rect">
+            <a:avLst/>
+          </a:prstGeom>
+          <a:noFill/>
+          <a:ln w="38100">
+            <a:solidFill>
+              <a:srgbClr val="C00000"/>
+            </a:solidFill>
+            <a:prstDash val="sysDash"/>
+          </a:ln>
+        </p:spPr>
+        <p:style>
+          <a:lnRef idx="2">
+            <a:schemeClr val="accent1">
+              <a:shade val="50000"/>
+            </a:schemeClr>
+          </a:lnRef>
+          <a:fillRef idx="1">
+            <a:schemeClr val="accent1"/>
+          </a:fillRef>
+          <a:effectRef idx="0">
+            <a:schemeClr val="accent1"/>
+          </a:effectRef>
+          <a:fontRef idx="minor">
+            <a:schemeClr val="lt1"/>
+          </a:fontRef>
+        </p:style>
+        <p:txBody>
+          <a:bodyPr rtlCol="0" anchor="ctr"/>
+          <a:lstStyle/>
+          <a:p>
+            <a:pPr algn="ctr"/>
+            <a:endParaRPr lang="en-US"/>
+          </a:p>
+        </p:txBody>
+      </p:sp>
+      <p:sp>
+        <p:nvSpPr>
+          <p:cNvPr id="2" name="Rectangle 1">
+            <a:extLst>
+              <a:ext uri="{FF2B5EF4-FFF2-40B4-BE49-F238E27FC236}">
+                <a16:creationId xmlns:a16="http://schemas.microsoft.com/office/drawing/2014/main" id="{9EA0731D-3AA3-404A-BA36-23D7279C1AA0}"/>
+              </a:ext>
+            </a:extLst>
+          </p:cNvPr>
+          <p:cNvSpPr/>
+          <p:nvPr/>
+        </p:nvSpPr>
+        <p:spPr>
+          <a:xfrm>
+            <a:off x="3895192" y="2313003"/>
+            <a:ext cx="328613" cy="300037"/>
+          </a:xfrm>
+          <a:prstGeom prst="rect">
+            <a:avLst/>
+          </a:prstGeom>
+          <a:solidFill>
+            <a:schemeClr val="bg1">
+              <a:lumMod val="50000"/>
+            </a:schemeClr>
+          </a:solidFill>
+          <a:ln w="25400"/>
+        </p:spPr>
+        <p:style>
+          <a:lnRef idx="2">
+            <a:schemeClr val="accent1">
+              <a:shade val="50000"/>
+            </a:schemeClr>
+          </a:lnRef>
+          <a:fillRef idx="1">
+            <a:schemeClr val="accent1"/>
+          </a:fillRef>
+          <a:effectRef idx="0">
+            <a:schemeClr val="accent1"/>
+          </a:effectRef>
+          <a:fontRef idx="minor">
+            <a:schemeClr val="lt1"/>
+          </a:fontRef>
+        </p:style>
+        <p:txBody>
+          <a:bodyPr rtlCol="0" anchor="ctr"/>
+          <a:lstStyle/>
+          <a:p>
+            <a:pPr algn="ctr"/>
+            <a:endParaRPr lang="en-US" dirty="0"/>
+          </a:p>
+        </p:txBody>
+      </p:sp>
+      <p:sp>
+        <p:nvSpPr>
+          <p:cNvPr id="3" name="Rectangle 2">
+            <a:extLst>
+              <a:ext uri="{FF2B5EF4-FFF2-40B4-BE49-F238E27FC236}">
+                <a16:creationId xmlns:a16="http://schemas.microsoft.com/office/drawing/2014/main" id="{22B85347-53B0-42DB-9C6C-CE141A0EDB40}"/>
+              </a:ext>
+            </a:extLst>
+          </p:cNvPr>
+          <p:cNvSpPr/>
+          <p:nvPr/>
+        </p:nvSpPr>
+        <p:spPr>
+          <a:xfrm>
+            <a:off x="3402275" y="2321879"/>
+            <a:ext cx="328613" cy="272761"/>
+          </a:xfrm>
+          <a:prstGeom prst="rect">
+            <a:avLst/>
+          </a:prstGeom>
+          <a:solidFill>
+            <a:schemeClr val="bg1">
+              <a:lumMod val="50000"/>
+            </a:schemeClr>
+          </a:solidFill>
+          <a:ln w="25400"/>
+        </p:spPr>
+        <p:style>
+          <a:lnRef idx="2">
+            <a:schemeClr val="accent1">
+              <a:shade val="50000"/>
+            </a:schemeClr>
+          </a:lnRef>
+          <a:fillRef idx="1">
+            <a:schemeClr val="accent1"/>
+          </a:fillRef>
+          <a:effectRef idx="0">
+            <a:schemeClr val="accent1"/>
+          </a:effectRef>
+          <a:fontRef idx="minor">
+            <a:schemeClr val="lt1"/>
+          </a:fontRef>
+        </p:style>
+        <p:txBody>
+          <a:bodyPr rtlCol="0" anchor="ctr"/>
+          <a:lstStyle/>
+          <a:p>
+            <a:pPr algn="ctr"/>
+            <a:endParaRPr lang="en-US" dirty="0"/>
+          </a:p>
+        </p:txBody>
+      </p:sp>
+      <p:sp>
+        <p:nvSpPr>
+          <p:cNvPr id="4" name="Rectangle 3">
+            <a:extLst>
+              <a:ext uri="{FF2B5EF4-FFF2-40B4-BE49-F238E27FC236}">
+                <a16:creationId xmlns:a16="http://schemas.microsoft.com/office/drawing/2014/main" id="{7F73C256-ABD6-4F2A-BD54-70437A38E665}"/>
+              </a:ext>
+            </a:extLst>
+          </p:cNvPr>
+          <p:cNvSpPr/>
+          <p:nvPr/>
+        </p:nvSpPr>
+        <p:spPr>
+          <a:xfrm>
+            <a:off x="4388109" y="2308241"/>
+            <a:ext cx="328613" cy="300037"/>
+          </a:xfrm>
+          <a:prstGeom prst="rect">
+            <a:avLst/>
+          </a:prstGeom>
+          <a:solidFill>
+            <a:schemeClr val="bg1">
+              <a:lumMod val="50000"/>
+            </a:schemeClr>
+          </a:solidFill>
+          <a:ln w="25400"/>
+        </p:spPr>
+        <p:style>
+          <a:lnRef idx="2">
+            <a:schemeClr val="accent1">
+              <a:shade val="50000"/>
+            </a:schemeClr>
+          </a:lnRef>
+          <a:fillRef idx="1">
+            <a:schemeClr val="accent1"/>
+          </a:fillRef>
+          <a:effectRef idx="0">
+            <a:schemeClr val="accent1"/>
+          </a:effectRef>
+          <a:fontRef idx="minor">
+            <a:schemeClr val="lt1"/>
+          </a:fontRef>
+        </p:style>
+        <p:txBody>
+          <a:bodyPr rtlCol="0" anchor="ctr"/>
+          <a:lstStyle/>
+          <a:p>
+            <a:pPr algn="ctr"/>
+            <a:endParaRPr lang="en-US" dirty="0"/>
+          </a:p>
+        </p:txBody>
+      </p:sp>
+      <p:sp>
+        <p:nvSpPr>
+          <p:cNvPr id="5" name="Rectangle 4">
+            <a:extLst>
+              <a:ext uri="{FF2B5EF4-FFF2-40B4-BE49-F238E27FC236}">
+                <a16:creationId xmlns:a16="http://schemas.microsoft.com/office/drawing/2014/main" id="{22976B95-D949-4914-A5BB-64722394C11D}"/>
+              </a:ext>
+            </a:extLst>
+          </p:cNvPr>
+          <p:cNvSpPr/>
+          <p:nvPr/>
+        </p:nvSpPr>
+        <p:spPr>
+          <a:xfrm>
+            <a:off x="4881026" y="2308241"/>
+            <a:ext cx="328613" cy="300037"/>
+          </a:xfrm>
+          <a:prstGeom prst="rect">
+            <a:avLst/>
+          </a:prstGeom>
+          <a:solidFill>
+            <a:schemeClr val="bg1">
+              <a:lumMod val="50000"/>
+            </a:schemeClr>
+          </a:solidFill>
+          <a:ln w="25400"/>
+        </p:spPr>
+        <p:style>
+          <a:lnRef idx="2">
+            <a:schemeClr val="accent1">
+              <a:shade val="50000"/>
+            </a:schemeClr>
+          </a:lnRef>
+          <a:fillRef idx="1">
+            <a:schemeClr val="accent1"/>
+          </a:fillRef>
+          <a:effectRef idx="0">
+            <a:schemeClr val="accent1"/>
+          </a:effectRef>
+          <a:fontRef idx="minor">
+            <a:schemeClr val="lt1"/>
+          </a:fontRef>
+        </p:style>
+        <p:txBody>
+          <a:bodyPr rtlCol="0" anchor="ctr"/>
+          <a:lstStyle/>
+          <a:p>
+            <a:pPr algn="ctr"/>
+            <a:endParaRPr lang="en-US" dirty="0"/>
+          </a:p>
+        </p:txBody>
+      </p:sp>
+      <p:sp>
+        <p:nvSpPr>
+          <p:cNvPr id="6" name="Rectangle 5">
+            <a:extLst>
+              <a:ext uri="{FF2B5EF4-FFF2-40B4-BE49-F238E27FC236}">
+                <a16:creationId xmlns:a16="http://schemas.microsoft.com/office/drawing/2014/main" id="{B9AEA878-3AF7-4097-BF2E-EE60F5A41426}"/>
+              </a:ext>
+            </a:extLst>
+          </p:cNvPr>
+          <p:cNvSpPr/>
+          <p:nvPr/>
+        </p:nvSpPr>
+        <p:spPr>
+          <a:xfrm>
+            <a:off x="3895192" y="2755915"/>
+            <a:ext cx="328613" cy="300037"/>
+          </a:xfrm>
+          <a:prstGeom prst="rect">
+            <a:avLst/>
+          </a:prstGeom>
+          <a:solidFill>
+            <a:schemeClr val="bg1">
+              <a:lumMod val="50000"/>
+            </a:schemeClr>
+          </a:solidFill>
+          <a:ln w="25400"/>
+        </p:spPr>
+        <p:style>
+          <a:lnRef idx="2">
+            <a:schemeClr val="accent1">
+              <a:shade val="50000"/>
+            </a:schemeClr>
+          </a:lnRef>
+          <a:fillRef idx="1">
+            <a:schemeClr val="accent1"/>
+          </a:fillRef>
+          <a:effectRef idx="0">
+            <a:schemeClr val="accent1"/>
+          </a:effectRef>
+          <a:fontRef idx="minor">
+            <a:schemeClr val="lt1"/>
+          </a:fontRef>
+        </p:style>
+        <p:txBody>
+          <a:bodyPr rtlCol="0" anchor="ctr"/>
+          <a:lstStyle/>
+          <a:p>
+            <a:pPr algn="ctr"/>
+            <a:endParaRPr lang="en-US" dirty="0"/>
+          </a:p>
+        </p:txBody>
+      </p:sp>
+      <p:sp>
+        <p:nvSpPr>
+          <p:cNvPr id="7" name="Rectangle 6">
+            <a:extLst>
+              <a:ext uri="{FF2B5EF4-FFF2-40B4-BE49-F238E27FC236}">
+                <a16:creationId xmlns:a16="http://schemas.microsoft.com/office/drawing/2014/main" id="{C2856261-9ADF-412E-997A-3AE516620C3A}"/>
+              </a:ext>
+            </a:extLst>
+          </p:cNvPr>
+          <p:cNvSpPr/>
+          <p:nvPr/>
+        </p:nvSpPr>
+        <p:spPr>
+          <a:xfrm>
+            <a:off x="3402275" y="2751153"/>
+            <a:ext cx="328613" cy="300037"/>
+          </a:xfrm>
+          <a:prstGeom prst="rect">
+            <a:avLst/>
+          </a:prstGeom>
+          <a:solidFill>
+            <a:schemeClr val="bg1">
+              <a:lumMod val="50000"/>
+            </a:schemeClr>
+          </a:solidFill>
+          <a:ln w="25400"/>
+        </p:spPr>
+        <p:style>
+          <a:lnRef idx="2">
+            <a:schemeClr val="accent1">
+              <a:shade val="50000"/>
+            </a:schemeClr>
+          </a:lnRef>
+          <a:fillRef idx="1">
+            <a:schemeClr val="accent1"/>
+          </a:fillRef>
+          <a:effectRef idx="0">
+            <a:schemeClr val="accent1"/>
+          </a:effectRef>
+          <a:fontRef idx="minor">
+            <a:schemeClr val="lt1"/>
+          </a:fontRef>
+        </p:style>
+        <p:txBody>
+          <a:bodyPr rtlCol="0" anchor="ctr"/>
+          <a:lstStyle/>
+          <a:p>
+            <a:pPr algn="ctr"/>
+            <a:endParaRPr lang="en-US" dirty="0"/>
+          </a:p>
+        </p:txBody>
+      </p:sp>
+      <p:sp>
+        <p:nvSpPr>
+          <p:cNvPr id="8" name="Rectangle 7">
+            <a:extLst>
+              <a:ext uri="{FF2B5EF4-FFF2-40B4-BE49-F238E27FC236}">
+                <a16:creationId xmlns:a16="http://schemas.microsoft.com/office/drawing/2014/main" id="{8463C51D-5A31-4E2D-ADF8-76C8AE94814B}"/>
+              </a:ext>
+            </a:extLst>
+          </p:cNvPr>
+          <p:cNvSpPr/>
+          <p:nvPr/>
+        </p:nvSpPr>
+        <p:spPr>
+          <a:xfrm>
+            <a:off x="4388109" y="2751153"/>
+            <a:ext cx="328613" cy="300037"/>
+          </a:xfrm>
+          <a:prstGeom prst="rect">
+            <a:avLst/>
+          </a:prstGeom>
+          <a:solidFill>
+            <a:schemeClr val="bg1">
+              <a:lumMod val="50000"/>
+            </a:schemeClr>
+          </a:solidFill>
+          <a:ln w="25400"/>
+        </p:spPr>
+        <p:style>
+          <a:lnRef idx="2">
+            <a:schemeClr val="accent1">
+              <a:shade val="50000"/>
+            </a:schemeClr>
+          </a:lnRef>
+          <a:fillRef idx="1">
+            <a:schemeClr val="accent1"/>
+          </a:fillRef>
+          <a:effectRef idx="0">
+            <a:schemeClr val="accent1"/>
+          </a:effectRef>
+          <a:fontRef idx="minor">
+            <a:schemeClr val="lt1"/>
+          </a:fontRef>
+        </p:style>
+        <p:txBody>
+          <a:bodyPr rtlCol="0" anchor="ctr"/>
+          <a:lstStyle/>
+          <a:p>
+            <a:pPr algn="ctr"/>
+            <a:endParaRPr lang="en-US" dirty="0"/>
+          </a:p>
+        </p:txBody>
+      </p:sp>
+      <p:sp>
+        <p:nvSpPr>
+          <p:cNvPr id="9" name="Rectangle 8">
+            <a:extLst>
+              <a:ext uri="{FF2B5EF4-FFF2-40B4-BE49-F238E27FC236}">
+                <a16:creationId xmlns:a16="http://schemas.microsoft.com/office/drawing/2014/main" id="{251FB218-9595-4AD8-9E8A-ECED6A9A66EC}"/>
+              </a:ext>
+            </a:extLst>
+          </p:cNvPr>
+          <p:cNvSpPr/>
+          <p:nvPr/>
+        </p:nvSpPr>
+        <p:spPr>
+          <a:xfrm>
+            <a:off x="4881026" y="2751153"/>
+            <a:ext cx="328613" cy="300037"/>
+          </a:xfrm>
+          <a:prstGeom prst="rect">
+            <a:avLst/>
+          </a:prstGeom>
+          <a:solidFill>
+            <a:schemeClr val="bg1">
+              <a:lumMod val="50000"/>
+            </a:schemeClr>
+          </a:solidFill>
+          <a:ln w="25400"/>
+        </p:spPr>
+        <p:style>
+          <a:lnRef idx="2">
+            <a:schemeClr val="accent1">
+              <a:shade val="50000"/>
+            </a:schemeClr>
+          </a:lnRef>
+          <a:fillRef idx="1">
+            <a:schemeClr val="accent1"/>
+          </a:fillRef>
+          <a:effectRef idx="0">
+            <a:schemeClr val="accent1"/>
+          </a:effectRef>
+          <a:fontRef idx="minor">
+            <a:schemeClr val="lt1"/>
+          </a:fontRef>
+        </p:style>
+        <p:txBody>
+          <a:bodyPr rtlCol="0" anchor="ctr"/>
+          <a:lstStyle/>
+          <a:p>
+            <a:pPr algn="ctr"/>
+            <a:endParaRPr lang="en-US" dirty="0"/>
+          </a:p>
+        </p:txBody>
+      </p:sp>
+      <p:sp>
+        <p:nvSpPr>
+          <p:cNvPr id="10" name="Rectangle 9">
+            <a:extLst>
+              <a:ext uri="{FF2B5EF4-FFF2-40B4-BE49-F238E27FC236}">
+                <a16:creationId xmlns:a16="http://schemas.microsoft.com/office/drawing/2014/main" id="{7A167514-7F45-4DF0-92A6-AFC88E71BB89}"/>
+              </a:ext>
+            </a:extLst>
+          </p:cNvPr>
+          <p:cNvSpPr/>
+          <p:nvPr/>
+        </p:nvSpPr>
+        <p:spPr>
+          <a:xfrm>
+            <a:off x="3895192" y="3198827"/>
+            <a:ext cx="328613" cy="300037"/>
+          </a:xfrm>
+          <a:prstGeom prst="rect">
+            <a:avLst/>
+          </a:prstGeom>
+          <a:solidFill>
+            <a:schemeClr val="bg1">
+              <a:lumMod val="50000"/>
+            </a:schemeClr>
+          </a:solidFill>
+          <a:ln w="25400"/>
+        </p:spPr>
+        <p:style>
+          <a:lnRef idx="2">
+            <a:schemeClr val="accent1">
+              <a:shade val="50000"/>
+            </a:schemeClr>
+          </a:lnRef>
+          <a:fillRef idx="1">
+            <a:schemeClr val="accent1"/>
+          </a:fillRef>
+          <a:effectRef idx="0">
+            <a:schemeClr val="accent1"/>
+          </a:effectRef>
+          <a:fontRef idx="minor">
+            <a:schemeClr val="lt1"/>
+          </a:fontRef>
+        </p:style>
+        <p:txBody>
+          <a:bodyPr rtlCol="0" anchor="ctr"/>
+          <a:lstStyle/>
+          <a:p>
+            <a:pPr algn="ctr"/>
+            <a:endParaRPr lang="en-US" dirty="0"/>
+          </a:p>
+        </p:txBody>
+      </p:sp>
+      <p:sp>
+        <p:nvSpPr>
+          <p:cNvPr id="11" name="Rectangle 10">
+            <a:extLst>
+              <a:ext uri="{FF2B5EF4-FFF2-40B4-BE49-F238E27FC236}">
+                <a16:creationId xmlns:a16="http://schemas.microsoft.com/office/drawing/2014/main" id="{87C44F5B-425F-4346-8FAC-06BF821414D8}"/>
+              </a:ext>
+            </a:extLst>
+          </p:cNvPr>
+          <p:cNvSpPr/>
+          <p:nvPr/>
+        </p:nvSpPr>
+        <p:spPr>
+          <a:xfrm>
+            <a:off x="3402275" y="3194065"/>
+            <a:ext cx="328613" cy="300037"/>
+          </a:xfrm>
+          <a:prstGeom prst="rect">
+            <a:avLst/>
+          </a:prstGeom>
+          <a:solidFill>
+            <a:schemeClr val="bg1">
+              <a:lumMod val="50000"/>
+            </a:schemeClr>
+          </a:solidFill>
+          <a:ln w="25400"/>
+        </p:spPr>
+        <p:style>
+          <a:lnRef idx="2">
+            <a:schemeClr val="accent1">
+              <a:shade val="50000"/>
+            </a:schemeClr>
+          </a:lnRef>
+          <a:fillRef idx="1">
+            <a:schemeClr val="accent1"/>
+          </a:fillRef>
+          <a:effectRef idx="0">
+            <a:schemeClr val="accent1"/>
+          </a:effectRef>
+          <a:fontRef idx="minor">
+            <a:schemeClr val="lt1"/>
+          </a:fontRef>
+        </p:style>
+        <p:txBody>
+          <a:bodyPr rtlCol="0" anchor="ctr"/>
+          <a:lstStyle/>
+          <a:p>
+            <a:pPr algn="ctr"/>
+            <a:endParaRPr lang="en-US" dirty="0"/>
+          </a:p>
+        </p:txBody>
+      </p:sp>
+      <p:sp>
+        <p:nvSpPr>
+          <p:cNvPr id="12" name="Rectangle 11">
+            <a:extLst>
+              <a:ext uri="{FF2B5EF4-FFF2-40B4-BE49-F238E27FC236}">
+                <a16:creationId xmlns:a16="http://schemas.microsoft.com/office/drawing/2014/main" id="{DBB572A8-EC84-41B2-9601-8507B0C4F0FD}"/>
+              </a:ext>
+            </a:extLst>
+          </p:cNvPr>
+          <p:cNvSpPr/>
+          <p:nvPr/>
+        </p:nvSpPr>
+        <p:spPr>
+          <a:xfrm>
+            <a:off x="4388109" y="3194065"/>
+            <a:ext cx="328613" cy="300037"/>
+          </a:xfrm>
+          <a:prstGeom prst="rect">
+            <a:avLst/>
+          </a:prstGeom>
+          <a:solidFill>
+            <a:schemeClr val="bg1">
+              <a:lumMod val="50000"/>
+            </a:schemeClr>
+          </a:solidFill>
+          <a:ln w="25400"/>
+        </p:spPr>
+        <p:style>
+          <a:lnRef idx="2">
+            <a:schemeClr val="accent1">
+              <a:shade val="50000"/>
+            </a:schemeClr>
+          </a:lnRef>
+          <a:fillRef idx="1">
+            <a:schemeClr val="accent1"/>
+          </a:fillRef>
+          <a:effectRef idx="0">
+            <a:schemeClr val="accent1"/>
+          </a:effectRef>
+          <a:fontRef idx="minor">
+            <a:schemeClr val="lt1"/>
+          </a:fontRef>
+        </p:style>
+        <p:txBody>
+          <a:bodyPr rtlCol="0" anchor="ctr"/>
+          <a:lstStyle/>
+          <a:p>
+            <a:pPr algn="ctr"/>
+            <a:endParaRPr lang="en-US" dirty="0"/>
+          </a:p>
+        </p:txBody>
+      </p:sp>
+      <p:sp>
+        <p:nvSpPr>
+          <p:cNvPr id="13" name="Rectangle 12">
+            <a:extLst>
+              <a:ext uri="{FF2B5EF4-FFF2-40B4-BE49-F238E27FC236}">
+                <a16:creationId xmlns:a16="http://schemas.microsoft.com/office/drawing/2014/main" id="{F6BB6A6D-15E7-49C4-B88A-FC9ECB5D77B0}"/>
+              </a:ext>
+            </a:extLst>
+          </p:cNvPr>
+          <p:cNvSpPr/>
+          <p:nvPr/>
+        </p:nvSpPr>
+        <p:spPr>
+          <a:xfrm>
+            <a:off x="4881026" y="3194065"/>
+            <a:ext cx="328613" cy="300037"/>
+          </a:xfrm>
+          <a:prstGeom prst="rect">
+            <a:avLst/>
+          </a:prstGeom>
+          <a:solidFill>
+            <a:schemeClr val="bg1">
+              <a:lumMod val="50000"/>
+            </a:schemeClr>
+          </a:solidFill>
+          <a:ln w="25400"/>
+        </p:spPr>
+        <p:style>
+          <a:lnRef idx="2">
+            <a:schemeClr val="accent1">
+              <a:shade val="50000"/>
+            </a:schemeClr>
+          </a:lnRef>
+          <a:fillRef idx="1">
+            <a:schemeClr val="accent1"/>
+          </a:fillRef>
+          <a:effectRef idx="0">
+            <a:schemeClr val="accent1"/>
+          </a:effectRef>
+          <a:fontRef idx="minor">
+            <a:schemeClr val="lt1"/>
+          </a:fontRef>
+        </p:style>
+        <p:txBody>
+          <a:bodyPr rtlCol="0" anchor="ctr"/>
+          <a:lstStyle/>
+          <a:p>
+            <a:pPr algn="ctr"/>
+            <a:endParaRPr lang="en-US" dirty="0"/>
+          </a:p>
+        </p:txBody>
+      </p:sp>
+      <p:sp>
+        <p:nvSpPr>
+          <p:cNvPr id="14" name="Rectangle 13">
+            <a:extLst>
+              <a:ext uri="{FF2B5EF4-FFF2-40B4-BE49-F238E27FC236}">
+                <a16:creationId xmlns:a16="http://schemas.microsoft.com/office/drawing/2014/main" id="{1C9C11CC-0E81-4BDE-B19D-A762336DD032}"/>
+              </a:ext>
+            </a:extLst>
+          </p:cNvPr>
+          <p:cNvSpPr/>
+          <p:nvPr/>
+        </p:nvSpPr>
+        <p:spPr>
+          <a:xfrm>
+            <a:off x="3895192" y="3641739"/>
+            <a:ext cx="328613" cy="300037"/>
+          </a:xfrm>
+          <a:prstGeom prst="rect">
+            <a:avLst/>
+          </a:prstGeom>
+          <a:solidFill>
+            <a:schemeClr val="bg1">
+              <a:lumMod val="50000"/>
+            </a:schemeClr>
+          </a:solidFill>
+          <a:ln w="25400"/>
+        </p:spPr>
+        <p:style>
+          <a:lnRef idx="2">
+            <a:schemeClr val="accent1">
+              <a:shade val="50000"/>
+            </a:schemeClr>
+          </a:lnRef>
+          <a:fillRef idx="1">
+            <a:schemeClr val="accent1"/>
+          </a:fillRef>
+          <a:effectRef idx="0">
+            <a:schemeClr val="accent1"/>
+          </a:effectRef>
+          <a:fontRef idx="minor">
+            <a:schemeClr val="lt1"/>
+          </a:fontRef>
+        </p:style>
+        <p:txBody>
+          <a:bodyPr rtlCol="0" anchor="ctr"/>
+          <a:lstStyle/>
+          <a:p>
+            <a:pPr algn="ctr"/>
+            <a:endParaRPr lang="en-US" dirty="0"/>
+          </a:p>
+        </p:txBody>
+      </p:sp>
+      <p:sp>
+        <p:nvSpPr>
+          <p:cNvPr id="15" name="Rectangle 14">
+            <a:extLst>
+              <a:ext uri="{FF2B5EF4-FFF2-40B4-BE49-F238E27FC236}">
+                <a16:creationId xmlns:a16="http://schemas.microsoft.com/office/drawing/2014/main" id="{B4613E6D-84C3-47D1-9AD9-1449C6042D3C}"/>
+              </a:ext>
+            </a:extLst>
+          </p:cNvPr>
+          <p:cNvSpPr/>
+          <p:nvPr/>
+        </p:nvSpPr>
+        <p:spPr>
+          <a:xfrm>
+            <a:off x="3402275" y="3636977"/>
+            <a:ext cx="328613" cy="300037"/>
+          </a:xfrm>
+          <a:prstGeom prst="rect">
+            <a:avLst/>
+          </a:prstGeom>
+          <a:solidFill>
+            <a:schemeClr val="bg1">
+              <a:lumMod val="50000"/>
+            </a:schemeClr>
+          </a:solidFill>
+          <a:ln w="25400"/>
+        </p:spPr>
+        <p:style>
+          <a:lnRef idx="2">
+            <a:schemeClr val="accent1">
+              <a:shade val="50000"/>
+            </a:schemeClr>
+          </a:lnRef>
+          <a:fillRef idx="1">
+            <a:schemeClr val="accent1"/>
+          </a:fillRef>
+          <a:effectRef idx="0">
+            <a:schemeClr val="accent1"/>
+          </a:effectRef>
+          <a:fontRef idx="minor">
+            <a:schemeClr val="lt1"/>
+          </a:fontRef>
+        </p:style>
+        <p:txBody>
+          <a:bodyPr rtlCol="0" anchor="ctr"/>
+          <a:lstStyle/>
+          <a:p>
+            <a:pPr algn="ctr"/>
+            <a:endParaRPr lang="en-US" dirty="0"/>
+          </a:p>
+        </p:txBody>
+      </p:sp>
+      <p:sp>
+        <p:nvSpPr>
+          <p:cNvPr id="16" name="Rectangle 15">
+            <a:extLst>
+              <a:ext uri="{FF2B5EF4-FFF2-40B4-BE49-F238E27FC236}">
+                <a16:creationId xmlns:a16="http://schemas.microsoft.com/office/drawing/2014/main" id="{57A133AB-BFC8-42B2-8384-00B5F8754EE2}"/>
+              </a:ext>
+            </a:extLst>
+          </p:cNvPr>
+          <p:cNvSpPr/>
+          <p:nvPr/>
+        </p:nvSpPr>
+        <p:spPr>
+          <a:xfrm>
+            <a:off x="4388109" y="3636977"/>
+            <a:ext cx="328613" cy="300037"/>
+          </a:xfrm>
+          <a:prstGeom prst="rect">
+            <a:avLst/>
+          </a:prstGeom>
+          <a:solidFill>
+            <a:schemeClr val="bg1">
+              <a:lumMod val="50000"/>
+            </a:schemeClr>
+          </a:solidFill>
+          <a:ln w="25400"/>
+        </p:spPr>
+        <p:style>
+          <a:lnRef idx="2">
+            <a:schemeClr val="accent1">
+              <a:shade val="50000"/>
+            </a:schemeClr>
+          </a:lnRef>
+          <a:fillRef idx="1">
+            <a:schemeClr val="accent1"/>
+          </a:fillRef>
+          <a:effectRef idx="0">
+            <a:schemeClr val="accent1"/>
+          </a:effectRef>
+          <a:fontRef idx="minor">
+            <a:schemeClr val="lt1"/>
+          </a:fontRef>
+        </p:style>
+        <p:txBody>
+          <a:bodyPr rtlCol="0" anchor="ctr"/>
+          <a:lstStyle/>
+          <a:p>
+            <a:pPr algn="ctr"/>
+            <a:endParaRPr lang="en-US" dirty="0"/>
+          </a:p>
+        </p:txBody>
+      </p:sp>
+      <p:sp>
+        <p:nvSpPr>
+          <p:cNvPr id="17" name="Rectangle 16">
+            <a:extLst>
+              <a:ext uri="{FF2B5EF4-FFF2-40B4-BE49-F238E27FC236}">
+                <a16:creationId xmlns:a16="http://schemas.microsoft.com/office/drawing/2014/main" id="{6C303A93-F927-4156-9DDB-C53C38E3C5C7}"/>
+              </a:ext>
+            </a:extLst>
+          </p:cNvPr>
+          <p:cNvSpPr/>
+          <p:nvPr/>
+        </p:nvSpPr>
+        <p:spPr>
+          <a:xfrm>
+            <a:off x="4881026" y="3636977"/>
+            <a:ext cx="328613" cy="300037"/>
+          </a:xfrm>
+          <a:prstGeom prst="rect">
+            <a:avLst/>
+          </a:prstGeom>
+          <a:solidFill>
+            <a:schemeClr val="bg1">
+              <a:lumMod val="50000"/>
+            </a:schemeClr>
+          </a:solidFill>
+          <a:ln w="25400"/>
+        </p:spPr>
+        <p:style>
+          <a:lnRef idx="2">
+            <a:schemeClr val="accent1">
+              <a:shade val="50000"/>
+            </a:schemeClr>
+          </a:lnRef>
+          <a:fillRef idx="1">
+            <a:schemeClr val="accent1"/>
+          </a:fillRef>
+          <a:effectRef idx="0">
+            <a:schemeClr val="accent1"/>
+          </a:effectRef>
+          <a:fontRef idx="minor">
+            <a:schemeClr val="lt1"/>
+          </a:fontRef>
+        </p:style>
+        <p:txBody>
+          <a:bodyPr rtlCol="0" anchor="ctr"/>
+          <a:lstStyle/>
+          <a:p>
+            <a:pPr algn="ctr"/>
+            <a:endParaRPr lang="en-US" dirty="0"/>
+          </a:p>
+        </p:txBody>
+      </p:sp>
+      <p:sp>
+        <p:nvSpPr>
+          <p:cNvPr id="75" name="TextBox 74">
+            <a:extLst>
+              <a:ext uri="{FF2B5EF4-FFF2-40B4-BE49-F238E27FC236}">
+                <a16:creationId xmlns:a16="http://schemas.microsoft.com/office/drawing/2014/main" id="{EF4004C2-C2C3-4624-873B-A0BC409EBBBE}"/>
+              </a:ext>
+            </a:extLst>
+          </p:cNvPr>
+          <p:cNvSpPr txBox="1"/>
+          <p:nvPr/>
+        </p:nvSpPr>
+        <p:spPr>
+          <a:xfrm>
+            <a:off x="3171477" y="4446600"/>
+            <a:ext cx="2104656" cy="461665"/>
+          </a:xfrm>
+          <a:prstGeom prst="rect">
+            <a:avLst/>
+          </a:prstGeom>
+          <a:noFill/>
+        </p:spPr>
+        <p:txBody>
+          <a:bodyPr wrap="square" rtlCol="0">
+            <a:spAutoFit/>
+          </a:bodyPr>
+          <a:lstStyle/>
+          <a:p>
+            <a:pPr algn="ctr"/>
+            <a:r>
+              <a:rPr lang="en-US" sz="2400" dirty="0"/>
+              <a:t>Input</a:t>
+            </a:r>
+          </a:p>
+        </p:txBody>
+      </p:sp>
+      <p:sp>
+        <p:nvSpPr>
+          <p:cNvPr id="76" name="TextBox 75">
+            <a:extLst>
+              <a:ext uri="{FF2B5EF4-FFF2-40B4-BE49-F238E27FC236}">
+                <a16:creationId xmlns:a16="http://schemas.microsoft.com/office/drawing/2014/main" id="{372C9881-18C7-4CD6-8C53-79AFBDC59F8B}"/>
+              </a:ext>
+            </a:extLst>
+          </p:cNvPr>
+          <p:cNvSpPr txBox="1"/>
+          <p:nvPr/>
+        </p:nvSpPr>
+        <p:spPr>
+          <a:xfrm>
+            <a:off x="7649035" y="4446600"/>
+            <a:ext cx="2104656" cy="461665"/>
+          </a:xfrm>
+          <a:prstGeom prst="rect">
+            <a:avLst/>
+          </a:prstGeom>
+          <a:noFill/>
+        </p:spPr>
+        <p:txBody>
+          <a:bodyPr wrap="square" rtlCol="0">
+            <a:spAutoFit/>
+          </a:bodyPr>
+          <a:lstStyle/>
+          <a:p>
+            <a:pPr algn="ctr"/>
+            <a:r>
+              <a:rPr lang="en-US" sz="2400" dirty="0"/>
+              <a:t>Output</a:t>
+            </a:r>
+          </a:p>
+        </p:txBody>
+      </p:sp>
+      <p:sp>
+        <p:nvSpPr>
+          <p:cNvPr id="34" name="Rectangle 33">
+            <a:extLst>
+              <a:ext uri="{FF2B5EF4-FFF2-40B4-BE49-F238E27FC236}">
+                <a16:creationId xmlns:a16="http://schemas.microsoft.com/office/drawing/2014/main" id="{C85D8BBC-FFE9-4006-AF82-7CD332F1373A}"/>
+              </a:ext>
+            </a:extLst>
+          </p:cNvPr>
+          <p:cNvSpPr/>
+          <p:nvPr/>
+        </p:nvSpPr>
+        <p:spPr>
+          <a:xfrm>
+            <a:off x="2896260" y="3636976"/>
+            <a:ext cx="328613" cy="300037"/>
+          </a:xfrm>
+          <a:prstGeom prst="rect">
+            <a:avLst/>
+          </a:prstGeom>
+          <a:solidFill>
+            <a:schemeClr val="bg1"/>
+          </a:solidFill>
+          <a:ln w="25400"/>
+        </p:spPr>
+        <p:style>
+          <a:lnRef idx="2">
+            <a:schemeClr val="accent1">
+              <a:shade val="50000"/>
+            </a:schemeClr>
+          </a:lnRef>
+          <a:fillRef idx="1">
+            <a:schemeClr val="accent1"/>
+          </a:fillRef>
+          <a:effectRef idx="0">
+            <a:schemeClr val="accent1"/>
+          </a:effectRef>
+          <a:fontRef idx="minor">
+            <a:schemeClr val="lt1"/>
+          </a:fontRef>
+        </p:style>
+        <p:txBody>
+          <a:bodyPr rtlCol="0" anchor="ctr"/>
+          <a:lstStyle/>
+          <a:p>
+            <a:pPr algn="ctr"/>
+            <a:endParaRPr lang="en-US" dirty="0"/>
+          </a:p>
+        </p:txBody>
+      </p:sp>
+      <p:sp>
+        <p:nvSpPr>
+          <p:cNvPr id="35" name="Rectangle 34">
+            <a:extLst>
+              <a:ext uri="{FF2B5EF4-FFF2-40B4-BE49-F238E27FC236}">
+                <a16:creationId xmlns:a16="http://schemas.microsoft.com/office/drawing/2014/main" id="{857EF786-CE74-48A9-B58A-27992865288B}"/>
+              </a:ext>
+            </a:extLst>
+          </p:cNvPr>
+          <p:cNvSpPr/>
+          <p:nvPr/>
+        </p:nvSpPr>
+        <p:spPr>
+          <a:xfrm>
+            <a:off x="2914117" y="3215836"/>
+            <a:ext cx="328613" cy="300037"/>
+          </a:xfrm>
+          <a:prstGeom prst="rect">
+            <a:avLst/>
+          </a:prstGeom>
+          <a:solidFill>
+            <a:schemeClr val="bg1"/>
+          </a:solidFill>
+          <a:ln w="25400"/>
+        </p:spPr>
+        <p:style>
+          <a:lnRef idx="2">
+            <a:schemeClr val="accent1">
+              <a:shade val="50000"/>
+            </a:schemeClr>
+          </a:lnRef>
+          <a:fillRef idx="1">
+            <a:schemeClr val="accent1"/>
+          </a:fillRef>
+          <a:effectRef idx="0">
+            <a:schemeClr val="accent1"/>
+          </a:effectRef>
+          <a:fontRef idx="minor">
+            <a:schemeClr val="lt1"/>
+          </a:fontRef>
+        </p:style>
+        <p:txBody>
+          <a:bodyPr rtlCol="0" anchor="ctr"/>
+          <a:lstStyle/>
+          <a:p>
+            <a:pPr algn="ctr"/>
+            <a:endParaRPr lang="en-US" dirty="0"/>
+          </a:p>
+        </p:txBody>
+      </p:sp>
+      <p:sp>
+        <p:nvSpPr>
+          <p:cNvPr id="36" name="Rectangle 35">
+            <a:extLst>
+              <a:ext uri="{FF2B5EF4-FFF2-40B4-BE49-F238E27FC236}">
+                <a16:creationId xmlns:a16="http://schemas.microsoft.com/office/drawing/2014/main" id="{1E075DFF-FCCE-4DF2-9817-A335240B314B}"/>
+              </a:ext>
+            </a:extLst>
+          </p:cNvPr>
+          <p:cNvSpPr/>
+          <p:nvPr/>
+        </p:nvSpPr>
+        <p:spPr>
+          <a:xfrm>
+            <a:off x="2904599" y="2764419"/>
+            <a:ext cx="328613" cy="300037"/>
+          </a:xfrm>
+          <a:prstGeom prst="rect">
+            <a:avLst/>
+          </a:prstGeom>
+          <a:solidFill>
+            <a:schemeClr val="bg1"/>
+          </a:solidFill>
+          <a:ln w="25400"/>
+        </p:spPr>
+        <p:style>
+          <a:lnRef idx="2">
+            <a:schemeClr val="accent1">
+              <a:shade val="50000"/>
+            </a:schemeClr>
+          </a:lnRef>
+          <a:fillRef idx="1">
+            <a:schemeClr val="accent1"/>
+          </a:fillRef>
+          <a:effectRef idx="0">
+            <a:schemeClr val="accent1"/>
+          </a:effectRef>
+          <a:fontRef idx="minor">
+            <a:schemeClr val="lt1"/>
+          </a:fontRef>
+        </p:style>
+        <p:txBody>
+          <a:bodyPr rtlCol="0" anchor="ctr"/>
+          <a:lstStyle/>
+          <a:p>
+            <a:pPr algn="ctr"/>
+            <a:endParaRPr lang="en-US" dirty="0"/>
+          </a:p>
+        </p:txBody>
+      </p:sp>
+      <p:sp>
+        <p:nvSpPr>
+          <p:cNvPr id="37" name="Rectangle 36">
+            <a:extLst>
+              <a:ext uri="{FF2B5EF4-FFF2-40B4-BE49-F238E27FC236}">
+                <a16:creationId xmlns:a16="http://schemas.microsoft.com/office/drawing/2014/main" id="{D10D591E-5293-4554-833C-371E539F7E03}"/>
+              </a:ext>
+            </a:extLst>
+          </p:cNvPr>
+          <p:cNvSpPr/>
+          <p:nvPr/>
+        </p:nvSpPr>
+        <p:spPr>
+          <a:xfrm>
+            <a:off x="2892685" y="2313002"/>
+            <a:ext cx="328613" cy="300037"/>
+          </a:xfrm>
+          <a:prstGeom prst="rect">
+            <a:avLst/>
+          </a:prstGeom>
+          <a:solidFill>
+            <a:schemeClr val="bg1"/>
+          </a:solidFill>
+          <a:ln w="25400"/>
+        </p:spPr>
+        <p:style>
+          <a:lnRef idx="2">
+            <a:schemeClr val="accent1">
+              <a:shade val="50000"/>
+            </a:schemeClr>
+          </a:lnRef>
+          <a:fillRef idx="1">
+            <a:schemeClr val="accent1"/>
+          </a:fillRef>
+          <a:effectRef idx="0">
+            <a:schemeClr val="accent1"/>
+          </a:effectRef>
+          <a:fontRef idx="minor">
+            <a:schemeClr val="lt1"/>
+          </a:fontRef>
+        </p:style>
+        <p:txBody>
+          <a:bodyPr rtlCol="0" anchor="ctr"/>
+          <a:lstStyle/>
+          <a:p>
+            <a:pPr algn="ctr"/>
+            <a:endParaRPr lang="en-US" dirty="0"/>
+          </a:p>
+        </p:txBody>
+      </p:sp>
+      <p:sp>
+        <p:nvSpPr>
+          <p:cNvPr id="38" name="Rectangle 37">
+            <a:extLst>
+              <a:ext uri="{FF2B5EF4-FFF2-40B4-BE49-F238E27FC236}">
+                <a16:creationId xmlns:a16="http://schemas.microsoft.com/office/drawing/2014/main" id="{738F3096-8C3D-4E70-B6F7-01B264AF023C}"/>
+              </a:ext>
+            </a:extLst>
+          </p:cNvPr>
+          <p:cNvSpPr/>
+          <p:nvPr/>
+        </p:nvSpPr>
+        <p:spPr>
+          <a:xfrm>
+            <a:off x="2885534" y="1851890"/>
+            <a:ext cx="328613" cy="300037"/>
+          </a:xfrm>
+          <a:prstGeom prst="rect">
+            <a:avLst/>
+          </a:prstGeom>
+          <a:solidFill>
+            <a:schemeClr val="bg1"/>
+          </a:solidFill>
+          <a:ln w="25400"/>
+        </p:spPr>
+        <p:style>
+          <a:lnRef idx="2">
+            <a:schemeClr val="accent1">
+              <a:shade val="50000"/>
+            </a:schemeClr>
+          </a:lnRef>
+          <a:fillRef idx="1">
+            <a:schemeClr val="accent1"/>
+          </a:fillRef>
+          <a:effectRef idx="0">
+            <a:schemeClr val="accent1"/>
+          </a:effectRef>
+          <a:fontRef idx="minor">
+            <a:schemeClr val="lt1"/>
+          </a:fontRef>
+        </p:style>
+        <p:txBody>
+          <a:bodyPr rtlCol="0" anchor="ctr"/>
+          <a:lstStyle/>
+          <a:p>
+            <a:pPr algn="ctr"/>
+            <a:endParaRPr lang="en-US" dirty="0"/>
+          </a:p>
+        </p:txBody>
+      </p:sp>
+      <p:sp>
+        <p:nvSpPr>
+          <p:cNvPr id="39" name="Rectangle 38">
+            <a:extLst>
+              <a:ext uri="{FF2B5EF4-FFF2-40B4-BE49-F238E27FC236}">
+                <a16:creationId xmlns:a16="http://schemas.microsoft.com/office/drawing/2014/main" id="{7ACBF42E-D270-4103-9E4A-3A40A34F6423}"/>
+              </a:ext>
+            </a:extLst>
+          </p:cNvPr>
+          <p:cNvSpPr/>
+          <p:nvPr/>
+        </p:nvSpPr>
+        <p:spPr>
+          <a:xfrm>
+            <a:off x="5428671" y="3645808"/>
+            <a:ext cx="328613" cy="300037"/>
+          </a:xfrm>
+          <a:prstGeom prst="rect">
+            <a:avLst/>
+          </a:prstGeom>
+          <a:noFill/>
+          <a:ln w="25400"/>
+        </p:spPr>
+        <p:style>
+          <a:lnRef idx="2">
+            <a:schemeClr val="accent1">
+              <a:shade val="50000"/>
+            </a:schemeClr>
+          </a:lnRef>
+          <a:fillRef idx="1">
+            <a:schemeClr val="accent1"/>
+          </a:fillRef>
+          <a:effectRef idx="0">
+            <a:schemeClr val="accent1"/>
+          </a:effectRef>
+          <a:fontRef idx="minor">
+            <a:schemeClr val="lt1"/>
+          </a:fontRef>
+        </p:style>
+        <p:txBody>
+          <a:bodyPr rtlCol="0" anchor="ctr"/>
+          <a:lstStyle/>
+          <a:p>
+            <a:pPr algn="ctr"/>
+            <a:endParaRPr lang="en-US" dirty="0"/>
+          </a:p>
+        </p:txBody>
+      </p:sp>
+      <p:sp>
+        <p:nvSpPr>
+          <p:cNvPr id="40" name="Rectangle 39">
+            <a:extLst>
+              <a:ext uri="{FF2B5EF4-FFF2-40B4-BE49-F238E27FC236}">
+                <a16:creationId xmlns:a16="http://schemas.microsoft.com/office/drawing/2014/main" id="{72B8E2D7-B03F-438D-BCE8-DA6C840440DB}"/>
+              </a:ext>
+            </a:extLst>
+          </p:cNvPr>
+          <p:cNvSpPr/>
+          <p:nvPr/>
+        </p:nvSpPr>
+        <p:spPr>
+          <a:xfrm>
+            <a:off x="5446528" y="3224668"/>
+            <a:ext cx="328613" cy="300037"/>
+          </a:xfrm>
+          <a:prstGeom prst="rect">
+            <a:avLst/>
+          </a:prstGeom>
+          <a:noFill/>
+          <a:ln w="25400"/>
+        </p:spPr>
+        <p:style>
+          <a:lnRef idx="2">
+            <a:schemeClr val="accent1">
+              <a:shade val="50000"/>
+            </a:schemeClr>
+          </a:lnRef>
+          <a:fillRef idx="1">
+            <a:schemeClr val="accent1"/>
+          </a:fillRef>
+          <a:effectRef idx="0">
+            <a:schemeClr val="accent1"/>
+          </a:effectRef>
+          <a:fontRef idx="minor">
+            <a:schemeClr val="lt1"/>
+          </a:fontRef>
+        </p:style>
+        <p:txBody>
+          <a:bodyPr rtlCol="0" anchor="ctr"/>
+          <a:lstStyle/>
+          <a:p>
+            <a:pPr algn="ctr"/>
+            <a:endParaRPr lang="en-US" dirty="0"/>
+          </a:p>
+        </p:txBody>
+      </p:sp>
+      <p:sp>
+        <p:nvSpPr>
+          <p:cNvPr id="41" name="Rectangle 40">
+            <a:extLst>
+              <a:ext uri="{FF2B5EF4-FFF2-40B4-BE49-F238E27FC236}">
+                <a16:creationId xmlns:a16="http://schemas.microsoft.com/office/drawing/2014/main" id="{C23275E9-2743-45E6-81CA-C35234AEC757}"/>
+              </a:ext>
+            </a:extLst>
+          </p:cNvPr>
+          <p:cNvSpPr/>
+          <p:nvPr/>
+        </p:nvSpPr>
+        <p:spPr>
+          <a:xfrm>
+            <a:off x="5437010" y="2773251"/>
+            <a:ext cx="328613" cy="300037"/>
+          </a:xfrm>
+          <a:prstGeom prst="rect">
+            <a:avLst/>
+          </a:prstGeom>
+          <a:noFill/>
+          <a:ln w="25400"/>
+        </p:spPr>
+        <p:style>
+          <a:lnRef idx="2">
+            <a:schemeClr val="accent1">
+              <a:shade val="50000"/>
+            </a:schemeClr>
+          </a:lnRef>
+          <a:fillRef idx="1">
+            <a:schemeClr val="accent1"/>
+          </a:fillRef>
+          <a:effectRef idx="0">
+            <a:schemeClr val="accent1"/>
+          </a:effectRef>
+          <a:fontRef idx="minor">
+            <a:schemeClr val="lt1"/>
+          </a:fontRef>
+        </p:style>
+        <p:txBody>
+          <a:bodyPr rtlCol="0" anchor="ctr"/>
+          <a:lstStyle/>
+          <a:p>
+            <a:pPr algn="ctr"/>
+            <a:endParaRPr lang="en-US" dirty="0"/>
+          </a:p>
+        </p:txBody>
+      </p:sp>
+      <p:sp>
+        <p:nvSpPr>
+          <p:cNvPr id="42" name="Rectangle 41">
+            <a:extLst>
+              <a:ext uri="{FF2B5EF4-FFF2-40B4-BE49-F238E27FC236}">
+                <a16:creationId xmlns:a16="http://schemas.microsoft.com/office/drawing/2014/main" id="{5C666176-2C25-476E-A3F3-26E33451EE7C}"/>
+              </a:ext>
+            </a:extLst>
+          </p:cNvPr>
+          <p:cNvSpPr/>
+          <p:nvPr/>
+        </p:nvSpPr>
+        <p:spPr>
+          <a:xfrm>
+            <a:off x="5425096" y="2321834"/>
+            <a:ext cx="328613" cy="300037"/>
+          </a:xfrm>
+          <a:prstGeom prst="rect">
+            <a:avLst/>
+          </a:prstGeom>
+          <a:noFill/>
+          <a:ln w="25400"/>
+        </p:spPr>
+        <p:style>
+          <a:lnRef idx="2">
+            <a:schemeClr val="accent1">
+              <a:shade val="50000"/>
+            </a:schemeClr>
+          </a:lnRef>
+          <a:fillRef idx="1">
+            <a:schemeClr val="accent1"/>
+          </a:fillRef>
+          <a:effectRef idx="0">
+            <a:schemeClr val="accent1"/>
+          </a:effectRef>
+          <a:fontRef idx="minor">
+            <a:schemeClr val="lt1"/>
+          </a:fontRef>
+        </p:style>
+        <p:txBody>
+          <a:bodyPr rtlCol="0" anchor="ctr"/>
+          <a:lstStyle/>
+          <a:p>
+            <a:pPr algn="ctr"/>
+            <a:endParaRPr lang="en-US" dirty="0"/>
+          </a:p>
+        </p:txBody>
+      </p:sp>
+      <p:sp>
+        <p:nvSpPr>
+          <p:cNvPr id="43" name="Rectangle 42">
+            <a:extLst>
+              <a:ext uri="{FF2B5EF4-FFF2-40B4-BE49-F238E27FC236}">
+                <a16:creationId xmlns:a16="http://schemas.microsoft.com/office/drawing/2014/main" id="{FE81A9C3-4FC4-4C7E-87AA-46CC88F291C9}"/>
+              </a:ext>
+            </a:extLst>
+          </p:cNvPr>
+          <p:cNvSpPr/>
+          <p:nvPr/>
+        </p:nvSpPr>
+        <p:spPr>
+          <a:xfrm>
+            <a:off x="5413806" y="1900694"/>
+            <a:ext cx="328613" cy="300037"/>
+          </a:xfrm>
+          <a:prstGeom prst="rect">
+            <a:avLst/>
+          </a:prstGeom>
+          <a:noFill/>
+          <a:ln w="25400"/>
+        </p:spPr>
+        <p:style>
+          <a:lnRef idx="2">
+            <a:schemeClr val="accent1">
+              <a:shade val="50000"/>
+            </a:schemeClr>
+          </a:lnRef>
+          <a:fillRef idx="1">
+            <a:schemeClr val="accent1"/>
+          </a:fillRef>
+          <a:effectRef idx="0">
+            <a:schemeClr val="accent1"/>
+          </a:effectRef>
+          <a:fontRef idx="minor">
+            <a:schemeClr val="lt1"/>
+          </a:fontRef>
+        </p:style>
+        <p:txBody>
+          <a:bodyPr rtlCol="0" anchor="ctr"/>
+          <a:lstStyle/>
+          <a:p>
+            <a:pPr algn="ctr"/>
+            <a:endParaRPr lang="en-US" dirty="0"/>
+          </a:p>
+        </p:txBody>
+      </p:sp>
+      <p:sp>
+        <p:nvSpPr>
+          <p:cNvPr id="44" name="Rectangle 43">
+            <a:extLst>
+              <a:ext uri="{FF2B5EF4-FFF2-40B4-BE49-F238E27FC236}">
+                <a16:creationId xmlns:a16="http://schemas.microsoft.com/office/drawing/2014/main" id="{7F3209C1-B7CC-4DF4-A49F-252765A95F7B}"/>
+              </a:ext>
+            </a:extLst>
+          </p:cNvPr>
+          <p:cNvSpPr/>
+          <p:nvPr/>
+        </p:nvSpPr>
+        <p:spPr>
+          <a:xfrm>
+            <a:off x="3395122" y="1860721"/>
+            <a:ext cx="328613" cy="300037"/>
+          </a:xfrm>
+          <a:prstGeom prst="rect">
+            <a:avLst/>
+          </a:prstGeom>
+          <a:noFill/>
+          <a:ln w="25400"/>
+        </p:spPr>
+        <p:style>
+          <a:lnRef idx="2">
+            <a:schemeClr val="accent1">
+              <a:shade val="50000"/>
+            </a:schemeClr>
+          </a:lnRef>
+          <a:fillRef idx="1">
+            <a:schemeClr val="accent1"/>
+          </a:fillRef>
+          <a:effectRef idx="0">
+            <a:schemeClr val="accent1"/>
+          </a:effectRef>
+          <a:fontRef idx="minor">
+            <a:schemeClr val="lt1"/>
+          </a:fontRef>
+        </p:style>
+        <p:txBody>
+          <a:bodyPr rtlCol="0" anchor="ctr"/>
+          <a:lstStyle/>
+          <a:p>
+            <a:pPr algn="ctr"/>
+            <a:endParaRPr lang="en-US" dirty="0"/>
+          </a:p>
+        </p:txBody>
+      </p:sp>
+      <p:sp>
+        <p:nvSpPr>
+          <p:cNvPr id="45" name="Rectangle 44">
+            <a:extLst>
+              <a:ext uri="{FF2B5EF4-FFF2-40B4-BE49-F238E27FC236}">
+                <a16:creationId xmlns:a16="http://schemas.microsoft.com/office/drawing/2014/main" id="{735CD97E-5E8A-4EF6-BD15-53CAFD8119C9}"/>
+              </a:ext>
+            </a:extLst>
+          </p:cNvPr>
+          <p:cNvSpPr/>
+          <p:nvPr/>
+        </p:nvSpPr>
+        <p:spPr>
+          <a:xfrm>
+            <a:off x="3904710" y="1869552"/>
+            <a:ext cx="328613" cy="300037"/>
+          </a:xfrm>
+          <a:prstGeom prst="rect">
+            <a:avLst/>
+          </a:prstGeom>
+          <a:noFill/>
+          <a:ln w="25400"/>
+        </p:spPr>
+        <p:style>
+          <a:lnRef idx="2">
+            <a:schemeClr val="accent1">
+              <a:shade val="50000"/>
+            </a:schemeClr>
+          </a:lnRef>
+          <a:fillRef idx="1">
+            <a:schemeClr val="accent1"/>
+          </a:fillRef>
+          <a:effectRef idx="0">
+            <a:schemeClr val="accent1"/>
+          </a:effectRef>
+          <a:fontRef idx="minor">
+            <a:schemeClr val="lt1"/>
+          </a:fontRef>
+        </p:style>
+        <p:txBody>
+          <a:bodyPr rtlCol="0" anchor="ctr"/>
+          <a:lstStyle/>
+          <a:p>
+            <a:pPr algn="ctr"/>
+            <a:endParaRPr lang="en-US" dirty="0"/>
+          </a:p>
+        </p:txBody>
+      </p:sp>
+      <p:sp>
+        <p:nvSpPr>
+          <p:cNvPr id="46" name="Rectangle 45">
+            <a:extLst>
+              <a:ext uri="{FF2B5EF4-FFF2-40B4-BE49-F238E27FC236}">
+                <a16:creationId xmlns:a16="http://schemas.microsoft.com/office/drawing/2014/main" id="{DE6EA521-D85E-48A6-9E1E-50FDE4F2F53F}"/>
+              </a:ext>
+            </a:extLst>
+          </p:cNvPr>
+          <p:cNvSpPr/>
+          <p:nvPr/>
+        </p:nvSpPr>
+        <p:spPr>
+          <a:xfrm>
+            <a:off x="4414298" y="1878383"/>
+            <a:ext cx="328613" cy="300037"/>
+          </a:xfrm>
+          <a:prstGeom prst="rect">
+            <a:avLst/>
+          </a:prstGeom>
+          <a:noFill/>
+          <a:ln w="25400"/>
+        </p:spPr>
+        <p:style>
+          <a:lnRef idx="2">
+            <a:schemeClr val="accent1">
+              <a:shade val="50000"/>
+            </a:schemeClr>
+          </a:lnRef>
+          <a:fillRef idx="1">
+            <a:schemeClr val="accent1"/>
+          </a:fillRef>
+          <a:effectRef idx="0">
+            <a:schemeClr val="accent1"/>
+          </a:effectRef>
+          <a:fontRef idx="minor">
+            <a:schemeClr val="lt1"/>
+          </a:fontRef>
+        </p:style>
+        <p:txBody>
+          <a:bodyPr rtlCol="0" anchor="ctr"/>
+          <a:lstStyle/>
+          <a:p>
+            <a:pPr algn="ctr"/>
+            <a:endParaRPr lang="en-US" dirty="0"/>
+          </a:p>
+        </p:txBody>
+      </p:sp>
+      <p:sp>
+        <p:nvSpPr>
+          <p:cNvPr id="47" name="Rectangle 46">
+            <a:extLst>
+              <a:ext uri="{FF2B5EF4-FFF2-40B4-BE49-F238E27FC236}">
+                <a16:creationId xmlns:a16="http://schemas.microsoft.com/office/drawing/2014/main" id="{1C948013-FCF7-41F9-B89B-1EA491174647}"/>
+              </a:ext>
+            </a:extLst>
+          </p:cNvPr>
+          <p:cNvSpPr/>
+          <p:nvPr/>
+        </p:nvSpPr>
+        <p:spPr>
+          <a:xfrm>
+            <a:off x="4923886" y="1887214"/>
+            <a:ext cx="328613" cy="300037"/>
+          </a:xfrm>
+          <a:prstGeom prst="rect">
+            <a:avLst/>
+          </a:prstGeom>
+          <a:noFill/>
+          <a:ln w="25400"/>
+        </p:spPr>
+        <p:style>
+          <a:lnRef idx="2">
+            <a:schemeClr val="accent1">
+              <a:shade val="50000"/>
+            </a:schemeClr>
+          </a:lnRef>
+          <a:fillRef idx="1">
+            <a:schemeClr val="accent1"/>
+          </a:fillRef>
+          <a:effectRef idx="0">
+            <a:schemeClr val="accent1"/>
+          </a:effectRef>
+          <a:fontRef idx="minor">
+            <a:schemeClr val="lt1"/>
+          </a:fontRef>
+        </p:style>
+        <p:txBody>
+          <a:bodyPr rtlCol="0" anchor="ctr"/>
+          <a:lstStyle/>
+          <a:p>
+            <a:pPr algn="ctr"/>
+            <a:endParaRPr lang="en-US" dirty="0"/>
+          </a:p>
+        </p:txBody>
+      </p:sp>
+      <p:sp>
+        <p:nvSpPr>
+          <p:cNvPr id="55" name="Rectangle 54">
+            <a:extLst>
+              <a:ext uri="{FF2B5EF4-FFF2-40B4-BE49-F238E27FC236}">
+                <a16:creationId xmlns:a16="http://schemas.microsoft.com/office/drawing/2014/main" id="{42B5502F-51B8-40CE-ADB3-D6DD4440F6DE}"/>
+              </a:ext>
+            </a:extLst>
+          </p:cNvPr>
+          <p:cNvSpPr/>
+          <p:nvPr/>
+        </p:nvSpPr>
+        <p:spPr>
+          <a:xfrm>
+            <a:off x="2914117" y="4071929"/>
+            <a:ext cx="328613" cy="300037"/>
+          </a:xfrm>
+          <a:prstGeom prst="rect">
+            <a:avLst/>
+          </a:prstGeom>
+          <a:solidFill>
+            <a:schemeClr val="bg1"/>
+          </a:solidFill>
+          <a:ln w="25400"/>
+        </p:spPr>
+        <p:style>
+          <a:lnRef idx="2">
+            <a:schemeClr val="accent1">
+              <a:shade val="50000"/>
+            </a:schemeClr>
+          </a:lnRef>
+          <a:fillRef idx="1">
+            <a:schemeClr val="accent1"/>
+          </a:fillRef>
+          <a:effectRef idx="0">
+            <a:schemeClr val="accent1"/>
+          </a:effectRef>
+          <a:fontRef idx="minor">
+            <a:schemeClr val="lt1"/>
+          </a:fontRef>
+        </p:style>
+        <p:txBody>
+          <a:bodyPr rtlCol="0" anchor="ctr"/>
+          <a:lstStyle/>
+          <a:p>
+            <a:pPr algn="ctr"/>
+            <a:endParaRPr lang="en-US" dirty="0"/>
+          </a:p>
+        </p:txBody>
+      </p:sp>
+      <p:sp>
+        <p:nvSpPr>
+          <p:cNvPr id="57" name="Rectangle 56">
+            <a:extLst>
+              <a:ext uri="{FF2B5EF4-FFF2-40B4-BE49-F238E27FC236}">
+                <a16:creationId xmlns:a16="http://schemas.microsoft.com/office/drawing/2014/main" id="{521FDE21-7610-4FC2-ADAF-6010F82546BD}"/>
+              </a:ext>
+            </a:extLst>
+          </p:cNvPr>
+          <p:cNvSpPr/>
+          <p:nvPr/>
+        </p:nvSpPr>
+        <p:spPr>
+          <a:xfrm>
+            <a:off x="5446528" y="4080761"/>
+            <a:ext cx="328613" cy="300037"/>
+          </a:xfrm>
+          <a:prstGeom prst="rect">
+            <a:avLst/>
+          </a:prstGeom>
+          <a:noFill/>
+          <a:ln w="25400"/>
+        </p:spPr>
+        <p:style>
+          <a:lnRef idx="2">
+            <a:schemeClr val="accent1">
+              <a:shade val="50000"/>
+            </a:schemeClr>
+          </a:lnRef>
+          <a:fillRef idx="1">
+            <a:schemeClr val="accent1"/>
+          </a:fillRef>
+          <a:effectRef idx="0">
+            <a:schemeClr val="accent1"/>
+          </a:effectRef>
+          <a:fontRef idx="minor">
+            <a:schemeClr val="lt1"/>
+          </a:fontRef>
+        </p:style>
+        <p:txBody>
+          <a:bodyPr rtlCol="0" anchor="ctr"/>
+          <a:lstStyle/>
+          <a:p>
+            <a:pPr algn="ctr"/>
+            <a:endParaRPr lang="en-US" dirty="0"/>
+          </a:p>
+        </p:txBody>
+      </p:sp>
+      <p:sp>
+        <p:nvSpPr>
+          <p:cNvPr id="59" name="Rectangle 58">
+            <a:extLst>
+              <a:ext uri="{FF2B5EF4-FFF2-40B4-BE49-F238E27FC236}">
+                <a16:creationId xmlns:a16="http://schemas.microsoft.com/office/drawing/2014/main" id="{A5C7A4FE-6318-4F1B-AC2F-A7AB7802B67E}"/>
+              </a:ext>
+            </a:extLst>
+          </p:cNvPr>
+          <p:cNvSpPr/>
+          <p:nvPr/>
+        </p:nvSpPr>
+        <p:spPr>
+          <a:xfrm>
+            <a:off x="3423705" y="4080760"/>
+            <a:ext cx="328613" cy="300037"/>
+          </a:xfrm>
+          <a:prstGeom prst="rect">
+            <a:avLst/>
+          </a:prstGeom>
+          <a:noFill/>
+          <a:ln w="25400"/>
+        </p:spPr>
+        <p:style>
+          <a:lnRef idx="2">
+            <a:schemeClr val="accent1">
+              <a:shade val="50000"/>
+            </a:schemeClr>
+          </a:lnRef>
+          <a:fillRef idx="1">
+            <a:schemeClr val="accent1"/>
+          </a:fillRef>
+          <a:effectRef idx="0">
+            <a:schemeClr val="accent1"/>
+          </a:effectRef>
+          <a:fontRef idx="minor">
+            <a:schemeClr val="lt1"/>
+          </a:fontRef>
+        </p:style>
+        <p:txBody>
+          <a:bodyPr rtlCol="0" anchor="ctr"/>
+          <a:lstStyle/>
+          <a:p>
+            <a:pPr algn="ctr"/>
+            <a:endParaRPr lang="en-US" dirty="0"/>
+          </a:p>
+        </p:txBody>
+      </p:sp>
+      <p:sp>
+        <p:nvSpPr>
+          <p:cNvPr id="61" name="Rectangle 60">
+            <a:extLst>
+              <a:ext uri="{FF2B5EF4-FFF2-40B4-BE49-F238E27FC236}">
+                <a16:creationId xmlns:a16="http://schemas.microsoft.com/office/drawing/2014/main" id="{8253720D-FBA7-46AD-9CF6-788E3620FD34}"/>
+              </a:ext>
+            </a:extLst>
+          </p:cNvPr>
+          <p:cNvSpPr/>
+          <p:nvPr/>
+        </p:nvSpPr>
+        <p:spPr>
+          <a:xfrm>
+            <a:off x="3914936" y="4063773"/>
+            <a:ext cx="328613" cy="300037"/>
+          </a:xfrm>
+          <a:prstGeom prst="rect">
+            <a:avLst/>
+          </a:prstGeom>
+          <a:noFill/>
+          <a:ln w="25400"/>
+        </p:spPr>
+        <p:style>
+          <a:lnRef idx="2">
+            <a:schemeClr val="accent1">
+              <a:shade val="50000"/>
+            </a:schemeClr>
+          </a:lnRef>
+          <a:fillRef idx="1">
+            <a:schemeClr val="accent1"/>
+          </a:fillRef>
+          <a:effectRef idx="0">
+            <a:schemeClr val="accent1"/>
+          </a:effectRef>
+          <a:fontRef idx="minor">
+            <a:schemeClr val="lt1"/>
+          </a:fontRef>
+        </p:style>
+        <p:txBody>
+          <a:bodyPr rtlCol="0" anchor="ctr"/>
+          <a:lstStyle/>
+          <a:p>
+            <a:pPr algn="ctr"/>
+            <a:endParaRPr lang="en-US" dirty="0"/>
+          </a:p>
+        </p:txBody>
+      </p:sp>
+      <p:sp>
+        <p:nvSpPr>
+          <p:cNvPr id="62" name="Rectangle 61">
+            <a:extLst>
+              <a:ext uri="{FF2B5EF4-FFF2-40B4-BE49-F238E27FC236}">
+                <a16:creationId xmlns:a16="http://schemas.microsoft.com/office/drawing/2014/main" id="{9537FC6C-3B5C-4C7E-8E64-CFCAA74BF501}"/>
+              </a:ext>
+            </a:extLst>
+          </p:cNvPr>
+          <p:cNvSpPr/>
+          <p:nvPr/>
+        </p:nvSpPr>
+        <p:spPr>
+          <a:xfrm>
+            <a:off x="4403003" y="4083132"/>
+            <a:ext cx="328613" cy="300037"/>
+          </a:xfrm>
+          <a:prstGeom prst="rect">
+            <a:avLst/>
+          </a:prstGeom>
+          <a:noFill/>
+          <a:ln w="25400"/>
+        </p:spPr>
+        <p:style>
+          <a:lnRef idx="2">
+            <a:schemeClr val="accent1">
+              <a:shade val="50000"/>
+            </a:schemeClr>
+          </a:lnRef>
+          <a:fillRef idx="1">
+            <a:schemeClr val="accent1"/>
+          </a:fillRef>
+          <a:effectRef idx="0">
+            <a:schemeClr val="accent1"/>
+          </a:effectRef>
+          <a:fontRef idx="minor">
+            <a:schemeClr val="lt1"/>
+          </a:fontRef>
+        </p:style>
+        <p:txBody>
+          <a:bodyPr rtlCol="0" anchor="ctr"/>
+          <a:lstStyle/>
+          <a:p>
+            <a:pPr algn="ctr"/>
+            <a:endParaRPr lang="en-US" dirty="0"/>
+          </a:p>
+        </p:txBody>
+      </p:sp>
+      <p:sp>
+        <p:nvSpPr>
+          <p:cNvPr id="63" name="Rectangle 62">
+            <a:extLst>
+              <a:ext uri="{FF2B5EF4-FFF2-40B4-BE49-F238E27FC236}">
+                <a16:creationId xmlns:a16="http://schemas.microsoft.com/office/drawing/2014/main" id="{844E1144-0E70-47A9-B7D4-1EA5E2B75DF3}"/>
+              </a:ext>
+            </a:extLst>
+          </p:cNvPr>
+          <p:cNvSpPr/>
+          <p:nvPr/>
+        </p:nvSpPr>
+        <p:spPr>
+          <a:xfrm>
+            <a:off x="4912591" y="4082438"/>
+            <a:ext cx="328613" cy="300037"/>
+          </a:xfrm>
+          <a:prstGeom prst="rect">
+            <a:avLst/>
+          </a:prstGeom>
+          <a:noFill/>
+          <a:ln w="25400"/>
+        </p:spPr>
+        <p:style>
+          <a:lnRef idx="2">
+            <a:schemeClr val="accent1">
+              <a:shade val="50000"/>
+            </a:schemeClr>
+          </a:lnRef>
+          <a:fillRef idx="1">
+            <a:schemeClr val="accent1"/>
+          </a:fillRef>
+          <a:effectRef idx="0">
+            <a:schemeClr val="accent1"/>
+          </a:effectRef>
+          <a:fontRef idx="minor">
+            <a:schemeClr val="lt1"/>
+          </a:fontRef>
+        </p:style>
+        <p:txBody>
+          <a:bodyPr rtlCol="0" anchor="ctr"/>
+          <a:lstStyle/>
+          <a:p>
+            <a:pPr algn="ctr"/>
+            <a:endParaRPr lang="en-US" dirty="0"/>
+          </a:p>
+        </p:txBody>
+      </p:sp>
+      <p:sp>
+        <p:nvSpPr>
+          <p:cNvPr id="77" name="Rectangle 76">
+            <a:extLst>
+              <a:ext uri="{FF2B5EF4-FFF2-40B4-BE49-F238E27FC236}">
+                <a16:creationId xmlns:a16="http://schemas.microsoft.com/office/drawing/2014/main" id="{58F81ED8-0DEC-4C7E-B6E0-8228F931E587}"/>
+              </a:ext>
+            </a:extLst>
+          </p:cNvPr>
+          <p:cNvSpPr/>
+          <p:nvPr/>
+        </p:nvSpPr>
+        <p:spPr>
+          <a:xfrm>
+            <a:off x="8289409" y="2393965"/>
+            <a:ext cx="328613" cy="300037"/>
+          </a:xfrm>
+          <a:prstGeom prst="rect">
+            <a:avLst/>
+          </a:prstGeom>
+          <a:solidFill>
+            <a:schemeClr val="bg1">
+              <a:lumMod val="50000"/>
+            </a:schemeClr>
+          </a:solidFill>
+          <a:ln w="25400"/>
+        </p:spPr>
+        <p:style>
+          <a:lnRef idx="2">
+            <a:schemeClr val="accent1">
+              <a:shade val="50000"/>
+            </a:schemeClr>
+          </a:lnRef>
+          <a:fillRef idx="1">
+            <a:schemeClr val="accent1"/>
+          </a:fillRef>
+          <a:effectRef idx="0">
+            <a:schemeClr val="accent1"/>
+          </a:effectRef>
+          <a:fontRef idx="minor">
+            <a:schemeClr val="lt1"/>
+          </a:fontRef>
+        </p:style>
+        <p:txBody>
+          <a:bodyPr rtlCol="0" anchor="ctr"/>
+          <a:lstStyle/>
+          <a:p>
+            <a:pPr algn="ctr"/>
+            <a:endParaRPr lang="en-US" dirty="0"/>
+          </a:p>
+        </p:txBody>
+      </p:sp>
+      <p:sp>
+        <p:nvSpPr>
+          <p:cNvPr id="78" name="Rectangle 77">
+            <a:extLst>
+              <a:ext uri="{FF2B5EF4-FFF2-40B4-BE49-F238E27FC236}">
+                <a16:creationId xmlns:a16="http://schemas.microsoft.com/office/drawing/2014/main" id="{09F29F17-66E0-4B88-A861-CCAE5B3895C9}"/>
+              </a:ext>
+            </a:extLst>
+          </p:cNvPr>
+          <p:cNvSpPr/>
+          <p:nvPr/>
+        </p:nvSpPr>
+        <p:spPr>
+          <a:xfrm>
+            <a:off x="7796492" y="2402841"/>
+            <a:ext cx="328613" cy="272761"/>
+          </a:xfrm>
+          <a:prstGeom prst="rect">
+            <a:avLst/>
+          </a:prstGeom>
+          <a:solidFill>
+            <a:schemeClr val="bg1">
+              <a:lumMod val="50000"/>
+            </a:schemeClr>
+          </a:solidFill>
+          <a:ln w="25400"/>
+        </p:spPr>
+        <p:style>
+          <a:lnRef idx="2">
+            <a:schemeClr val="accent1">
+              <a:shade val="50000"/>
+            </a:schemeClr>
+          </a:lnRef>
+          <a:fillRef idx="1">
+            <a:schemeClr val="accent1"/>
+          </a:fillRef>
+          <a:effectRef idx="0">
+            <a:schemeClr val="accent1"/>
+          </a:effectRef>
+          <a:fontRef idx="minor">
+            <a:schemeClr val="lt1"/>
+          </a:fontRef>
+        </p:style>
+        <p:txBody>
+          <a:bodyPr rtlCol="0" anchor="ctr"/>
+          <a:lstStyle/>
+          <a:p>
+            <a:pPr algn="ctr"/>
+            <a:endParaRPr lang="en-US" dirty="0"/>
+          </a:p>
+        </p:txBody>
+      </p:sp>
+      <p:sp>
+        <p:nvSpPr>
+          <p:cNvPr id="79" name="Rectangle 78">
+            <a:extLst>
+              <a:ext uri="{FF2B5EF4-FFF2-40B4-BE49-F238E27FC236}">
+                <a16:creationId xmlns:a16="http://schemas.microsoft.com/office/drawing/2014/main" id="{5D58FA56-0056-472D-893E-22C30821DEFA}"/>
+              </a:ext>
+            </a:extLst>
+          </p:cNvPr>
+          <p:cNvSpPr/>
+          <p:nvPr/>
+        </p:nvSpPr>
+        <p:spPr>
+          <a:xfrm>
+            <a:off x="8782326" y="2389203"/>
+            <a:ext cx="328613" cy="300037"/>
+          </a:xfrm>
+          <a:prstGeom prst="rect">
+            <a:avLst/>
+          </a:prstGeom>
+          <a:solidFill>
+            <a:schemeClr val="bg1">
+              <a:lumMod val="50000"/>
+            </a:schemeClr>
+          </a:solidFill>
+          <a:ln w="25400"/>
+        </p:spPr>
+        <p:style>
+          <a:lnRef idx="2">
+            <a:schemeClr val="accent1">
+              <a:shade val="50000"/>
+            </a:schemeClr>
+          </a:lnRef>
+          <a:fillRef idx="1">
+            <a:schemeClr val="accent1"/>
+          </a:fillRef>
+          <a:effectRef idx="0">
+            <a:schemeClr val="accent1"/>
+          </a:effectRef>
+          <a:fontRef idx="minor">
+            <a:schemeClr val="lt1"/>
+          </a:fontRef>
+        </p:style>
+        <p:txBody>
+          <a:bodyPr rtlCol="0" anchor="ctr"/>
+          <a:lstStyle/>
+          <a:p>
+            <a:pPr algn="ctr"/>
+            <a:endParaRPr lang="en-US" dirty="0"/>
+          </a:p>
+        </p:txBody>
+      </p:sp>
+      <p:sp>
+        <p:nvSpPr>
+          <p:cNvPr id="80" name="Rectangle 79">
+            <a:extLst>
+              <a:ext uri="{FF2B5EF4-FFF2-40B4-BE49-F238E27FC236}">
+                <a16:creationId xmlns:a16="http://schemas.microsoft.com/office/drawing/2014/main" id="{B07253D0-1B27-49C8-9103-DAF5B6F9C98D}"/>
+              </a:ext>
+            </a:extLst>
+          </p:cNvPr>
+          <p:cNvSpPr/>
+          <p:nvPr/>
+        </p:nvSpPr>
+        <p:spPr>
+          <a:xfrm>
+            <a:off x="9275243" y="2389203"/>
+            <a:ext cx="328613" cy="300037"/>
+          </a:xfrm>
+          <a:prstGeom prst="rect">
+            <a:avLst/>
+          </a:prstGeom>
+          <a:solidFill>
+            <a:schemeClr val="bg1">
+              <a:lumMod val="50000"/>
+            </a:schemeClr>
+          </a:solidFill>
+          <a:ln w="25400"/>
+        </p:spPr>
+        <p:style>
+          <a:lnRef idx="2">
+            <a:schemeClr val="accent1">
+              <a:shade val="50000"/>
+            </a:schemeClr>
+          </a:lnRef>
+          <a:fillRef idx="1">
+            <a:schemeClr val="accent1"/>
+          </a:fillRef>
+          <a:effectRef idx="0">
+            <a:schemeClr val="accent1"/>
+          </a:effectRef>
+          <a:fontRef idx="minor">
+            <a:schemeClr val="lt1"/>
+          </a:fontRef>
+        </p:style>
+        <p:txBody>
+          <a:bodyPr rtlCol="0" anchor="ctr"/>
+          <a:lstStyle/>
+          <a:p>
+            <a:pPr algn="ctr"/>
+            <a:endParaRPr lang="en-US" dirty="0"/>
+          </a:p>
+        </p:txBody>
+      </p:sp>
+      <p:sp>
+        <p:nvSpPr>
+          <p:cNvPr id="81" name="Rectangle 80">
+            <a:extLst>
+              <a:ext uri="{FF2B5EF4-FFF2-40B4-BE49-F238E27FC236}">
+                <a16:creationId xmlns:a16="http://schemas.microsoft.com/office/drawing/2014/main" id="{77758E8F-6FC8-40F0-8483-504FFB0ED99A}"/>
+              </a:ext>
+            </a:extLst>
+          </p:cNvPr>
+          <p:cNvSpPr/>
+          <p:nvPr/>
+        </p:nvSpPr>
+        <p:spPr>
+          <a:xfrm>
+            <a:off x="8289409" y="2836877"/>
+            <a:ext cx="328613" cy="300037"/>
+          </a:xfrm>
+          <a:prstGeom prst="rect">
+            <a:avLst/>
+          </a:prstGeom>
+          <a:solidFill>
+            <a:schemeClr val="bg1">
+              <a:lumMod val="50000"/>
+            </a:schemeClr>
+          </a:solidFill>
+          <a:ln w="25400"/>
+        </p:spPr>
+        <p:style>
+          <a:lnRef idx="2">
+            <a:schemeClr val="accent1">
+              <a:shade val="50000"/>
+            </a:schemeClr>
+          </a:lnRef>
+          <a:fillRef idx="1">
+            <a:schemeClr val="accent1"/>
+          </a:fillRef>
+          <a:effectRef idx="0">
+            <a:schemeClr val="accent1"/>
+          </a:effectRef>
+          <a:fontRef idx="minor">
+            <a:schemeClr val="lt1"/>
+          </a:fontRef>
+        </p:style>
+        <p:txBody>
+          <a:bodyPr rtlCol="0" anchor="ctr"/>
+          <a:lstStyle/>
+          <a:p>
+            <a:pPr algn="ctr"/>
+            <a:endParaRPr lang="en-US" dirty="0"/>
+          </a:p>
+        </p:txBody>
+      </p:sp>
+      <p:sp>
+        <p:nvSpPr>
+          <p:cNvPr id="82" name="Rectangle 81">
+            <a:extLst>
+              <a:ext uri="{FF2B5EF4-FFF2-40B4-BE49-F238E27FC236}">
+                <a16:creationId xmlns:a16="http://schemas.microsoft.com/office/drawing/2014/main" id="{4C62AAFF-2871-4E98-ACB1-DF69A279DC76}"/>
+              </a:ext>
+            </a:extLst>
+          </p:cNvPr>
+          <p:cNvSpPr/>
+          <p:nvPr/>
+        </p:nvSpPr>
+        <p:spPr>
+          <a:xfrm>
+            <a:off x="7796492" y="2832115"/>
+            <a:ext cx="328613" cy="300037"/>
+          </a:xfrm>
+          <a:prstGeom prst="rect">
+            <a:avLst/>
+          </a:prstGeom>
+          <a:solidFill>
+            <a:schemeClr val="bg1">
+              <a:lumMod val="50000"/>
+            </a:schemeClr>
+          </a:solidFill>
+          <a:ln w="25400"/>
+        </p:spPr>
+        <p:style>
+          <a:lnRef idx="2">
+            <a:schemeClr val="accent1">
+              <a:shade val="50000"/>
+            </a:schemeClr>
+          </a:lnRef>
+          <a:fillRef idx="1">
+            <a:schemeClr val="accent1"/>
+          </a:fillRef>
+          <a:effectRef idx="0">
+            <a:schemeClr val="accent1"/>
+          </a:effectRef>
+          <a:fontRef idx="minor">
+            <a:schemeClr val="lt1"/>
+          </a:fontRef>
+        </p:style>
+        <p:txBody>
+          <a:bodyPr rtlCol="0" anchor="ctr"/>
+          <a:lstStyle/>
+          <a:p>
+            <a:pPr algn="ctr"/>
+            <a:endParaRPr lang="en-US" dirty="0"/>
+          </a:p>
+        </p:txBody>
+      </p:sp>
+      <p:sp>
+        <p:nvSpPr>
+          <p:cNvPr id="83" name="Rectangle 82">
+            <a:extLst>
+              <a:ext uri="{FF2B5EF4-FFF2-40B4-BE49-F238E27FC236}">
+                <a16:creationId xmlns:a16="http://schemas.microsoft.com/office/drawing/2014/main" id="{4C6636D5-1690-4C81-A106-5826423126F4}"/>
+              </a:ext>
+            </a:extLst>
+          </p:cNvPr>
+          <p:cNvSpPr/>
+          <p:nvPr/>
+        </p:nvSpPr>
+        <p:spPr>
+          <a:xfrm>
+            <a:off x="8782326" y="2832115"/>
+            <a:ext cx="328613" cy="300037"/>
+          </a:xfrm>
+          <a:prstGeom prst="rect">
+            <a:avLst/>
+          </a:prstGeom>
+          <a:solidFill>
+            <a:schemeClr val="bg1">
+              <a:lumMod val="50000"/>
+            </a:schemeClr>
+          </a:solidFill>
+          <a:ln w="25400"/>
+        </p:spPr>
+        <p:style>
+          <a:lnRef idx="2">
+            <a:schemeClr val="accent1">
+              <a:shade val="50000"/>
+            </a:schemeClr>
+          </a:lnRef>
+          <a:fillRef idx="1">
+            <a:schemeClr val="accent1"/>
+          </a:fillRef>
+          <a:effectRef idx="0">
+            <a:schemeClr val="accent1"/>
+          </a:effectRef>
+          <a:fontRef idx="minor">
+            <a:schemeClr val="lt1"/>
+          </a:fontRef>
+        </p:style>
+        <p:txBody>
+          <a:bodyPr rtlCol="0" anchor="ctr"/>
+          <a:lstStyle/>
+          <a:p>
+            <a:pPr algn="ctr"/>
+            <a:endParaRPr lang="en-US" dirty="0"/>
+          </a:p>
+        </p:txBody>
+      </p:sp>
+      <p:sp>
+        <p:nvSpPr>
+          <p:cNvPr id="84" name="Rectangle 83">
+            <a:extLst>
+              <a:ext uri="{FF2B5EF4-FFF2-40B4-BE49-F238E27FC236}">
+                <a16:creationId xmlns:a16="http://schemas.microsoft.com/office/drawing/2014/main" id="{6367C8DC-5D89-4746-8C8A-16A64A4A5562}"/>
+              </a:ext>
+            </a:extLst>
+          </p:cNvPr>
+          <p:cNvSpPr/>
+          <p:nvPr/>
+        </p:nvSpPr>
+        <p:spPr>
+          <a:xfrm>
+            <a:off x="9275243" y="2832115"/>
+            <a:ext cx="328613" cy="300037"/>
+          </a:xfrm>
+          <a:prstGeom prst="rect">
+            <a:avLst/>
+          </a:prstGeom>
+          <a:solidFill>
+            <a:schemeClr val="bg1">
+              <a:lumMod val="50000"/>
+            </a:schemeClr>
+          </a:solidFill>
+          <a:ln w="25400"/>
+        </p:spPr>
+        <p:style>
+          <a:lnRef idx="2">
+            <a:schemeClr val="accent1">
+              <a:shade val="50000"/>
+            </a:schemeClr>
+          </a:lnRef>
+          <a:fillRef idx="1">
+            <a:schemeClr val="accent1"/>
+          </a:fillRef>
+          <a:effectRef idx="0">
+            <a:schemeClr val="accent1"/>
+          </a:effectRef>
+          <a:fontRef idx="minor">
+            <a:schemeClr val="lt1"/>
+          </a:fontRef>
+        </p:style>
+        <p:txBody>
+          <a:bodyPr rtlCol="0" anchor="ctr"/>
+          <a:lstStyle/>
+          <a:p>
+            <a:pPr algn="ctr"/>
+            <a:endParaRPr lang="en-US" dirty="0"/>
+          </a:p>
+        </p:txBody>
+      </p:sp>
+      <p:sp>
+        <p:nvSpPr>
+          <p:cNvPr id="85" name="Rectangle 84">
+            <a:extLst>
+              <a:ext uri="{FF2B5EF4-FFF2-40B4-BE49-F238E27FC236}">
+                <a16:creationId xmlns:a16="http://schemas.microsoft.com/office/drawing/2014/main" id="{57F78736-6AE4-4533-8080-A4D4E7D8D891}"/>
+              </a:ext>
+            </a:extLst>
+          </p:cNvPr>
+          <p:cNvSpPr/>
+          <p:nvPr/>
+        </p:nvSpPr>
+        <p:spPr>
+          <a:xfrm>
+            <a:off x="8289409" y="3279789"/>
+            <a:ext cx="328613" cy="300037"/>
+          </a:xfrm>
+          <a:prstGeom prst="rect">
+            <a:avLst/>
+          </a:prstGeom>
+          <a:solidFill>
+            <a:schemeClr val="bg1">
+              <a:lumMod val="50000"/>
+            </a:schemeClr>
+          </a:solidFill>
+          <a:ln w="25400"/>
+        </p:spPr>
+        <p:style>
+          <a:lnRef idx="2">
+            <a:schemeClr val="accent1">
+              <a:shade val="50000"/>
+            </a:schemeClr>
+          </a:lnRef>
+          <a:fillRef idx="1">
+            <a:schemeClr val="accent1"/>
+          </a:fillRef>
+          <a:effectRef idx="0">
+            <a:schemeClr val="accent1"/>
+          </a:effectRef>
+          <a:fontRef idx="minor">
+            <a:schemeClr val="lt1"/>
+          </a:fontRef>
+        </p:style>
+        <p:txBody>
+          <a:bodyPr rtlCol="0" anchor="ctr"/>
+          <a:lstStyle/>
+          <a:p>
+            <a:pPr algn="ctr"/>
+            <a:endParaRPr lang="en-US" dirty="0"/>
+          </a:p>
+        </p:txBody>
+      </p:sp>
+      <p:sp>
+        <p:nvSpPr>
+          <p:cNvPr id="86" name="Rectangle 85">
+            <a:extLst>
+              <a:ext uri="{FF2B5EF4-FFF2-40B4-BE49-F238E27FC236}">
+                <a16:creationId xmlns:a16="http://schemas.microsoft.com/office/drawing/2014/main" id="{350749BF-E4CB-4212-BCC1-1CBCBC5B45A0}"/>
+              </a:ext>
+            </a:extLst>
+          </p:cNvPr>
+          <p:cNvSpPr/>
+          <p:nvPr/>
+        </p:nvSpPr>
+        <p:spPr>
+          <a:xfrm>
+            <a:off x="7796492" y="3275027"/>
+            <a:ext cx="328613" cy="300037"/>
+          </a:xfrm>
+          <a:prstGeom prst="rect">
+            <a:avLst/>
+          </a:prstGeom>
+          <a:solidFill>
+            <a:schemeClr val="bg1">
+              <a:lumMod val="50000"/>
+            </a:schemeClr>
+          </a:solidFill>
+          <a:ln w="25400"/>
+        </p:spPr>
+        <p:style>
+          <a:lnRef idx="2">
+            <a:schemeClr val="accent1">
+              <a:shade val="50000"/>
+            </a:schemeClr>
+          </a:lnRef>
+          <a:fillRef idx="1">
+            <a:schemeClr val="accent1"/>
+          </a:fillRef>
+          <a:effectRef idx="0">
+            <a:schemeClr val="accent1"/>
+          </a:effectRef>
+          <a:fontRef idx="minor">
+            <a:schemeClr val="lt1"/>
+          </a:fontRef>
+        </p:style>
+        <p:txBody>
+          <a:bodyPr rtlCol="0" anchor="ctr"/>
+          <a:lstStyle/>
+          <a:p>
+            <a:pPr algn="ctr"/>
+            <a:endParaRPr lang="en-US" dirty="0"/>
+          </a:p>
+        </p:txBody>
+      </p:sp>
+      <p:sp>
+        <p:nvSpPr>
+          <p:cNvPr id="87" name="Rectangle 86">
+            <a:extLst>
+              <a:ext uri="{FF2B5EF4-FFF2-40B4-BE49-F238E27FC236}">
+                <a16:creationId xmlns:a16="http://schemas.microsoft.com/office/drawing/2014/main" id="{383D0A08-87C8-4ACC-9100-34C92BD75000}"/>
+              </a:ext>
+            </a:extLst>
+          </p:cNvPr>
+          <p:cNvSpPr/>
+          <p:nvPr/>
+        </p:nvSpPr>
+        <p:spPr>
+          <a:xfrm>
+            <a:off x="8782326" y="3275027"/>
+            <a:ext cx="328613" cy="300037"/>
+          </a:xfrm>
+          <a:prstGeom prst="rect">
+            <a:avLst/>
+          </a:prstGeom>
+          <a:solidFill>
+            <a:schemeClr val="bg1">
+              <a:lumMod val="50000"/>
+            </a:schemeClr>
+          </a:solidFill>
+          <a:ln w="25400"/>
+        </p:spPr>
+        <p:style>
+          <a:lnRef idx="2">
+            <a:schemeClr val="accent1">
+              <a:shade val="50000"/>
+            </a:schemeClr>
+          </a:lnRef>
+          <a:fillRef idx="1">
+            <a:schemeClr val="accent1"/>
+          </a:fillRef>
+          <a:effectRef idx="0">
+            <a:schemeClr val="accent1"/>
+          </a:effectRef>
+          <a:fontRef idx="minor">
+            <a:schemeClr val="lt1"/>
+          </a:fontRef>
+        </p:style>
+        <p:txBody>
+          <a:bodyPr rtlCol="0" anchor="ctr"/>
+          <a:lstStyle/>
+          <a:p>
+            <a:pPr algn="ctr"/>
+            <a:endParaRPr lang="en-US" dirty="0"/>
+          </a:p>
+        </p:txBody>
+      </p:sp>
+      <p:sp>
+        <p:nvSpPr>
+          <p:cNvPr id="88" name="Rectangle 87">
+            <a:extLst>
+              <a:ext uri="{FF2B5EF4-FFF2-40B4-BE49-F238E27FC236}">
+                <a16:creationId xmlns:a16="http://schemas.microsoft.com/office/drawing/2014/main" id="{BF9EBFD8-B5F7-445D-BEE5-C664E0C117B7}"/>
+              </a:ext>
+            </a:extLst>
+          </p:cNvPr>
+          <p:cNvSpPr/>
+          <p:nvPr/>
+        </p:nvSpPr>
+        <p:spPr>
+          <a:xfrm>
+            <a:off x="9275243" y="3275027"/>
+            <a:ext cx="328613" cy="300037"/>
+          </a:xfrm>
+          <a:prstGeom prst="rect">
+            <a:avLst/>
+          </a:prstGeom>
+          <a:solidFill>
+            <a:schemeClr val="bg1">
+              <a:lumMod val="50000"/>
+            </a:schemeClr>
+          </a:solidFill>
+          <a:ln w="25400"/>
+        </p:spPr>
+        <p:style>
+          <a:lnRef idx="2">
+            <a:schemeClr val="accent1">
+              <a:shade val="50000"/>
+            </a:schemeClr>
+          </a:lnRef>
+          <a:fillRef idx="1">
+            <a:schemeClr val="accent1"/>
+          </a:fillRef>
+          <a:effectRef idx="0">
+            <a:schemeClr val="accent1"/>
+          </a:effectRef>
+          <a:fontRef idx="minor">
+            <a:schemeClr val="lt1"/>
+          </a:fontRef>
+        </p:style>
+        <p:txBody>
+          <a:bodyPr rtlCol="0" anchor="ctr"/>
+          <a:lstStyle/>
+          <a:p>
+            <a:pPr algn="ctr"/>
+            <a:endParaRPr lang="en-US" dirty="0"/>
+          </a:p>
+        </p:txBody>
+      </p:sp>
+      <p:sp>
+        <p:nvSpPr>
+          <p:cNvPr id="89" name="Rectangle 88">
+            <a:extLst>
+              <a:ext uri="{FF2B5EF4-FFF2-40B4-BE49-F238E27FC236}">
+                <a16:creationId xmlns:a16="http://schemas.microsoft.com/office/drawing/2014/main" id="{C576DABA-7040-4DFE-AE68-F567BCA9D33C}"/>
+              </a:ext>
+            </a:extLst>
+          </p:cNvPr>
+          <p:cNvSpPr/>
+          <p:nvPr/>
+        </p:nvSpPr>
+        <p:spPr>
+          <a:xfrm>
+            <a:off x="8289409" y="3722701"/>
+            <a:ext cx="328613" cy="300037"/>
+          </a:xfrm>
+          <a:prstGeom prst="rect">
+            <a:avLst/>
+          </a:prstGeom>
+          <a:solidFill>
+            <a:schemeClr val="bg1">
+              <a:lumMod val="50000"/>
+            </a:schemeClr>
+          </a:solidFill>
+          <a:ln w="25400"/>
+        </p:spPr>
+        <p:style>
+          <a:lnRef idx="2">
+            <a:schemeClr val="accent1">
+              <a:shade val="50000"/>
+            </a:schemeClr>
+          </a:lnRef>
+          <a:fillRef idx="1">
+            <a:schemeClr val="accent1"/>
+          </a:fillRef>
+          <a:effectRef idx="0">
+            <a:schemeClr val="accent1"/>
+          </a:effectRef>
+          <a:fontRef idx="minor">
+            <a:schemeClr val="lt1"/>
+          </a:fontRef>
+        </p:style>
+        <p:txBody>
+          <a:bodyPr rtlCol="0" anchor="ctr"/>
+          <a:lstStyle/>
+          <a:p>
+            <a:pPr algn="ctr"/>
+            <a:endParaRPr lang="en-US" dirty="0"/>
+          </a:p>
+        </p:txBody>
+      </p:sp>
+      <p:sp>
+        <p:nvSpPr>
+          <p:cNvPr id="90" name="Rectangle 89">
+            <a:extLst>
+              <a:ext uri="{FF2B5EF4-FFF2-40B4-BE49-F238E27FC236}">
+                <a16:creationId xmlns:a16="http://schemas.microsoft.com/office/drawing/2014/main" id="{8E5B3193-02AB-47FD-8FF8-978965B1D6E9}"/>
+              </a:ext>
+            </a:extLst>
+          </p:cNvPr>
+          <p:cNvSpPr/>
+          <p:nvPr/>
+        </p:nvSpPr>
+        <p:spPr>
+          <a:xfrm>
+            <a:off x="7796492" y="3717939"/>
+            <a:ext cx="328613" cy="300037"/>
+          </a:xfrm>
+          <a:prstGeom prst="rect">
+            <a:avLst/>
+          </a:prstGeom>
+          <a:solidFill>
+            <a:schemeClr val="bg1">
+              <a:lumMod val="50000"/>
+            </a:schemeClr>
+          </a:solidFill>
+          <a:ln w="25400"/>
+        </p:spPr>
+        <p:style>
+          <a:lnRef idx="2">
+            <a:schemeClr val="accent1">
+              <a:shade val="50000"/>
+            </a:schemeClr>
+          </a:lnRef>
+          <a:fillRef idx="1">
+            <a:schemeClr val="accent1"/>
+          </a:fillRef>
+          <a:effectRef idx="0">
+            <a:schemeClr val="accent1"/>
+          </a:effectRef>
+          <a:fontRef idx="minor">
+            <a:schemeClr val="lt1"/>
+          </a:fontRef>
+        </p:style>
+        <p:txBody>
+          <a:bodyPr rtlCol="0" anchor="ctr"/>
+          <a:lstStyle/>
+          <a:p>
+            <a:pPr algn="ctr"/>
+            <a:endParaRPr lang="en-US" dirty="0"/>
+          </a:p>
+        </p:txBody>
+      </p:sp>
+      <p:sp>
+        <p:nvSpPr>
+          <p:cNvPr id="91" name="Rectangle 90">
+            <a:extLst>
+              <a:ext uri="{FF2B5EF4-FFF2-40B4-BE49-F238E27FC236}">
+                <a16:creationId xmlns:a16="http://schemas.microsoft.com/office/drawing/2014/main" id="{E157360B-227A-48D5-84DB-E24CE5FB751C}"/>
+              </a:ext>
+            </a:extLst>
+          </p:cNvPr>
+          <p:cNvSpPr/>
+          <p:nvPr/>
+        </p:nvSpPr>
+        <p:spPr>
+          <a:xfrm>
+            <a:off x="8782326" y="3717939"/>
+            <a:ext cx="328613" cy="300037"/>
+          </a:xfrm>
+          <a:prstGeom prst="rect">
+            <a:avLst/>
+          </a:prstGeom>
+          <a:solidFill>
+            <a:schemeClr val="bg1">
+              <a:lumMod val="50000"/>
+            </a:schemeClr>
+          </a:solidFill>
+          <a:ln w="25400"/>
+        </p:spPr>
+        <p:style>
+          <a:lnRef idx="2">
+            <a:schemeClr val="accent1">
+              <a:shade val="50000"/>
+            </a:schemeClr>
+          </a:lnRef>
+          <a:fillRef idx="1">
+            <a:schemeClr val="accent1"/>
+          </a:fillRef>
+          <a:effectRef idx="0">
+            <a:schemeClr val="accent1"/>
+          </a:effectRef>
+          <a:fontRef idx="minor">
+            <a:schemeClr val="lt1"/>
+          </a:fontRef>
+        </p:style>
+        <p:txBody>
+          <a:bodyPr rtlCol="0" anchor="ctr"/>
+          <a:lstStyle/>
+          <a:p>
+            <a:pPr algn="ctr"/>
+            <a:endParaRPr lang="en-US" dirty="0"/>
+          </a:p>
+        </p:txBody>
+      </p:sp>
+      <p:sp>
+        <p:nvSpPr>
+          <p:cNvPr id="92" name="Rectangle 91">
+            <a:extLst>
+              <a:ext uri="{FF2B5EF4-FFF2-40B4-BE49-F238E27FC236}">
+                <a16:creationId xmlns:a16="http://schemas.microsoft.com/office/drawing/2014/main" id="{7EE6A78A-1A4D-4AAF-8172-58351656405F}"/>
+              </a:ext>
+            </a:extLst>
+          </p:cNvPr>
+          <p:cNvSpPr/>
+          <p:nvPr/>
+        </p:nvSpPr>
+        <p:spPr>
+          <a:xfrm>
+            <a:off x="9275243" y="3717939"/>
+            <a:ext cx="328613" cy="300037"/>
+          </a:xfrm>
+          <a:prstGeom prst="rect">
+            <a:avLst/>
+          </a:prstGeom>
+          <a:solidFill>
+            <a:schemeClr val="bg1">
+              <a:lumMod val="50000"/>
+            </a:schemeClr>
+          </a:solidFill>
+          <a:ln w="25400"/>
+        </p:spPr>
+        <p:style>
+          <a:lnRef idx="2">
+            <a:schemeClr val="accent1">
+              <a:shade val="50000"/>
+            </a:schemeClr>
+          </a:lnRef>
+          <a:fillRef idx="1">
+            <a:schemeClr val="accent1"/>
+          </a:fillRef>
+          <a:effectRef idx="0">
+            <a:schemeClr val="accent1"/>
+          </a:effectRef>
+          <a:fontRef idx="minor">
+            <a:schemeClr val="lt1"/>
+          </a:fontRef>
+        </p:style>
+        <p:txBody>
+          <a:bodyPr rtlCol="0" anchor="ctr"/>
+          <a:lstStyle/>
+          <a:p>
+            <a:pPr algn="ctr"/>
+            <a:endParaRPr lang="en-US" dirty="0"/>
+          </a:p>
+        </p:txBody>
+      </p:sp>
+      <p:sp>
+        <p:nvSpPr>
+          <p:cNvPr id="20" name="Arrow: Right 19">
+            <a:extLst>
+              <a:ext uri="{FF2B5EF4-FFF2-40B4-BE49-F238E27FC236}">
+                <a16:creationId xmlns:a16="http://schemas.microsoft.com/office/drawing/2014/main" id="{1ABDED71-106E-4212-9B8E-07AF475A2E93}"/>
+              </a:ext>
+            </a:extLst>
+          </p:cNvPr>
+          <p:cNvSpPr/>
+          <p:nvPr/>
+        </p:nvSpPr>
+        <p:spPr>
+          <a:xfrm>
+            <a:off x="5876925" y="2675602"/>
+            <a:ext cx="1788065" cy="970206"/>
+          </a:xfrm>
+          <a:prstGeom prst="rightArrow">
+            <a:avLst/>
+          </a:prstGeom>
+        </p:spPr>
+        <p:style>
+          <a:lnRef idx="2">
+            <a:schemeClr val="accent1">
+              <a:shade val="50000"/>
+            </a:schemeClr>
+          </a:lnRef>
+          <a:fillRef idx="1">
+            <a:schemeClr val="accent1"/>
+          </a:fillRef>
+          <a:effectRef idx="0">
+            <a:schemeClr val="accent1"/>
+          </a:effectRef>
+          <a:fontRef idx="minor">
+            <a:schemeClr val="lt1"/>
+          </a:fontRef>
+        </p:style>
+        <p:txBody>
+          <a:bodyPr rtlCol="0" anchor="ctr"/>
+          <a:lstStyle/>
+          <a:p>
+            <a:pPr algn="ctr"/>
+            <a:endParaRPr lang="en-US"/>
+          </a:p>
+        </p:txBody>
+      </p:sp>
+      <p:sp>
+        <p:nvSpPr>
+          <p:cNvPr id="97" name="TextBox 96">
+            <a:extLst>
+              <a:ext uri="{FF2B5EF4-FFF2-40B4-BE49-F238E27FC236}">
+                <a16:creationId xmlns:a16="http://schemas.microsoft.com/office/drawing/2014/main" id="{F33A27BE-9640-4A0A-8492-E066F57C98F3}"/>
+              </a:ext>
+            </a:extLst>
+          </p:cNvPr>
+          <p:cNvSpPr txBox="1"/>
+          <p:nvPr/>
+        </p:nvSpPr>
+        <p:spPr>
+          <a:xfrm>
+            <a:off x="5683543" y="1887344"/>
+            <a:ext cx="2104656" cy="830997"/>
+          </a:xfrm>
+          <a:prstGeom prst="rect">
+            <a:avLst/>
+          </a:prstGeom>
+          <a:noFill/>
+        </p:spPr>
+        <p:txBody>
+          <a:bodyPr wrap="square" rtlCol="0">
+            <a:spAutoFit/>
+          </a:bodyPr>
+          <a:lstStyle/>
+          <a:p>
+            <a:pPr algn="ctr"/>
+            <a:r>
+              <a:rPr lang="en-US" sz="2400" dirty="0"/>
+              <a:t>Convolution</a:t>
+            </a:r>
+          </a:p>
+          <a:p>
+            <a:pPr algn="ctr"/>
+            <a:r>
+              <a:rPr lang="en-US" sz="2400" dirty="0"/>
+              <a:t>Operations</a:t>
+            </a:r>
+          </a:p>
+        </p:txBody>
+      </p:sp>
+    </p:spTree>
+    <p:extLst>
+      <p:ext uri="{BB962C8B-B14F-4D97-AF65-F5344CB8AC3E}">
+        <p14:creationId xmlns:p14="http://schemas.microsoft.com/office/powerpoint/2010/main" val="592511174"/>
+      </p:ext>
+    </p:extLst>
+  </p:cSld>
+  <p:clrMapOvr>
+    <a:masterClrMapping/>
+  </p:clrMapOvr>
+</p:sld>
+</file>
+
 <file path=ppt/theme/theme1.xml><?xml version="1.0" encoding="utf-8"?>
 <a:theme xmlns:a="http://schemas.openxmlformats.org/drawingml/2006/main" name="Office Theme">
   <a:themeElements>

--- a/Lesson4/img/Figures.pptx
+++ b/Lesson4/img/Figures.pptx
@@ -266,7 +266,7 @@
           <a:p>
             <a:fld id="{B2C64E0C-F35A-439A-841E-4A83042C2EC5}" type="datetimeFigureOut">
               <a:rPr lang="en-US" smtClean="0"/>
-              <a:t>4/26/2018</a:t>
+              <a:t>3/14/2019</a:t>
             </a:fld>
             <a:endParaRPr lang="en-US"/>
           </a:p>
@@ -464,7 +464,7 @@
           <a:p>
             <a:fld id="{B2C64E0C-F35A-439A-841E-4A83042C2EC5}" type="datetimeFigureOut">
               <a:rPr lang="en-US" smtClean="0"/>
-              <a:t>4/26/2018</a:t>
+              <a:t>3/14/2019</a:t>
             </a:fld>
             <a:endParaRPr lang="en-US"/>
           </a:p>
@@ -672,7 +672,7 @@
           <a:p>
             <a:fld id="{B2C64E0C-F35A-439A-841E-4A83042C2EC5}" type="datetimeFigureOut">
               <a:rPr lang="en-US" smtClean="0"/>
-              <a:t>4/26/2018</a:t>
+              <a:t>3/14/2019</a:t>
             </a:fld>
             <a:endParaRPr lang="en-US"/>
           </a:p>
@@ -870,7 +870,7 @@
           <a:p>
             <a:fld id="{B2C64E0C-F35A-439A-841E-4A83042C2EC5}" type="datetimeFigureOut">
               <a:rPr lang="en-US" smtClean="0"/>
-              <a:t>4/26/2018</a:t>
+              <a:t>3/14/2019</a:t>
             </a:fld>
             <a:endParaRPr lang="en-US"/>
           </a:p>
@@ -1145,7 +1145,7 @@
           <a:p>
             <a:fld id="{B2C64E0C-F35A-439A-841E-4A83042C2EC5}" type="datetimeFigureOut">
               <a:rPr lang="en-US" smtClean="0"/>
-              <a:t>4/26/2018</a:t>
+              <a:t>3/14/2019</a:t>
             </a:fld>
             <a:endParaRPr lang="en-US"/>
           </a:p>
@@ -1410,7 +1410,7 @@
           <a:p>
             <a:fld id="{B2C64E0C-F35A-439A-841E-4A83042C2EC5}" type="datetimeFigureOut">
               <a:rPr lang="en-US" smtClean="0"/>
-              <a:t>4/26/2018</a:t>
+              <a:t>3/14/2019</a:t>
             </a:fld>
             <a:endParaRPr lang="en-US"/>
           </a:p>
@@ -1822,7 +1822,7 @@
           <a:p>
             <a:fld id="{B2C64E0C-F35A-439A-841E-4A83042C2EC5}" type="datetimeFigureOut">
               <a:rPr lang="en-US" smtClean="0"/>
-              <a:t>4/26/2018</a:t>
+              <a:t>3/14/2019</a:t>
             </a:fld>
             <a:endParaRPr lang="en-US"/>
           </a:p>
@@ -1963,7 +1963,7 @@
           <a:p>
             <a:fld id="{B2C64E0C-F35A-439A-841E-4A83042C2EC5}" type="datetimeFigureOut">
               <a:rPr lang="en-US" smtClean="0"/>
-              <a:t>4/26/2018</a:t>
+              <a:t>3/14/2019</a:t>
             </a:fld>
             <a:endParaRPr lang="en-US"/>
           </a:p>
@@ -2076,7 +2076,7 @@
           <a:p>
             <a:fld id="{B2C64E0C-F35A-439A-841E-4A83042C2EC5}" type="datetimeFigureOut">
               <a:rPr lang="en-US" smtClean="0"/>
-              <a:t>4/26/2018</a:t>
+              <a:t>3/14/2019</a:t>
             </a:fld>
             <a:endParaRPr lang="en-US"/>
           </a:p>
@@ -2387,7 +2387,7 @@
           <a:p>
             <a:fld id="{B2C64E0C-F35A-439A-841E-4A83042C2EC5}" type="datetimeFigureOut">
               <a:rPr lang="en-US" smtClean="0"/>
-              <a:t>4/26/2018</a:t>
+              <a:t>3/14/2019</a:t>
             </a:fld>
             <a:endParaRPr lang="en-US"/>
           </a:p>
@@ -2675,7 +2675,7 @@
           <a:p>
             <a:fld id="{B2C64E0C-F35A-439A-841E-4A83042C2EC5}" type="datetimeFigureOut">
               <a:rPr lang="en-US" smtClean="0"/>
-              <a:t>4/26/2018</a:t>
+              <a:t>3/14/2019</a:t>
             </a:fld>
             <a:endParaRPr lang="en-US"/>
           </a:p>
@@ -2916,7 +2916,7 @@
           <a:p>
             <a:fld id="{B2C64E0C-F35A-439A-841E-4A83042C2EC5}" type="datetimeFigureOut">
               <a:rPr lang="en-US" smtClean="0"/>
-              <a:t>4/26/2018</a:t>
+              <a:t>3/14/2019</a:t>
             </a:fld>
             <a:endParaRPr lang="en-US"/>
           </a:p>
